--- a/Présentation.pptx
+++ b/Présentation.pptx
@@ -151,15 +151,17 @@
 </file>
 
 <file path=ppt/diagrams/colors1.xml><?xml version="1.0" encoding="utf-8"?>
-<dgm:colorsDef xmlns:dgm="http://schemas.openxmlformats.org/drawingml/2006/diagram" xmlns:a="http://schemas.openxmlformats.org/drawingml/2006/main" uniqueId="urn:microsoft.com/office/officeart/2005/8/colors/accent1_2">
+<dgm:colorsDef xmlns:dgm="http://schemas.openxmlformats.org/drawingml/2006/diagram" xmlns:a="http://schemas.openxmlformats.org/drawingml/2006/main" uniqueId="urn:microsoft.com/office/officeart/2005/8/colors/accent6_4">
   <dgm:title val=""/>
   <dgm:desc val=""/>
   <dgm:catLst>
-    <dgm:cat type="accent1" pri="11200"/>
+    <dgm:cat type="accent6" pri="11400"/>
   </dgm:catLst>
   <dgm:styleLbl name="node0">
-    <dgm:fillClrLst meth="repeat">
-      <a:schemeClr val="accent1"/>
+    <dgm:fillClrLst meth="cycle">
+      <a:schemeClr val="accent6">
+        <a:shade val="60000"/>
+      </a:schemeClr>
     </dgm:fillClrLst>
     <dgm:linClrLst meth="repeat">
       <a:schemeClr val="lt1"/>
@@ -170,11 +172,21 @@
     <dgm:txEffectClrLst/>
   </dgm:styleLbl>
   <dgm:styleLbl name="alignNode1">
-    <dgm:fillClrLst meth="repeat">
-      <a:schemeClr val="accent1"/>
+    <dgm:fillClrLst meth="cycle">
+      <a:schemeClr val="accent6">
+        <a:shade val="50000"/>
+      </a:schemeClr>
+      <a:schemeClr val="accent6">
+        <a:tint val="55000"/>
+      </a:schemeClr>
     </dgm:fillClrLst>
-    <dgm:linClrLst meth="repeat">
-      <a:schemeClr val="accent1"/>
+    <dgm:linClrLst meth="cycle">
+      <a:schemeClr val="accent6">
+        <a:shade val="50000"/>
+      </a:schemeClr>
+      <a:schemeClr val="accent6">
+        <a:tint val="55000"/>
+      </a:schemeClr>
     </dgm:linClrLst>
     <dgm:effectClrLst/>
     <dgm:txLinClrLst/>
@@ -182,8 +194,13 @@
     <dgm:txEffectClrLst/>
   </dgm:styleLbl>
   <dgm:styleLbl name="node1">
-    <dgm:fillClrLst meth="repeat">
-      <a:schemeClr val="accent1"/>
+    <dgm:fillClrLst meth="cycle">
+      <a:schemeClr val="accent6">
+        <a:shade val="50000"/>
+      </a:schemeClr>
+      <a:schemeClr val="accent6">
+        <a:tint val="55000"/>
+      </a:schemeClr>
     </dgm:fillClrLst>
     <dgm:linClrLst meth="repeat">
       <a:schemeClr val="lt1"/>
@@ -194,8 +211,13 @@
     <dgm:txEffectClrLst/>
   </dgm:styleLbl>
   <dgm:styleLbl name="lnNode1">
-    <dgm:fillClrLst meth="repeat">
-      <a:schemeClr val="accent1"/>
+    <dgm:fillClrLst meth="cycle">
+      <a:schemeClr val="accent6">
+        <a:shade val="50000"/>
+      </a:schemeClr>
+      <a:schemeClr val="accent6">
+        <a:tint val="55000"/>
+      </a:schemeClr>
     </dgm:fillClrLst>
     <dgm:linClrLst meth="repeat">
       <a:schemeClr val="lt1"/>
@@ -206,8 +228,13 @@
     <dgm:txEffectClrLst/>
   </dgm:styleLbl>
   <dgm:styleLbl name="vennNode1">
-    <dgm:fillClrLst meth="repeat">
-      <a:schemeClr val="accent1">
+    <dgm:fillClrLst meth="cycle">
+      <a:schemeClr val="accent6">
+        <a:shade val="80000"/>
+        <a:alpha val="50000"/>
+      </a:schemeClr>
+      <a:schemeClr val="accent6">
+        <a:tint val="50000"/>
         <a:alpha val="50000"/>
       </a:schemeClr>
     </dgm:fillClrLst>
@@ -220,8 +247,10 @@
     <dgm:txEffectClrLst/>
   </dgm:styleLbl>
   <dgm:styleLbl name="node2">
-    <dgm:fillClrLst meth="repeat">
-      <a:schemeClr val="accent1"/>
+    <dgm:fillClrLst>
+      <a:schemeClr val="accent6">
+        <a:shade val="80000"/>
+      </a:schemeClr>
     </dgm:fillClrLst>
     <dgm:linClrLst meth="repeat">
       <a:schemeClr val="lt1"/>
@@ -232,8 +261,10 @@
     <dgm:txEffectClrLst/>
   </dgm:styleLbl>
   <dgm:styleLbl name="node3">
-    <dgm:fillClrLst meth="repeat">
-      <a:schemeClr val="accent1"/>
+    <dgm:fillClrLst>
+      <a:schemeClr val="accent6">
+        <a:tint val="99000"/>
+      </a:schemeClr>
     </dgm:fillClrLst>
     <dgm:linClrLst meth="repeat">
       <a:schemeClr val="lt1"/>
@@ -244,8 +275,10 @@
     <dgm:txEffectClrLst/>
   </dgm:styleLbl>
   <dgm:styleLbl name="node4">
-    <dgm:fillClrLst meth="repeat">
-      <a:schemeClr val="accent1"/>
+    <dgm:fillClrLst>
+      <a:schemeClr val="accent6">
+        <a:tint val="70000"/>
+      </a:schemeClr>
     </dgm:fillClrLst>
     <dgm:linClrLst meth="repeat">
       <a:schemeClr val="lt1"/>
@@ -256,9 +289,12 @@
     <dgm:txEffectClrLst/>
   </dgm:styleLbl>
   <dgm:styleLbl name="fgImgPlace1">
-    <dgm:fillClrLst meth="repeat">
-      <a:schemeClr val="accent1">
+    <dgm:fillClrLst>
+      <a:schemeClr val="accent6">
         <a:tint val="50000"/>
+      </a:schemeClr>
+      <a:schemeClr val="accent6">
+        <a:tint val="55000"/>
       </a:schemeClr>
     </dgm:fillClrLst>
     <dgm:linClrLst meth="repeat">
@@ -272,9 +308,12 @@
     <dgm:txEffectClrLst/>
   </dgm:styleLbl>
   <dgm:styleLbl name="alignImgPlace1">
-    <dgm:fillClrLst meth="repeat">
-      <a:schemeClr val="accent1">
+    <dgm:fillClrLst>
+      <a:schemeClr val="accent6">
         <a:tint val="50000"/>
+      </a:schemeClr>
+      <a:schemeClr val="accent6">
+        <a:tint val="55000"/>
       </a:schemeClr>
     </dgm:fillClrLst>
     <dgm:linClrLst meth="repeat">
@@ -288,9 +327,12 @@
     <dgm:txEffectClrLst/>
   </dgm:styleLbl>
   <dgm:styleLbl name="bgImgPlace1">
-    <dgm:fillClrLst meth="repeat">
-      <a:schemeClr val="accent1">
+    <dgm:fillClrLst>
+      <a:schemeClr val="accent6">
         <a:tint val="50000"/>
+      </a:schemeClr>
+      <a:schemeClr val="accent6">
+        <a:tint val="55000"/>
       </a:schemeClr>
     </dgm:fillClrLst>
     <dgm:linClrLst meth="repeat">
@@ -304,14 +346,20 @@
     <dgm:txEffectClrLst/>
   </dgm:styleLbl>
   <dgm:styleLbl name="sibTrans2D1">
-    <dgm:fillClrLst meth="repeat">
-      <a:schemeClr val="accent1">
-        <a:tint val="60000"/>
+    <dgm:fillClrLst meth="cycle">
+      <a:schemeClr val="accent6">
+        <a:shade val="90000"/>
+      </a:schemeClr>
+      <a:schemeClr val="accent6">
+        <a:tint val="50000"/>
       </a:schemeClr>
     </dgm:fillClrLst>
-    <dgm:linClrLst meth="repeat">
-      <a:schemeClr val="accent1">
-        <a:tint val="60000"/>
+    <dgm:linClrLst meth="cycle">
+      <a:schemeClr val="accent6">
+        <a:shade val="90000"/>
+      </a:schemeClr>
+      <a:schemeClr val="accent6">
+        <a:tint val="50000"/>
       </a:schemeClr>
     </dgm:linClrLst>
     <dgm:effectClrLst/>
@@ -320,14 +368,20 @@
     <dgm:txEffectClrLst/>
   </dgm:styleLbl>
   <dgm:styleLbl name="fgSibTrans2D1">
-    <dgm:fillClrLst meth="repeat">
-      <a:schemeClr val="accent1">
-        <a:tint val="60000"/>
+    <dgm:fillClrLst meth="cycle">
+      <a:schemeClr val="accent6">
+        <a:shade val="90000"/>
+      </a:schemeClr>
+      <a:schemeClr val="accent6">
+        <a:tint val="50000"/>
       </a:schemeClr>
     </dgm:fillClrLst>
-    <dgm:linClrLst meth="repeat">
-      <a:schemeClr val="accent1">
-        <a:tint val="60000"/>
+    <dgm:linClrLst meth="cycle">
+      <a:schemeClr val="accent6">
+        <a:shade val="90000"/>
+      </a:schemeClr>
+      <a:schemeClr val="accent6">
+        <a:tint val="50000"/>
       </a:schemeClr>
     </dgm:linClrLst>
     <dgm:effectClrLst/>
@@ -336,14 +390,20 @@
     <dgm:txEffectClrLst/>
   </dgm:styleLbl>
   <dgm:styleLbl name="bgSibTrans2D1">
-    <dgm:fillClrLst meth="repeat">
-      <a:schemeClr val="accent1">
-        <a:tint val="60000"/>
+    <dgm:fillClrLst meth="cycle">
+      <a:schemeClr val="accent6">
+        <a:shade val="90000"/>
+      </a:schemeClr>
+      <a:schemeClr val="accent6">
+        <a:tint val="50000"/>
       </a:schemeClr>
     </dgm:fillClrLst>
-    <dgm:linClrLst meth="repeat">
-      <a:schemeClr val="accent1">
-        <a:tint val="60000"/>
+    <dgm:linClrLst meth="cycle">
+      <a:schemeClr val="accent6">
+        <a:shade val="90000"/>
+      </a:schemeClr>
+      <a:schemeClr val="accent6">
+        <a:tint val="50000"/>
       </a:schemeClr>
     </dgm:linClrLst>
     <dgm:effectClrLst/>
@@ -352,25 +412,19 @@
     <dgm:txEffectClrLst/>
   </dgm:styleLbl>
   <dgm:styleLbl name="sibTrans1D1">
-    <dgm:fillClrLst meth="repeat">
-      <a:schemeClr val="accent1"/>
+    <dgm:fillClrLst meth="cycle">
+      <a:schemeClr val="accent6">
+        <a:shade val="90000"/>
+      </a:schemeClr>
+      <a:schemeClr val="accent6">
+        <a:tint val="50000"/>
+      </a:schemeClr>
     </dgm:fillClrLst>
-    <dgm:linClrLst meth="repeat">
-      <a:schemeClr val="accent1"/>
-    </dgm:linClrLst>
-    <dgm:effectClrLst/>
-    <dgm:txLinClrLst/>
-    <dgm:txFillClrLst meth="repeat">
-      <a:schemeClr val="tx1"/>
-    </dgm:txFillClrLst>
-    <dgm:txEffectClrLst/>
-  </dgm:styleLbl>
-  <dgm:styleLbl name="callout">
-    <dgm:fillClrLst meth="repeat">
-      <a:schemeClr val="accent1"/>
-    </dgm:fillClrLst>
-    <dgm:linClrLst meth="repeat">
-      <a:schemeClr val="accent1">
+    <dgm:linClrLst meth="cycle">
+      <a:schemeClr val="accent6">
+        <a:shade val="90000"/>
+      </a:schemeClr>
+      <a:schemeClr val="accent6">
         <a:tint val="50000"/>
       </a:schemeClr>
     </dgm:linClrLst>
@@ -381,9 +435,25 @@
     </dgm:txFillClrLst>
     <dgm:txEffectClrLst/>
   </dgm:styleLbl>
+  <dgm:styleLbl name="callout">
+    <dgm:fillClrLst meth="repeat">
+      <a:schemeClr val="accent6"/>
+    </dgm:fillClrLst>
+    <dgm:linClrLst meth="repeat">
+      <a:schemeClr val="accent6"/>
+    </dgm:linClrLst>
+    <dgm:effectClrLst/>
+    <dgm:txLinClrLst/>
+    <dgm:txFillClrLst meth="repeat">
+      <a:schemeClr val="tx1"/>
+    </dgm:txFillClrLst>
+    <dgm:txEffectClrLst/>
+  </dgm:styleLbl>
   <dgm:styleLbl name="asst0">
     <dgm:fillClrLst meth="repeat">
-      <a:schemeClr val="accent1"/>
+      <a:schemeClr val="accent6">
+        <a:shade val="80000"/>
+      </a:schemeClr>
     </dgm:fillClrLst>
     <dgm:linClrLst meth="repeat">
       <a:schemeClr val="lt1"/>
@@ -395,7 +465,9 @@
   </dgm:styleLbl>
   <dgm:styleLbl name="asst1">
     <dgm:fillClrLst meth="repeat">
-      <a:schemeClr val="accent1"/>
+      <a:schemeClr val="accent6">
+        <a:shade val="80000"/>
+      </a:schemeClr>
     </dgm:fillClrLst>
     <dgm:linClrLst meth="repeat">
       <a:schemeClr val="lt1"/>
@@ -406,8 +478,10 @@
     <dgm:txEffectClrLst/>
   </dgm:styleLbl>
   <dgm:styleLbl name="asst2">
-    <dgm:fillClrLst meth="repeat">
-      <a:schemeClr val="accent1"/>
+    <dgm:fillClrLst>
+      <a:schemeClr val="accent6">
+        <a:tint val="90000"/>
+      </a:schemeClr>
     </dgm:fillClrLst>
     <dgm:linClrLst meth="repeat">
       <a:schemeClr val="lt1"/>
@@ -418,8 +492,10 @@
     <dgm:txEffectClrLst/>
   </dgm:styleLbl>
   <dgm:styleLbl name="asst3">
-    <dgm:fillClrLst meth="repeat">
-      <a:schemeClr val="accent1"/>
+    <dgm:fillClrLst>
+      <a:schemeClr val="accent6">
+        <a:tint val="70000"/>
+      </a:schemeClr>
     </dgm:fillClrLst>
     <dgm:linClrLst meth="repeat">
       <a:schemeClr val="lt1"/>
@@ -430,8 +506,10 @@
     <dgm:txEffectClrLst/>
   </dgm:styleLbl>
   <dgm:styleLbl name="asst4">
-    <dgm:fillClrLst meth="repeat">
-      <a:schemeClr val="accent1"/>
+    <dgm:fillClrLst>
+      <a:schemeClr val="accent6">
+        <a:tint val="50000"/>
+      </a:schemeClr>
     </dgm:fillClrLst>
     <dgm:linClrLst meth="repeat">
       <a:schemeClr val="lt1"/>
@@ -443,102 +521,78 @@
   </dgm:styleLbl>
   <dgm:styleLbl name="parChTrans2D1">
     <dgm:fillClrLst meth="repeat">
-      <a:schemeClr val="accent1">
+      <a:schemeClr val="accent6">
         <a:tint val="60000"/>
       </a:schemeClr>
     </dgm:fillClrLst>
     <dgm:linClrLst meth="repeat">
-      <a:schemeClr val="accent1">
-        <a:tint val="60000"/>
+      <a:schemeClr val="accent6">
+        <a:shade val="80000"/>
+      </a:schemeClr>
+    </dgm:linClrLst>
+    <dgm:effectClrLst/>
+    <dgm:txLinClrLst/>
+    <dgm:txFillClrLst/>
+    <dgm:txEffectClrLst/>
+  </dgm:styleLbl>
+  <dgm:styleLbl name="parChTrans2D2">
+    <dgm:fillClrLst meth="repeat">
+      <a:schemeClr val="accent6">
+        <a:tint val="90000"/>
+      </a:schemeClr>
+    </dgm:fillClrLst>
+    <dgm:linClrLst meth="repeat">
+      <a:schemeClr val="accent6">
+        <a:tint val="90000"/>
+      </a:schemeClr>
+    </dgm:linClrLst>
+    <dgm:effectClrLst/>
+    <dgm:txLinClrLst/>
+    <dgm:txFillClrLst/>
+    <dgm:txEffectClrLst/>
+  </dgm:styleLbl>
+  <dgm:styleLbl name="parChTrans2D3">
+    <dgm:fillClrLst meth="repeat">
+      <a:schemeClr val="accent6">
+        <a:tint val="70000"/>
+      </a:schemeClr>
+    </dgm:fillClrLst>
+    <dgm:linClrLst meth="repeat">
+      <a:schemeClr val="accent6">
+        <a:tint val="70000"/>
+      </a:schemeClr>
+    </dgm:linClrLst>
+    <dgm:effectClrLst/>
+    <dgm:txLinClrLst/>
+    <dgm:txFillClrLst/>
+    <dgm:txEffectClrLst/>
+  </dgm:styleLbl>
+  <dgm:styleLbl name="parChTrans2D4">
+    <dgm:fillClrLst meth="repeat">
+      <a:schemeClr val="accent6">
+        <a:tint val="50000"/>
+      </a:schemeClr>
+    </dgm:fillClrLst>
+    <dgm:linClrLst meth="repeat">
+      <a:schemeClr val="accent6">
+        <a:tint val="50000"/>
       </a:schemeClr>
     </dgm:linClrLst>
     <dgm:effectClrLst/>
     <dgm:txLinClrLst/>
     <dgm:txFillClrLst meth="repeat">
-      <a:schemeClr val="lt1"/>
+      <a:schemeClr val="dk1"/>
     </dgm:txFillClrLst>
     <dgm:txEffectClrLst/>
   </dgm:styleLbl>
-  <dgm:styleLbl name="parChTrans2D2">
+  <dgm:styleLbl name="parChTrans1D1">
     <dgm:fillClrLst meth="repeat">
-      <a:schemeClr val="accent1"/>
+      <a:schemeClr val="accent6">
+        <a:shade val="80000"/>
+      </a:schemeClr>
     </dgm:fillClrLst>
     <dgm:linClrLst meth="repeat">
-      <a:schemeClr val="accent1"/>
-    </dgm:linClrLst>
-    <dgm:effectClrLst/>
-    <dgm:txLinClrLst/>
-    <dgm:txFillClrLst meth="repeat">
-      <a:schemeClr val="lt1"/>
-    </dgm:txFillClrLst>
-    <dgm:txEffectClrLst/>
-  </dgm:styleLbl>
-  <dgm:styleLbl name="parChTrans2D3">
-    <dgm:fillClrLst meth="repeat">
-      <a:schemeClr val="accent1"/>
-    </dgm:fillClrLst>
-    <dgm:linClrLst meth="repeat">
-      <a:schemeClr val="accent1"/>
-    </dgm:linClrLst>
-    <dgm:effectClrLst/>
-    <dgm:txLinClrLst/>
-    <dgm:txFillClrLst meth="repeat">
-      <a:schemeClr val="lt1"/>
-    </dgm:txFillClrLst>
-    <dgm:txEffectClrLst/>
-  </dgm:styleLbl>
-  <dgm:styleLbl name="parChTrans2D4">
-    <dgm:fillClrLst meth="repeat">
-      <a:schemeClr val="accent1"/>
-    </dgm:fillClrLst>
-    <dgm:linClrLst meth="repeat">
-      <a:schemeClr val="accent1"/>
-    </dgm:linClrLst>
-    <dgm:effectClrLst/>
-    <dgm:txLinClrLst/>
-    <dgm:txFillClrLst meth="repeat">
-      <a:schemeClr val="lt1"/>
-    </dgm:txFillClrLst>
-    <dgm:txEffectClrLst/>
-  </dgm:styleLbl>
-  <dgm:styleLbl name="parChTrans1D1">
-    <dgm:fillClrLst meth="repeat">
-      <a:schemeClr val="accent1"/>
-    </dgm:fillClrLst>
-    <dgm:linClrLst meth="repeat">
-      <a:schemeClr val="accent1">
-        <a:shade val="60000"/>
-      </a:schemeClr>
-    </dgm:linClrLst>
-    <dgm:effectClrLst/>
-    <dgm:txLinClrLst/>
-    <dgm:txFillClrLst meth="repeat">
-      <a:schemeClr val="tx1"/>
-    </dgm:txFillClrLst>
-    <dgm:txEffectClrLst/>
-  </dgm:styleLbl>
-  <dgm:styleLbl name="parChTrans1D2">
-    <dgm:fillClrLst meth="repeat">
-      <a:schemeClr val="accent1"/>
-    </dgm:fillClrLst>
-    <dgm:linClrLst meth="repeat">
-      <a:schemeClr val="accent1">
-        <a:shade val="60000"/>
-      </a:schemeClr>
-    </dgm:linClrLst>
-    <dgm:effectClrLst/>
-    <dgm:txLinClrLst/>
-    <dgm:txFillClrLst meth="repeat">
-      <a:schemeClr val="tx1"/>
-    </dgm:txFillClrLst>
-    <dgm:txEffectClrLst/>
-  </dgm:styleLbl>
-  <dgm:styleLbl name="parChTrans1D3">
-    <dgm:fillClrLst meth="repeat">
-      <a:schemeClr val="accent1"/>
-    </dgm:fillClrLst>
-    <dgm:linClrLst meth="repeat">
-      <a:schemeClr val="accent1">
+      <a:schemeClr val="accent6">
         <a:shade val="80000"/>
       </a:schemeClr>
     </dgm:linClrLst>
@@ -549,13 +603,15 @@
     </dgm:txFillClrLst>
     <dgm:txEffectClrLst/>
   </dgm:styleLbl>
-  <dgm:styleLbl name="parChTrans1D4">
+  <dgm:styleLbl name="parChTrans1D2">
     <dgm:fillClrLst meth="repeat">
-      <a:schemeClr val="accent1"/>
+      <a:schemeClr val="accent6">
+        <a:tint val="90000"/>
+      </a:schemeClr>
     </dgm:fillClrLst>
     <dgm:linClrLst meth="repeat">
-      <a:schemeClr val="accent1">
-        <a:shade val="80000"/>
+      <a:schemeClr val="accent6">
+        <a:tint val="90000"/>
       </a:schemeClr>
     </dgm:linClrLst>
     <dgm:effectClrLst/>
@@ -565,139 +621,54 @@
     </dgm:txFillClrLst>
     <dgm:txEffectClrLst/>
   </dgm:styleLbl>
+  <dgm:styleLbl name="parChTrans1D3">
+    <dgm:fillClrLst meth="repeat">
+      <a:schemeClr val="accent6">
+        <a:tint val="70000"/>
+      </a:schemeClr>
+    </dgm:fillClrLst>
+    <dgm:linClrLst meth="repeat">
+      <a:schemeClr val="accent6">
+        <a:tint val="70000"/>
+      </a:schemeClr>
+    </dgm:linClrLst>
+    <dgm:effectClrLst/>
+    <dgm:txLinClrLst/>
+    <dgm:txFillClrLst meth="repeat">
+      <a:schemeClr val="tx1"/>
+    </dgm:txFillClrLst>
+    <dgm:txEffectClrLst/>
+  </dgm:styleLbl>
+  <dgm:styleLbl name="parChTrans1D4">
+    <dgm:fillClrLst meth="repeat">
+      <a:schemeClr val="accent6">
+        <a:tint val="50000"/>
+      </a:schemeClr>
+    </dgm:fillClrLst>
+    <dgm:linClrLst meth="repeat">
+      <a:schemeClr val="accent6">
+        <a:tint val="50000"/>
+      </a:schemeClr>
+    </dgm:linClrLst>
+    <dgm:effectClrLst/>
+    <dgm:txLinClrLst/>
+    <dgm:txFillClrLst meth="repeat">
+      <a:schemeClr val="tx1"/>
+    </dgm:txFillClrLst>
+    <dgm:txEffectClrLst/>
+  </dgm:styleLbl>
   <dgm:styleLbl name="fgAcc1">
     <dgm:fillClrLst meth="repeat">
       <a:schemeClr val="lt1">
         <a:alpha val="90000"/>
       </a:schemeClr>
     </dgm:fillClrLst>
-    <dgm:linClrLst meth="repeat">
-      <a:schemeClr val="accent1"/>
-    </dgm:linClrLst>
-    <dgm:effectClrLst/>
-    <dgm:txLinClrLst/>
-    <dgm:txFillClrLst meth="repeat">
-      <a:schemeClr val="dk1"/>
-    </dgm:txFillClrLst>
-    <dgm:txEffectClrLst/>
-  </dgm:styleLbl>
-  <dgm:styleLbl name="conFgAcc1">
-    <dgm:fillClrLst meth="repeat">
-      <a:schemeClr val="lt1">
-        <a:alpha val="90000"/>
+    <dgm:linClrLst meth="cycle">
+      <a:schemeClr val="accent6">
+        <a:shade val="50000"/>
       </a:schemeClr>
-    </dgm:fillClrLst>
-    <dgm:linClrLst meth="repeat">
-      <a:schemeClr val="accent1"/>
-    </dgm:linClrLst>
-    <dgm:effectClrLst/>
-    <dgm:txLinClrLst/>
-    <dgm:txFillClrLst meth="repeat">
-      <a:schemeClr val="dk1"/>
-    </dgm:txFillClrLst>
-    <dgm:txEffectClrLst/>
-  </dgm:styleLbl>
-  <dgm:styleLbl name="alignAcc1">
-    <dgm:fillClrLst meth="repeat">
-      <a:schemeClr val="lt1">
-        <a:alpha val="90000"/>
-      </a:schemeClr>
-    </dgm:fillClrLst>
-    <dgm:linClrLst meth="repeat">
-      <a:schemeClr val="accent1"/>
-    </dgm:linClrLst>
-    <dgm:effectClrLst/>
-    <dgm:txLinClrLst/>
-    <dgm:txFillClrLst meth="repeat">
-      <a:schemeClr val="dk1"/>
-    </dgm:txFillClrLst>
-    <dgm:txEffectClrLst/>
-  </dgm:styleLbl>
-  <dgm:styleLbl name="trAlignAcc1">
-    <dgm:fillClrLst meth="repeat">
-      <a:schemeClr val="lt1">
-        <a:alpha val="40000"/>
-      </a:schemeClr>
-    </dgm:fillClrLst>
-    <dgm:linClrLst meth="repeat">
-      <a:schemeClr val="accent1"/>
-    </dgm:linClrLst>
-    <dgm:effectClrLst/>
-    <dgm:txLinClrLst/>
-    <dgm:txFillClrLst meth="repeat">
-      <a:schemeClr val="dk1"/>
-    </dgm:txFillClrLst>
-    <dgm:txEffectClrLst/>
-  </dgm:styleLbl>
-  <dgm:styleLbl name="bgAcc1">
-    <dgm:fillClrLst meth="repeat">
-      <a:schemeClr val="lt1">
-        <a:alpha val="90000"/>
-      </a:schemeClr>
-    </dgm:fillClrLst>
-    <dgm:linClrLst meth="repeat">
-      <a:schemeClr val="accent1"/>
-    </dgm:linClrLst>
-    <dgm:effectClrLst/>
-    <dgm:txLinClrLst/>
-    <dgm:txFillClrLst meth="repeat">
-      <a:schemeClr val="dk1"/>
-    </dgm:txFillClrLst>
-    <dgm:txEffectClrLst/>
-  </dgm:styleLbl>
-  <dgm:styleLbl name="solidFgAcc1">
-    <dgm:fillClrLst meth="repeat">
-      <a:schemeClr val="lt1"/>
-    </dgm:fillClrLst>
-    <dgm:linClrLst meth="repeat">
-      <a:schemeClr val="accent1"/>
-    </dgm:linClrLst>
-    <dgm:effectClrLst/>
-    <dgm:txLinClrLst/>
-    <dgm:txFillClrLst meth="repeat">
-      <a:schemeClr val="dk1"/>
-    </dgm:txFillClrLst>
-    <dgm:txEffectClrLst/>
-  </dgm:styleLbl>
-  <dgm:styleLbl name="solidAlignAcc1">
-    <dgm:fillClrLst meth="repeat">
-      <a:schemeClr val="lt1"/>
-    </dgm:fillClrLst>
-    <dgm:linClrLst meth="repeat">
-      <a:schemeClr val="accent1"/>
-    </dgm:linClrLst>
-    <dgm:effectClrLst/>
-    <dgm:txLinClrLst/>
-    <dgm:txFillClrLst meth="repeat">
-      <a:schemeClr val="dk1"/>
-    </dgm:txFillClrLst>
-    <dgm:txEffectClrLst/>
-  </dgm:styleLbl>
-  <dgm:styleLbl name="solidBgAcc1">
-    <dgm:fillClrLst meth="repeat">
-      <a:schemeClr val="lt1"/>
-    </dgm:fillClrLst>
-    <dgm:linClrLst meth="repeat">
-      <a:schemeClr val="accent1"/>
-    </dgm:linClrLst>
-    <dgm:effectClrLst/>
-    <dgm:txLinClrLst/>
-    <dgm:txFillClrLst meth="repeat">
-      <a:schemeClr val="dk1"/>
-    </dgm:txFillClrLst>
-    <dgm:txEffectClrLst/>
-  </dgm:styleLbl>
-  <dgm:styleLbl name="fgAccFollowNode1">
-    <dgm:fillClrLst meth="repeat">
-      <a:schemeClr val="accent1">
-        <a:alpha val="90000"/>
-        <a:tint val="40000"/>
-      </a:schemeClr>
-    </dgm:fillClrLst>
-    <dgm:linClrLst meth="repeat">
-      <a:schemeClr val="accent1">
-        <a:alpha val="90000"/>
-        <a:tint val="40000"/>
+      <a:schemeClr val="accent6">
+        <a:tint val="55000"/>
       </a:schemeClr>
     </dgm:linClrLst>
     <dgm:effectClrLst/>
@@ -707,17 +678,18 @@
     </dgm:txFillClrLst>
     <dgm:txEffectClrLst/>
   </dgm:styleLbl>
-  <dgm:styleLbl name="alignAccFollowNode1">
+  <dgm:styleLbl name="conFgAcc1">
     <dgm:fillClrLst meth="repeat">
-      <a:schemeClr val="accent1">
+      <a:schemeClr val="lt1">
         <a:alpha val="90000"/>
-        <a:tint val="40000"/>
       </a:schemeClr>
     </dgm:fillClrLst>
-    <dgm:linClrLst meth="repeat">
-      <a:schemeClr val="accent1">
-        <a:alpha val="90000"/>
-        <a:tint val="40000"/>
+    <dgm:linClrLst meth="cycle">
+      <a:schemeClr val="accent6">
+        <a:shade val="50000"/>
+      </a:schemeClr>
+      <a:schemeClr val="accent6">
+        <a:tint val="55000"/>
       </a:schemeClr>
     </dgm:linClrLst>
     <dgm:effectClrLst/>
@@ -727,17 +699,18 @@
     </dgm:txFillClrLst>
     <dgm:txEffectClrLst/>
   </dgm:styleLbl>
-  <dgm:styleLbl name="bgAccFollowNode1">
+  <dgm:styleLbl name="alignAcc1">
     <dgm:fillClrLst meth="repeat">
-      <a:schemeClr val="accent1">
+      <a:schemeClr val="lt1">
         <a:alpha val="90000"/>
-        <a:tint val="40000"/>
       </a:schemeClr>
     </dgm:fillClrLst>
-    <dgm:linClrLst meth="repeat">
-      <a:schemeClr val="accent1">
-        <a:alpha val="90000"/>
-        <a:tint val="40000"/>
+    <dgm:linClrLst meth="cycle">
+      <a:schemeClr val="accent6">
+        <a:shade val="50000"/>
+      </a:schemeClr>
+      <a:schemeClr val="accent6">
+        <a:tint val="55000"/>
       </a:schemeClr>
     </dgm:linClrLst>
     <dgm:effectClrLst/>
@@ -747,6 +720,147 @@
     </dgm:txFillClrLst>
     <dgm:txEffectClrLst/>
   </dgm:styleLbl>
+  <dgm:styleLbl name="trAlignAcc1">
+    <dgm:fillClrLst meth="repeat">
+      <a:schemeClr val="lt1">
+        <a:alpha val="55000"/>
+      </a:schemeClr>
+    </dgm:fillClrLst>
+    <dgm:linClrLst meth="repeat">
+      <a:schemeClr val="accent6"/>
+    </dgm:linClrLst>
+    <dgm:effectClrLst/>
+    <dgm:txLinClrLst/>
+    <dgm:txFillClrLst meth="repeat">
+      <a:schemeClr val="dk1"/>
+    </dgm:txFillClrLst>
+    <dgm:txEffectClrLst/>
+  </dgm:styleLbl>
+  <dgm:styleLbl name="bgAcc1">
+    <dgm:fillClrLst meth="repeat">
+      <a:schemeClr val="lt1">
+        <a:alpha val="90000"/>
+      </a:schemeClr>
+    </dgm:fillClrLst>
+    <dgm:linClrLst meth="cycle">
+      <a:schemeClr val="accent6">
+        <a:shade val="50000"/>
+      </a:schemeClr>
+      <a:schemeClr val="accent6">
+        <a:tint val="55000"/>
+      </a:schemeClr>
+    </dgm:linClrLst>
+    <dgm:effectClrLst/>
+    <dgm:txLinClrLst/>
+    <dgm:txFillClrLst meth="repeat">
+      <a:schemeClr val="dk1"/>
+    </dgm:txFillClrLst>
+    <dgm:txEffectClrLst/>
+  </dgm:styleLbl>
+  <dgm:styleLbl name="solidFgAcc1">
+    <dgm:fillClrLst meth="repeat">
+      <a:schemeClr val="lt1"/>
+    </dgm:fillClrLst>
+    <dgm:linClrLst meth="cycle">
+      <a:schemeClr val="accent6">
+        <a:shade val="50000"/>
+      </a:schemeClr>
+      <a:schemeClr val="accent6">
+        <a:tint val="55000"/>
+      </a:schemeClr>
+    </dgm:linClrLst>
+    <dgm:effectClrLst/>
+    <dgm:txLinClrLst/>
+    <dgm:txFillClrLst meth="repeat">
+      <a:schemeClr val="dk1"/>
+    </dgm:txFillClrLst>
+    <dgm:txEffectClrLst/>
+  </dgm:styleLbl>
+  <dgm:styleLbl name="solidAlignAcc1">
+    <dgm:fillClrLst meth="repeat">
+      <a:schemeClr val="lt1"/>
+    </dgm:fillClrLst>
+    <dgm:linClrLst meth="repeat">
+      <a:schemeClr val="accent6"/>
+    </dgm:linClrLst>
+    <dgm:effectClrLst/>
+    <dgm:txLinClrLst/>
+    <dgm:txFillClrLst meth="repeat">
+      <a:schemeClr val="dk1"/>
+    </dgm:txFillClrLst>
+    <dgm:txEffectClrLst/>
+  </dgm:styleLbl>
+  <dgm:styleLbl name="solidBgAcc1">
+    <dgm:fillClrLst meth="repeat">
+      <a:schemeClr val="lt1"/>
+    </dgm:fillClrLst>
+    <dgm:linClrLst meth="repeat">
+      <a:schemeClr val="accent6"/>
+    </dgm:linClrLst>
+    <dgm:effectClrLst/>
+    <dgm:txLinClrLst/>
+    <dgm:txFillClrLst meth="repeat">
+      <a:schemeClr val="dk1"/>
+    </dgm:txFillClrLst>
+    <dgm:txEffectClrLst/>
+  </dgm:styleLbl>
+  <dgm:styleLbl name="fgAccFollowNode1">
+    <dgm:fillClrLst meth="repeat">
+      <a:schemeClr val="accent6">
+        <a:alpha val="90000"/>
+        <a:tint val="55000"/>
+      </a:schemeClr>
+    </dgm:fillClrLst>
+    <dgm:linClrLst meth="repeat">
+      <a:schemeClr val="accent6">
+        <a:alpha val="90000"/>
+        <a:tint val="55000"/>
+      </a:schemeClr>
+    </dgm:linClrLst>
+    <dgm:effectClrLst/>
+    <dgm:txLinClrLst/>
+    <dgm:txFillClrLst meth="repeat">
+      <a:schemeClr val="dk1"/>
+    </dgm:txFillClrLst>
+    <dgm:txEffectClrLst/>
+  </dgm:styleLbl>
+  <dgm:styleLbl name="alignAccFollowNode1">
+    <dgm:fillClrLst meth="repeat">
+      <a:schemeClr val="accent6">
+        <a:alpha val="90000"/>
+        <a:tint val="55000"/>
+      </a:schemeClr>
+    </dgm:fillClrLst>
+    <dgm:linClrLst meth="repeat">
+      <a:schemeClr val="accent6">
+        <a:alpha val="90000"/>
+        <a:tint val="55000"/>
+      </a:schemeClr>
+    </dgm:linClrLst>
+    <dgm:effectClrLst/>
+    <dgm:txLinClrLst/>
+    <dgm:txFillClrLst meth="repeat">
+      <a:schemeClr val="dk1"/>
+    </dgm:txFillClrLst>
+    <dgm:txEffectClrLst/>
+  </dgm:styleLbl>
+  <dgm:styleLbl name="bgAccFollowNode1">
+    <dgm:fillClrLst meth="repeat">
+      <a:schemeClr val="accent6">
+        <a:alpha val="90000"/>
+        <a:tint val="55000"/>
+      </a:schemeClr>
+    </dgm:fillClrLst>
+    <dgm:linClrLst meth="repeat">
+      <a:schemeClr val="lt1"/>
+    </dgm:linClrLst>
+    <dgm:effectClrLst/>
+    <dgm:txLinClrLst/>
+    <dgm:txFillClrLst meth="repeat">
+      <a:schemeClr val="dk1"/>
+    </dgm:txFillClrLst>
+    <dgm:txEffectClrLst/>
+  </dgm:styleLbl>
   <dgm:styleLbl name="fgAcc0">
     <dgm:fillClrLst meth="repeat">
       <a:schemeClr val="lt1">
@@ -754,7 +868,9 @@
       </a:schemeClr>
     </dgm:fillClrLst>
     <dgm:linClrLst meth="repeat">
-      <a:schemeClr val="accent1"/>
+      <a:schemeClr val="accent6">
+        <a:shade val="80000"/>
+      </a:schemeClr>
     </dgm:linClrLst>
     <dgm:effectClrLst/>
     <dgm:txLinClrLst/>
@@ -770,7 +886,9 @@
       </a:schemeClr>
     </dgm:fillClrLst>
     <dgm:linClrLst meth="repeat">
-      <a:schemeClr val="accent1"/>
+      <a:schemeClr val="accent6">
+        <a:tint val="90000"/>
+      </a:schemeClr>
     </dgm:linClrLst>
     <dgm:effectClrLst/>
     <dgm:txLinClrLst/>
@@ -786,7 +904,9 @@
       </a:schemeClr>
     </dgm:fillClrLst>
     <dgm:linClrLst meth="repeat">
-      <a:schemeClr val="accent1"/>
+      <a:schemeClr val="accent6">
+        <a:tint val="70000"/>
+      </a:schemeClr>
     </dgm:linClrLst>
     <dgm:effectClrLst/>
     <dgm:txLinClrLst/>
@@ -802,7 +922,9 @@
       </a:schemeClr>
     </dgm:fillClrLst>
     <dgm:linClrLst meth="repeat">
-      <a:schemeClr val="accent1"/>
+      <a:schemeClr val="accent6">
+        <a:tint val="50000"/>
+      </a:schemeClr>
     </dgm:linClrLst>
     <dgm:effectClrLst/>
     <dgm:txLinClrLst/>
@@ -813,12 +935,12 @@
   </dgm:styleLbl>
   <dgm:styleLbl name="bgShp">
     <dgm:fillClrLst meth="repeat">
-      <a:schemeClr val="accent1">
-        <a:tint val="40000"/>
+      <a:schemeClr val="accent6">
+        <a:tint val="55000"/>
       </a:schemeClr>
     </dgm:fillClrLst>
     <dgm:linClrLst meth="repeat">
-      <a:schemeClr val="accent1"/>
+      <a:schemeClr val="dk1"/>
     </dgm:linClrLst>
     <dgm:effectClrLst/>
     <dgm:txLinClrLst/>
@@ -829,12 +951,12 @@
   </dgm:styleLbl>
   <dgm:styleLbl name="dkBgShp">
     <dgm:fillClrLst meth="repeat">
-      <a:schemeClr val="accent1">
-        <a:shade val="80000"/>
+      <a:schemeClr val="accent6">
+        <a:shade val="90000"/>
       </a:schemeClr>
     </dgm:fillClrLst>
     <dgm:linClrLst meth="repeat">
-      <a:schemeClr val="accent1"/>
+      <a:schemeClr val="dk1"/>
     </dgm:linClrLst>
     <dgm:effectClrLst/>
     <dgm:txLinClrLst/>
@@ -845,13 +967,13 @@
   </dgm:styleLbl>
   <dgm:styleLbl name="trBgShp">
     <dgm:fillClrLst meth="repeat">
-      <a:schemeClr val="accent1">
+      <a:schemeClr val="accent6">
         <a:tint val="50000"/>
-        <a:alpha val="40000"/>
+        <a:alpha val="55000"/>
       </a:schemeClr>
     </dgm:fillClrLst>
     <dgm:linClrLst meth="repeat">
-      <a:schemeClr val="accent1"/>
+      <a:schemeClr val="accent6"/>
     </dgm:linClrLst>
     <dgm:effectClrLst/>
     <dgm:txLinClrLst/>
@@ -862,8 +984,8 @@
   </dgm:styleLbl>
   <dgm:styleLbl name="fgShp">
     <dgm:fillClrLst meth="repeat">
-      <a:schemeClr val="accent1">
-        <a:tint val="60000"/>
+      <a:schemeClr val="accent6">
+        <a:tint val="55000"/>
       </a:schemeClr>
     </dgm:fillClrLst>
     <dgm:linClrLst meth="repeat">
@@ -3142,7 +3264,7 @@
 <dgm:dataModel xmlns:dgm="http://schemas.openxmlformats.org/drawingml/2006/diagram" xmlns:a="http://schemas.openxmlformats.org/drawingml/2006/main">
   <dgm:ptLst>
     <dgm:pt modelId="{8950F898-23E4-4B19-90DF-D1634ABAC8C5}" type="doc">
-      <dgm:prSet loTypeId="urn:microsoft.com/office/officeart/2005/8/layout/chevron2" loCatId="list" qsTypeId="urn:microsoft.com/office/officeart/2005/8/quickstyle/simple1" qsCatId="simple" csTypeId="urn:microsoft.com/office/officeart/2005/8/colors/accent1_2" csCatId="accent1" phldr="1"/>
+      <dgm:prSet loTypeId="urn:microsoft.com/office/officeart/2005/8/layout/chevron2" loCatId="list" qsTypeId="urn:microsoft.com/office/officeart/2005/8/quickstyle/simple1" qsCatId="simple" csTypeId="urn:microsoft.com/office/officeart/2005/8/colors/accent6_4" csCatId="accent6" phldr="1"/>
       <dgm:spPr/>
       <dgm:t>
         <a:bodyPr/>
@@ -3695,10 +3817,24 @@
     <dgm:pt modelId="{30EBD1C8-A077-45C9-BB7E-2252F05B1F17}" type="pres">
       <dgm:prSet presAssocID="{FCFC58C5-0ABB-47FF-9153-CB0E8D851A7A}" presName="sp" presStyleCnt="0"/>
       <dgm:spPr/>
+      <dgm:t>
+        <a:bodyPr/>
+        <a:lstStyle/>
+        <a:p>
+          <a:endParaRPr lang="fr-FR"/>
+        </a:p>
+      </dgm:t>
     </dgm:pt>
     <dgm:pt modelId="{81FD9149-DDBD-44EA-B026-7DE7F071FD10}" type="pres">
       <dgm:prSet presAssocID="{340366E8-BCE0-40BB-8A31-0039232D59BF}" presName="composite" presStyleCnt="0"/>
       <dgm:spPr/>
+      <dgm:t>
+        <a:bodyPr/>
+        <a:lstStyle/>
+        <a:p>
+          <a:endParaRPr lang="fr-FR"/>
+        </a:p>
+      </dgm:t>
     </dgm:pt>
     <dgm:pt modelId="{53DE2B58-C876-4EA1-A696-62099E705B95}" type="pres">
       <dgm:prSet presAssocID="{340366E8-BCE0-40BB-8A31-0039232D59BF}" presName="parentText" presStyleLbl="alignNode1" presStyleIdx="3" presStyleCnt="5">
@@ -3734,10 +3870,24 @@
     <dgm:pt modelId="{5EA163E9-64CD-42B2-8BFD-25784B2064D2}" type="pres">
       <dgm:prSet presAssocID="{2D77CD08-B423-4ACC-B018-ABFA161BC367}" presName="sp" presStyleCnt="0"/>
       <dgm:spPr/>
+      <dgm:t>
+        <a:bodyPr/>
+        <a:lstStyle/>
+        <a:p>
+          <a:endParaRPr lang="fr-FR"/>
+        </a:p>
+      </dgm:t>
     </dgm:pt>
     <dgm:pt modelId="{7209DD75-2D48-4CC7-85CC-7C78BB4D42E2}" type="pres">
       <dgm:prSet presAssocID="{2A924A70-FE71-4C34-AE69-80FD124BFDC0}" presName="composite" presStyleCnt="0"/>
       <dgm:spPr/>
+      <dgm:t>
+        <a:bodyPr/>
+        <a:lstStyle/>
+        <a:p>
+          <a:endParaRPr lang="fr-FR"/>
+        </a:p>
+      </dgm:t>
     </dgm:pt>
     <dgm:pt modelId="{4C042D78-EB9B-497F-8E9D-D3FE2477812A}" type="pres">
       <dgm:prSet presAssocID="{2A924A70-FE71-4C34-AE69-80FD124BFDC0}" presName="parentText" presStyleLbl="alignNode1" presStyleIdx="4" presStyleCnt="5">
@@ -3772,27 +3922,27 @@
     </dgm:pt>
   </dgm:ptLst>
   <dgm:cxnLst>
-    <dgm:cxn modelId="{0BB86626-645D-4279-8CC3-533D3BF03E71}" srcId="{EAF424AF-DF89-47DF-A5D8-8865571CD969}" destId="{383FE230-8763-4836-AA98-3FD0DF8850E3}" srcOrd="0" destOrd="0" parTransId="{543A5C5A-5696-4E07-8821-80A87C491262}" sibTransId="{EB720217-72A0-4C27-AC6A-FFEE87E980C7}"/>
+    <dgm:cxn modelId="{93DB2924-454D-4408-BBD9-1A4A94E98DDA}" type="presOf" srcId="{1AD76B48-F6F0-4E76-926A-E852A29FE3E8}" destId="{6D07518A-8C5E-4EA8-8321-0BEB84ABB441}" srcOrd="0" destOrd="0" presId="urn:microsoft.com/office/officeart/2005/8/layout/chevron2"/>
     <dgm:cxn modelId="{30C5F176-4B7C-47D4-94B6-6D63C8B4CAE7}" type="presOf" srcId="{8950F898-23E4-4B19-90DF-D1634ABAC8C5}" destId="{8C729032-82B1-4C5A-ABBD-6DC3A77AD4C2}" srcOrd="0" destOrd="0" presId="urn:microsoft.com/office/officeart/2005/8/layout/chevron2"/>
+    <dgm:cxn modelId="{CFE4BC8C-A239-40AD-B598-9288908BC911}" type="presOf" srcId="{2A924A70-FE71-4C34-AE69-80FD124BFDC0}" destId="{4C042D78-EB9B-497F-8E9D-D3FE2477812A}" srcOrd="0" destOrd="0" presId="urn:microsoft.com/office/officeart/2005/8/layout/chevron2"/>
+    <dgm:cxn modelId="{FCEDD762-3E28-4431-9EDC-661539A09668}" type="presOf" srcId="{F31742E2-DCA4-4904-94CF-47AF07C3EE3F}" destId="{A2F1B597-9F9F-4DD2-AB45-CE5E12439AB3}" srcOrd="0" destOrd="0" presId="urn:microsoft.com/office/officeart/2005/8/layout/chevron2"/>
+    <dgm:cxn modelId="{5150CCA7-F9E1-404D-A284-0C28D7F1270D}" srcId="{8950F898-23E4-4B19-90DF-D1634ABAC8C5}" destId="{B47B7194-D5E2-4FDD-9588-FAC60C052D1B}" srcOrd="2" destOrd="0" parTransId="{5BA51F88-33A8-48A1-A33F-CE51961B7E85}" sibTransId="{FCFC58C5-0ABB-47FF-9153-CB0E8D851A7A}"/>
+    <dgm:cxn modelId="{38076418-52D0-4CB2-948B-3D82A2067D38}" srcId="{340366E8-BCE0-40BB-8A31-0039232D59BF}" destId="{8FFFDE5E-D8A6-4C03-B988-3F0722741A36}" srcOrd="0" destOrd="0" parTransId="{E0EADA58-447B-4801-96F4-73AFCBEC9BC5}" sibTransId="{D8539EB7-D33E-4733-9E47-BDED1A4B0888}"/>
+    <dgm:cxn modelId="{BDE8B1B0-B92A-40A4-AD18-6B41877F89F1}" srcId="{8950F898-23E4-4B19-90DF-D1634ABAC8C5}" destId="{EAF424AF-DF89-47DF-A5D8-8865571CD969}" srcOrd="1" destOrd="0" parTransId="{A240DF1A-6B9B-415F-8329-1435DFF513B2}" sibTransId="{125D958D-2EEC-4FDF-845E-B4BC968D000B}"/>
+    <dgm:cxn modelId="{36F65AB3-0A62-4741-AC9C-BE65E5220B67}" srcId="{F31742E2-DCA4-4904-94CF-47AF07C3EE3F}" destId="{519021B6-520E-4960-81F7-C5EE58EA64E4}" srcOrd="0" destOrd="0" parTransId="{99B67E9A-8FBE-4818-8F62-5F3019E5395C}" sibTransId="{20834CB6-F7D7-424C-9CF2-6C22084848DF}"/>
+    <dgm:cxn modelId="{D4D34389-FD71-4BC7-BCB4-1091B419C2BA}" type="presOf" srcId="{383FE230-8763-4836-AA98-3FD0DF8850E3}" destId="{BC8A3FE4-A3F1-4858-8720-D1F8F1B3C88E}" srcOrd="0" destOrd="0" presId="urn:microsoft.com/office/officeart/2005/8/layout/chevron2"/>
     <dgm:cxn modelId="{B48325E2-D1A5-4377-90D9-D70ABE455D81}" type="presOf" srcId="{B47B7194-D5E2-4FDD-9588-FAC60C052D1B}" destId="{777300DF-A99D-4E3C-BED0-7A5B1B1C6713}" srcOrd="0" destOrd="0" presId="urn:microsoft.com/office/officeart/2005/8/layout/chevron2"/>
+    <dgm:cxn modelId="{31DE9230-8D1E-4ED0-9F69-C71B97E92FF1}" type="presOf" srcId="{EAF424AF-DF89-47DF-A5D8-8865571CD969}" destId="{78774ADB-4D34-4F37-9245-CA0AC6A53642}" srcOrd="0" destOrd="0" presId="urn:microsoft.com/office/officeart/2005/8/layout/chevron2"/>
+    <dgm:cxn modelId="{C3F15167-49DE-4B17-999C-69DEE164A8D0}" type="presOf" srcId="{340366E8-BCE0-40BB-8A31-0039232D59BF}" destId="{53DE2B58-C876-4EA1-A696-62099E705B95}" srcOrd="0" destOrd="0" presId="urn:microsoft.com/office/officeart/2005/8/layout/chevron2"/>
+    <dgm:cxn modelId="{43D0CA6D-4485-4FB5-A3D8-00402BCE84C1}" srcId="{2A924A70-FE71-4C34-AE69-80FD124BFDC0}" destId="{F5F10AB6-F371-4711-B0CA-27AFB08566B3}" srcOrd="0" destOrd="0" parTransId="{793633FF-40B4-4DAB-81B9-CDC162B2FFFF}" sibTransId="{C69CEEF2-560C-4931-87B8-AB8814E31C4F}"/>
     <dgm:cxn modelId="{2A342F59-BB53-417F-BC71-56AAF7AF06DC}" srcId="{8950F898-23E4-4B19-90DF-D1634ABAC8C5}" destId="{2A924A70-FE71-4C34-AE69-80FD124BFDC0}" srcOrd="4" destOrd="0" parTransId="{7AF0CB7D-4CCA-47EC-93A9-87AC54D806E0}" sibTransId="{F1230549-C78E-4C80-A56F-261D4F48DBE3}"/>
     <dgm:cxn modelId="{2008D2B6-E295-4954-8042-CA355C4769B7}" srcId="{8950F898-23E4-4B19-90DF-D1634ABAC8C5}" destId="{340366E8-BCE0-40BB-8A31-0039232D59BF}" srcOrd="3" destOrd="0" parTransId="{2E22E72D-BC43-44DA-8114-90AC2BC43762}" sibTransId="{2D77CD08-B423-4ACC-B018-ABFA161BC367}"/>
+    <dgm:cxn modelId="{63EAC7A7-D662-48E0-9967-3E814E75EC76}" srcId="{8950F898-23E4-4B19-90DF-D1634ABAC8C5}" destId="{F31742E2-DCA4-4904-94CF-47AF07C3EE3F}" srcOrd="0" destOrd="0" parTransId="{0EACF8D2-4421-4C5C-AD33-8344B1D3C053}" sibTransId="{631897DD-8460-481C-96AE-4129420BA7BA}"/>
     <dgm:cxn modelId="{B1A2E0E8-76AE-435E-9074-055329F4967C}" type="presOf" srcId="{8FFFDE5E-D8A6-4C03-B988-3F0722741A36}" destId="{8B52BF14-3FC2-4D5B-8534-B546669D1BA1}" srcOrd="0" destOrd="0" presId="urn:microsoft.com/office/officeart/2005/8/layout/chevron2"/>
+    <dgm:cxn modelId="{707DA7FF-2A23-4DAB-81E7-19FA3E36DEA3}" srcId="{B47B7194-D5E2-4FDD-9588-FAC60C052D1B}" destId="{1AD76B48-F6F0-4E76-926A-E852A29FE3E8}" srcOrd="0" destOrd="0" parTransId="{22352126-882A-4113-AEAC-F02639D9C6ED}" sibTransId="{CCEC8DDD-341C-4FCE-A4FF-F1C66E64CEDA}"/>
+    <dgm:cxn modelId="{0BB86626-645D-4279-8CC3-533D3BF03E71}" srcId="{EAF424AF-DF89-47DF-A5D8-8865571CD969}" destId="{383FE230-8763-4836-AA98-3FD0DF8850E3}" srcOrd="0" destOrd="0" parTransId="{543A5C5A-5696-4E07-8821-80A87C491262}" sibTransId="{EB720217-72A0-4C27-AC6A-FFEE87E980C7}"/>
+    <dgm:cxn modelId="{498521FD-104D-4B3F-A7D6-7B7DD31FF568}" type="presOf" srcId="{519021B6-520E-4960-81F7-C5EE58EA64E4}" destId="{74A41569-60A7-445A-8126-FCD06F2A0605}" srcOrd="0" destOrd="0" presId="urn:microsoft.com/office/officeart/2005/8/layout/chevron2"/>
     <dgm:cxn modelId="{76DFB96C-22A3-45DA-A8A9-43423DA3F022}" type="presOf" srcId="{F5F10AB6-F371-4711-B0CA-27AFB08566B3}" destId="{273B3347-0575-4F50-85B8-3865F699F938}" srcOrd="0" destOrd="0" presId="urn:microsoft.com/office/officeart/2005/8/layout/chevron2"/>
-    <dgm:cxn modelId="{43D0CA6D-4485-4FB5-A3D8-00402BCE84C1}" srcId="{2A924A70-FE71-4C34-AE69-80FD124BFDC0}" destId="{F5F10AB6-F371-4711-B0CA-27AFB08566B3}" srcOrd="0" destOrd="0" parTransId="{793633FF-40B4-4DAB-81B9-CDC162B2FFFF}" sibTransId="{C69CEEF2-560C-4931-87B8-AB8814E31C4F}"/>
-    <dgm:cxn modelId="{5150CCA7-F9E1-404D-A284-0C28D7F1270D}" srcId="{8950F898-23E4-4B19-90DF-D1634ABAC8C5}" destId="{B47B7194-D5E2-4FDD-9588-FAC60C052D1B}" srcOrd="2" destOrd="0" parTransId="{5BA51F88-33A8-48A1-A33F-CE51961B7E85}" sibTransId="{FCFC58C5-0ABB-47FF-9153-CB0E8D851A7A}"/>
-    <dgm:cxn modelId="{FCEDD762-3E28-4431-9EDC-661539A09668}" type="presOf" srcId="{F31742E2-DCA4-4904-94CF-47AF07C3EE3F}" destId="{A2F1B597-9F9F-4DD2-AB45-CE5E12439AB3}" srcOrd="0" destOrd="0" presId="urn:microsoft.com/office/officeart/2005/8/layout/chevron2"/>
-    <dgm:cxn modelId="{31DE9230-8D1E-4ED0-9F69-C71B97E92FF1}" type="presOf" srcId="{EAF424AF-DF89-47DF-A5D8-8865571CD969}" destId="{78774ADB-4D34-4F37-9245-CA0AC6A53642}" srcOrd="0" destOrd="0" presId="urn:microsoft.com/office/officeart/2005/8/layout/chevron2"/>
-    <dgm:cxn modelId="{707DA7FF-2A23-4DAB-81E7-19FA3E36DEA3}" srcId="{B47B7194-D5E2-4FDD-9588-FAC60C052D1B}" destId="{1AD76B48-F6F0-4E76-926A-E852A29FE3E8}" srcOrd="0" destOrd="0" parTransId="{22352126-882A-4113-AEAC-F02639D9C6ED}" sibTransId="{CCEC8DDD-341C-4FCE-A4FF-F1C66E64CEDA}"/>
-    <dgm:cxn modelId="{36F65AB3-0A62-4741-AC9C-BE65E5220B67}" srcId="{F31742E2-DCA4-4904-94CF-47AF07C3EE3F}" destId="{519021B6-520E-4960-81F7-C5EE58EA64E4}" srcOrd="0" destOrd="0" parTransId="{99B67E9A-8FBE-4818-8F62-5F3019E5395C}" sibTransId="{20834CB6-F7D7-424C-9CF2-6C22084848DF}"/>
-    <dgm:cxn modelId="{CFE4BC8C-A239-40AD-B598-9288908BC911}" type="presOf" srcId="{2A924A70-FE71-4C34-AE69-80FD124BFDC0}" destId="{4C042D78-EB9B-497F-8E9D-D3FE2477812A}" srcOrd="0" destOrd="0" presId="urn:microsoft.com/office/officeart/2005/8/layout/chevron2"/>
-    <dgm:cxn modelId="{D4D34389-FD71-4BC7-BCB4-1091B419C2BA}" type="presOf" srcId="{383FE230-8763-4836-AA98-3FD0DF8850E3}" destId="{BC8A3FE4-A3F1-4858-8720-D1F8F1B3C88E}" srcOrd="0" destOrd="0" presId="urn:microsoft.com/office/officeart/2005/8/layout/chevron2"/>
-    <dgm:cxn modelId="{63EAC7A7-D662-48E0-9967-3E814E75EC76}" srcId="{8950F898-23E4-4B19-90DF-D1634ABAC8C5}" destId="{F31742E2-DCA4-4904-94CF-47AF07C3EE3F}" srcOrd="0" destOrd="0" parTransId="{0EACF8D2-4421-4C5C-AD33-8344B1D3C053}" sibTransId="{631897DD-8460-481C-96AE-4129420BA7BA}"/>
-    <dgm:cxn modelId="{93DB2924-454D-4408-BBD9-1A4A94E98DDA}" type="presOf" srcId="{1AD76B48-F6F0-4E76-926A-E852A29FE3E8}" destId="{6D07518A-8C5E-4EA8-8321-0BEB84ABB441}" srcOrd="0" destOrd="0" presId="urn:microsoft.com/office/officeart/2005/8/layout/chevron2"/>
-    <dgm:cxn modelId="{498521FD-104D-4B3F-A7D6-7B7DD31FF568}" type="presOf" srcId="{519021B6-520E-4960-81F7-C5EE58EA64E4}" destId="{74A41569-60A7-445A-8126-FCD06F2A0605}" srcOrd="0" destOrd="0" presId="urn:microsoft.com/office/officeart/2005/8/layout/chevron2"/>
-    <dgm:cxn modelId="{BDE8B1B0-B92A-40A4-AD18-6B41877F89F1}" srcId="{8950F898-23E4-4B19-90DF-D1634ABAC8C5}" destId="{EAF424AF-DF89-47DF-A5D8-8865571CD969}" srcOrd="1" destOrd="0" parTransId="{A240DF1A-6B9B-415F-8329-1435DFF513B2}" sibTransId="{125D958D-2EEC-4FDF-845E-B4BC968D000B}"/>
-    <dgm:cxn modelId="{38076418-52D0-4CB2-948B-3D82A2067D38}" srcId="{340366E8-BCE0-40BB-8A31-0039232D59BF}" destId="{8FFFDE5E-D8A6-4C03-B988-3F0722741A36}" srcOrd="0" destOrd="0" parTransId="{E0EADA58-447B-4801-96F4-73AFCBEC9BC5}" sibTransId="{D8539EB7-D33E-4733-9E47-BDED1A4B0888}"/>
-    <dgm:cxn modelId="{C3F15167-49DE-4B17-999C-69DEE164A8D0}" type="presOf" srcId="{340366E8-BCE0-40BB-8A31-0039232D59BF}" destId="{53DE2B58-C876-4EA1-A696-62099E705B95}" srcOrd="0" destOrd="0" presId="urn:microsoft.com/office/officeart/2005/8/layout/chevron2"/>
     <dgm:cxn modelId="{4278B60D-C199-439B-A7E4-D81C5C4590CC}" type="presParOf" srcId="{8C729032-82B1-4C5A-ABBD-6DC3A77AD4C2}" destId="{31C69047-DF65-4954-A0CB-913D964F195B}" srcOrd="0" destOrd="0" presId="urn:microsoft.com/office/officeart/2005/8/layout/chevron2"/>
     <dgm:cxn modelId="{FCBDC238-F1D3-42CE-A738-385E97BAD731}" type="presParOf" srcId="{31C69047-DF65-4954-A0CB-913D964F195B}" destId="{A2F1B597-9F9F-4DD2-AB45-CE5E12439AB3}" srcOrd="0" destOrd="0" presId="urn:microsoft.com/office/officeart/2005/8/layout/chevron2"/>
     <dgm:cxn modelId="{5AE8C9B5-0BCF-496A-81F4-28C73AE98CAA}" type="presParOf" srcId="{31C69047-DF65-4954-A0CB-913D964F195B}" destId="{74A41569-60A7-445A-8126-FCD06F2A0605}" srcOrd="1" destOrd="0" presId="urn:microsoft.com/office/officeart/2005/8/layout/chevron2"/>
@@ -3818,6 +3968,9 @@
   <dgm:extLst>
     <a:ext uri="http://schemas.microsoft.com/office/drawing/2008/diagram">
       <dsp:dataModelExt xmlns:dsp="http://schemas.microsoft.com/office/drawing/2008/diagram" relId="rId6" minVer="http://schemas.openxmlformats.org/drawingml/2006/diagram"/>
+    </a:ext>
+    <a:ext uri="{C62137D5-CB1D-491B-B009-E17868A290BF}">
+      <dgm14:recolorImg xmlns:dgm14="http://schemas.microsoft.com/office/drawing/2010/diagram" val="1"/>
     </a:ext>
   </dgm:extLst>
 </dgm:dataModel>
@@ -3907,15 +4060,7 @@
                 <a:schemeClr val="tx1"/>
               </a:solidFill>
             </a:rPr>
-            <a:t>Simplifier </a:t>
-          </a:r>
-          <a:r>
-            <a:rPr lang="fr-FR" sz="1900" b="1" dirty="0" smtClean="0">
-              <a:solidFill>
-                <a:schemeClr val="tx1"/>
-              </a:solidFill>
-            </a:rPr>
-            <a:t>l’affectation des Taches </a:t>
+            <a:t>Simplifier l’affectation des Taches </a:t>
           </a:r>
           <a:endParaRPr lang="fr-FR" sz="1900" b="1" dirty="0">
             <a:solidFill>
@@ -3966,15 +4111,7 @@
                 <a:schemeClr val="tx1"/>
               </a:solidFill>
             </a:rPr>
-            <a:t>Suivi </a:t>
-          </a:r>
-          <a:r>
-            <a:rPr lang="fr-FR" sz="2100" b="1" dirty="0" smtClean="0">
-              <a:solidFill>
-                <a:schemeClr val="tx1"/>
-              </a:solidFill>
-            </a:rPr>
-            <a:t> des projets</a:t>
+            <a:t>Suivi  des projets</a:t>
           </a:r>
           <a:endParaRPr lang="fr-FR" sz="2100" b="1" dirty="0">
             <a:solidFill>
@@ -4127,7 +4264,7 @@
       </dgm:t>
     </dgm:pt>
     <dgm:pt modelId="{FE2B8208-5808-47CE-A3CA-B5C9F0CAADEE}" type="pres">
-      <dgm:prSet presAssocID="{2AED4946-35FB-419E-A1EE-E328233AFB89}" presName="centerShape" presStyleLbl="node0" presStyleIdx="0" presStyleCnt="1" custScaleX="248713" custScaleY="240649" custLinFactNeighborX="5950" custLinFactNeighborY="11586"/>
+      <dgm:prSet presAssocID="{2AED4946-35FB-419E-A1EE-E328233AFB89}" presName="centerShape" presStyleLbl="node0" presStyleIdx="0" presStyleCnt="1" custScaleX="248713" custScaleY="240649" custLinFactNeighborX="6674" custLinFactNeighborY="5884"/>
       <dgm:spPr/>
       <dgm:t>
         <a:bodyPr/>
@@ -4452,11 +4589,7 @@
           <a:pPr rtl="0"/>
           <a:r>
             <a:rPr lang="fr-FR" dirty="0" smtClean="0"/>
-            <a:t>Planifier </a:t>
-          </a:r>
-          <a:r>
-            <a:rPr lang="fr-FR" dirty="0" smtClean="0"/>
-            <a:t>un Projet</a:t>
+            <a:t>Planifier un Projet</a:t>
           </a:r>
         </a:p>
       </dgm:t>
@@ -4501,13 +4634,7 @@
             <a:rPr lang="fr-FR" u="none" dirty="0" smtClean="0">
               <a:uFillTx/>
             </a:rPr>
-            <a:t>Donner le calendrier des </a:t>
-          </a:r>
-          <a:r>
-            <a:rPr lang="fr-FR" u="none" dirty="0" smtClean="0">
-              <a:uFillTx/>
-            </a:rPr>
-            <a:t>Projets</a:t>
+            <a:t>Donner le calendrier des Projets</a:t>
           </a:r>
           <a:endParaRPr lang="fr-FR" dirty="0"/>
         </a:p>
@@ -4819,20 +4946,20 @@
     </dgm:pt>
   </dgm:ptLst>
   <dgm:cxnLst>
-    <dgm:cxn modelId="{CBBF242E-EE1B-464C-9C97-6C029C0E4465}" srcId="{23D8AF58-557D-4452-8FC1-727750D05379}" destId="{E0E2EBCD-1BF5-446F-A1FF-CBF65F69090C}" srcOrd="5" destOrd="0" parTransId="{608C71DB-66B0-4F9E-8E54-8F7E37B21255}" sibTransId="{6BBAA41A-1A0A-4F0A-A82C-D19D41CE7758}"/>
+    <dgm:cxn modelId="{16D2CFB5-408D-4405-B63E-B6A060800176}" type="presOf" srcId="{E0E2EBCD-1BF5-446F-A1FF-CBF65F69090C}" destId="{8FDDEF43-7AA0-499C-BAE3-4A5EBF915840}" srcOrd="0" destOrd="0" presId="urn:microsoft.com/office/officeart/2008/layout/VerticalCurvedList"/>
+    <dgm:cxn modelId="{EFD4DAD7-3DA2-4812-AE65-F17B4B6FB81B}" type="presOf" srcId="{23D8AF58-557D-4452-8FC1-727750D05379}" destId="{5BC8B905-F20F-4FAF-A36C-92F74E9E57A2}" srcOrd="0" destOrd="0" presId="urn:microsoft.com/office/officeart/2008/layout/VerticalCurvedList"/>
     <dgm:cxn modelId="{C6B24A54-F01B-42C2-8952-DDF99E517DE9}" srcId="{23D8AF58-557D-4452-8FC1-727750D05379}" destId="{BAD0B24A-9D97-47AF-A368-66D1ADB65EDB}" srcOrd="4" destOrd="0" parTransId="{3E3F3A5D-139C-4A1C-A6BE-B242EE7ED23A}" sibTransId="{C4F3A1CB-74B1-4B45-91DC-DFFF47780868}"/>
     <dgm:cxn modelId="{59A58245-B5BE-46DF-B479-4DAE445C0568}" type="presOf" srcId="{0CC22AD2-0DD6-4BBD-9C63-E0A2AE447FAD}" destId="{261248C1-AF43-4579-9480-92008E41F168}" srcOrd="0" destOrd="0" presId="urn:microsoft.com/office/officeart/2008/layout/VerticalCurvedList"/>
+    <dgm:cxn modelId="{CBBF242E-EE1B-464C-9C97-6C029C0E4465}" srcId="{23D8AF58-557D-4452-8FC1-727750D05379}" destId="{E0E2EBCD-1BF5-446F-A1FF-CBF65F69090C}" srcOrd="5" destOrd="0" parTransId="{608C71DB-66B0-4F9E-8E54-8F7E37B21255}" sibTransId="{6BBAA41A-1A0A-4F0A-A82C-D19D41CE7758}"/>
     <dgm:cxn modelId="{362C0C52-2DA7-4DF8-BA95-B4E7843BAA13}" type="presOf" srcId="{94F3CB74-0AFA-4416-868A-63F105F2EC8A}" destId="{10F87E28-F981-4AAA-9B3A-0CC0FE34CD77}" srcOrd="0" destOrd="0" presId="urn:microsoft.com/office/officeart/2008/layout/VerticalCurvedList"/>
+    <dgm:cxn modelId="{219A4A9E-35E0-4B37-913F-1E46C9ABDA1C}" srcId="{23D8AF58-557D-4452-8FC1-727750D05379}" destId="{0CC22AD2-0DD6-4BBD-9C63-E0A2AE447FAD}" srcOrd="2" destOrd="0" parTransId="{420AEEC0-42DD-42DC-97B1-8430FE0D99B7}" sibTransId="{1069A8FC-0F2E-42FE-8BBC-9AA9C0D1D5AE}"/>
+    <dgm:cxn modelId="{E2E4596B-75A2-425E-BDDE-05893B02A586}" type="presOf" srcId="{82976386-080E-4270-8C23-7485AC062830}" destId="{4868FC5C-6BA4-42B1-88C3-464CE5F560C3}" srcOrd="0" destOrd="0" presId="urn:microsoft.com/office/officeart/2008/layout/VerticalCurvedList"/>
     <dgm:cxn modelId="{59AB4A9F-091A-4A94-81FF-7981B5592265}" srcId="{23D8AF58-557D-4452-8FC1-727750D05379}" destId="{94F3CB74-0AFA-4416-868A-63F105F2EC8A}" srcOrd="0" destOrd="0" parTransId="{2F6E40B7-5D74-49D5-AAB6-FA8DF141B491}" sibTransId="{547BF9D0-3835-4241-B81C-5A445976B9A5}"/>
-    <dgm:cxn modelId="{EFD4DAD7-3DA2-4812-AE65-F17B4B6FB81B}" type="presOf" srcId="{23D8AF58-557D-4452-8FC1-727750D05379}" destId="{5BC8B905-F20F-4FAF-A36C-92F74E9E57A2}" srcOrd="0" destOrd="0" presId="urn:microsoft.com/office/officeart/2008/layout/VerticalCurvedList"/>
-    <dgm:cxn modelId="{E2E4596B-75A2-425E-BDDE-05893B02A586}" type="presOf" srcId="{82976386-080E-4270-8C23-7485AC062830}" destId="{4868FC5C-6BA4-42B1-88C3-464CE5F560C3}" srcOrd="0" destOrd="0" presId="urn:microsoft.com/office/officeart/2008/layout/VerticalCurvedList"/>
-    <dgm:cxn modelId="{219A4A9E-35E0-4B37-913F-1E46C9ABDA1C}" srcId="{23D8AF58-557D-4452-8FC1-727750D05379}" destId="{0CC22AD2-0DD6-4BBD-9C63-E0A2AE447FAD}" srcOrd="2" destOrd="0" parTransId="{420AEEC0-42DD-42DC-97B1-8430FE0D99B7}" sibTransId="{1069A8FC-0F2E-42FE-8BBC-9AA9C0D1D5AE}"/>
+    <dgm:cxn modelId="{56E033B2-F877-4FDB-8A1C-BC7C9A009321}" type="presOf" srcId="{547BF9D0-3835-4241-B81C-5A445976B9A5}" destId="{25A7A1C2-08E6-4E88-8AC6-659C31209D6D}" srcOrd="0" destOrd="0" presId="urn:microsoft.com/office/officeart/2008/layout/VerticalCurvedList"/>
     <dgm:cxn modelId="{D3A4E6BC-CB00-4B0B-858F-A6B0878C16EB}" type="presOf" srcId="{BAD0B24A-9D97-47AF-A368-66D1ADB65EDB}" destId="{EB5C4A76-D72C-4E38-8A4E-34E8FA1AE322}" srcOrd="0" destOrd="0" presId="urn:microsoft.com/office/officeart/2008/layout/VerticalCurvedList"/>
+    <dgm:cxn modelId="{103D78F1-479D-4AEF-98BE-6BEB7F7F105A}" srcId="{23D8AF58-557D-4452-8FC1-727750D05379}" destId="{82976386-080E-4270-8C23-7485AC062830}" srcOrd="1" destOrd="0" parTransId="{4F4CDE98-54DF-4EFA-9B2E-13F4A1D4F11B}" sibTransId="{57DA78CE-6BD0-4986-BF90-85334D45761C}"/>
     <dgm:cxn modelId="{9F857B7C-0983-4AB3-9B0B-0DA5D9D19DF1}" srcId="{23D8AF58-557D-4452-8FC1-727750D05379}" destId="{982520CB-0F11-4D57-935D-6BE5B31AB1E7}" srcOrd="3" destOrd="0" parTransId="{AEA74E9E-9611-4F35-93A4-268F9ABBAE96}" sibTransId="{F7DFE999-4D92-488A-A73F-12781ECC7319}"/>
     <dgm:cxn modelId="{1AE446D0-AD62-402F-9C9B-12FC37EB6752}" type="presOf" srcId="{982520CB-0F11-4D57-935D-6BE5B31AB1E7}" destId="{B7D21BDB-3861-49EF-8F09-2C6CF584E373}" srcOrd="0" destOrd="0" presId="urn:microsoft.com/office/officeart/2008/layout/VerticalCurvedList"/>
-    <dgm:cxn modelId="{16D2CFB5-408D-4405-B63E-B6A060800176}" type="presOf" srcId="{E0E2EBCD-1BF5-446F-A1FF-CBF65F69090C}" destId="{8FDDEF43-7AA0-499C-BAE3-4A5EBF915840}" srcOrd="0" destOrd="0" presId="urn:microsoft.com/office/officeart/2008/layout/VerticalCurvedList"/>
-    <dgm:cxn modelId="{103D78F1-479D-4AEF-98BE-6BEB7F7F105A}" srcId="{23D8AF58-557D-4452-8FC1-727750D05379}" destId="{82976386-080E-4270-8C23-7485AC062830}" srcOrd="1" destOrd="0" parTransId="{4F4CDE98-54DF-4EFA-9B2E-13F4A1D4F11B}" sibTransId="{57DA78CE-6BD0-4986-BF90-85334D45761C}"/>
-    <dgm:cxn modelId="{56E033B2-F877-4FDB-8A1C-BC7C9A009321}" type="presOf" srcId="{547BF9D0-3835-4241-B81C-5A445976B9A5}" destId="{25A7A1C2-08E6-4E88-8AC6-659C31209D6D}" srcOrd="0" destOrd="0" presId="urn:microsoft.com/office/officeart/2008/layout/VerticalCurvedList"/>
     <dgm:cxn modelId="{E424ACFA-7172-4213-B776-1AEC36137C1C}" type="presParOf" srcId="{5BC8B905-F20F-4FAF-A36C-92F74E9E57A2}" destId="{894293A9-15B8-4641-9D3C-626F13F38EAF}" srcOrd="0" destOrd="0" presId="urn:microsoft.com/office/officeart/2008/layout/VerticalCurvedList"/>
     <dgm:cxn modelId="{D0D1EB0D-3FB0-4E25-A780-36E7FAB9AF12}" type="presParOf" srcId="{894293A9-15B8-4641-9D3C-626F13F38EAF}" destId="{2443C036-52E0-4BA6-8881-A803A8487B8F}" srcOrd="0" destOrd="0" presId="urn:microsoft.com/office/officeart/2008/layout/VerticalCurvedList"/>
     <dgm:cxn modelId="{643CA699-5DA6-46D3-A72D-2BE568E14E3B}" type="presParOf" srcId="{2443C036-52E0-4BA6-8881-A803A8487B8F}" destId="{4E9593C0-CF88-489D-AD64-AAD356777A74}" srcOrd="0" destOrd="0" presId="urn:microsoft.com/office/officeart/2008/layout/VerticalCurvedList"/>
@@ -4874,7 +5001,7 @@
 <dgm:dataModel xmlns:dgm="http://schemas.openxmlformats.org/drawingml/2006/diagram" xmlns:a="http://schemas.openxmlformats.org/drawingml/2006/main">
   <dgm:ptLst>
     <dgm:pt modelId="{49995F36-5F55-4116-B631-FF14E2621765}" type="doc">
-      <dgm:prSet loTypeId="urn:microsoft.com/office/officeart/2005/8/layout/orgChart1" loCatId="hierarchy" qsTypeId="urn:microsoft.com/office/officeart/2005/8/quickstyle/simple1" qsCatId="simple" csTypeId="urn:microsoft.com/office/officeart/2005/8/colors/accent1_2" csCatId="accent1" phldr="1"/>
+      <dgm:prSet loTypeId="urn:microsoft.com/office/officeart/2008/layout/HalfCircleOrganizationChart" loCatId="hierarchy" qsTypeId="urn:microsoft.com/office/officeart/2005/8/quickstyle/simple1" qsCatId="simple" csTypeId="urn:microsoft.com/office/officeart/2005/8/colors/accent1_2" csCatId="accent1" phldr="1"/>
       <dgm:spPr/>
       <dgm:t>
         <a:bodyPr/>
@@ -5069,8 +5196,8 @@
         </a:p>
       </dgm:t>
     </dgm:pt>
-    <dgm:pt modelId="{169791F5-5A37-4067-9474-D1016C2CB48C}" type="pres">
-      <dgm:prSet presAssocID="{49995F36-5F55-4116-B631-FF14E2621765}" presName="hierChild1" presStyleCnt="0">
+    <dgm:pt modelId="{E4963789-AECD-42AC-83BB-8386C80896ED}" type="pres">
+      <dgm:prSet presAssocID="{49995F36-5F55-4116-B631-FF14E2621765}" presName="Name0" presStyleCnt="0">
         <dgm:presLayoutVars>
           <dgm:orgChart val="1"/>
           <dgm:chPref val="1"/>
@@ -5089,7 +5216,7 @@
         </a:p>
       </dgm:t>
     </dgm:pt>
-    <dgm:pt modelId="{A12F9325-7CA5-4B0E-8080-5222AD47B07D}" type="pres">
+    <dgm:pt modelId="{28AF6957-FD07-4971-ACCB-22F0F8C20C7C}" type="pres">
       <dgm:prSet presAssocID="{A7A72AD0-74A5-404F-AC7D-F75CE224FE8B}" presName="hierRoot1" presStyleCnt="0">
         <dgm:presLayoutVars>
           <dgm:hierBranch val="init"/>
@@ -5097,12 +5224,12 @@
       </dgm:prSet>
       <dgm:spPr/>
     </dgm:pt>
-    <dgm:pt modelId="{736DC1B0-E951-4DD7-8F70-816E9B662514}" type="pres">
+    <dgm:pt modelId="{D6D50839-6990-4E32-9A80-70CE71345203}" type="pres">
       <dgm:prSet presAssocID="{A7A72AD0-74A5-404F-AC7D-F75CE224FE8B}" presName="rootComposite1" presStyleCnt="0"/>
       <dgm:spPr/>
     </dgm:pt>
-    <dgm:pt modelId="{C9825E97-E295-4A34-BCBA-C13309C1EE1D}" type="pres">
-      <dgm:prSet presAssocID="{A7A72AD0-74A5-404F-AC7D-F75CE224FE8B}" presName="rootText1" presStyleLbl="node0" presStyleIdx="0" presStyleCnt="1">
+    <dgm:pt modelId="{DC3E5C19-7A84-4519-B6F3-FB12B70814A9}" type="pres">
+      <dgm:prSet presAssocID="{A7A72AD0-74A5-404F-AC7D-F75CE224FE8B}" presName="rootText1" presStyleLbl="alignAcc1" presStyleIdx="0" presStyleCnt="0">
         <dgm:presLayoutVars>
           <dgm:chPref val="3"/>
         </dgm:presLayoutVars>
@@ -5116,8 +5243,16 @@
         </a:p>
       </dgm:t>
     </dgm:pt>
-    <dgm:pt modelId="{3B4DE796-3C71-4936-8914-9124F9B73E3F}" type="pres">
-      <dgm:prSet presAssocID="{A7A72AD0-74A5-404F-AC7D-F75CE224FE8B}" presName="rootConnector1" presStyleLbl="node1" presStyleIdx="0" presStyleCnt="0"/>
+    <dgm:pt modelId="{E4A31C72-DF7F-4FEE-A0C0-E384A642A1E3}" type="pres">
+      <dgm:prSet presAssocID="{A7A72AD0-74A5-404F-AC7D-F75CE224FE8B}" presName="topArc1" presStyleLbl="parChTrans1D1" presStyleIdx="0" presStyleCnt="10"/>
+      <dgm:spPr/>
+    </dgm:pt>
+    <dgm:pt modelId="{D5E670BE-DC56-4C2C-86E5-F828041954EE}" type="pres">
+      <dgm:prSet presAssocID="{A7A72AD0-74A5-404F-AC7D-F75CE224FE8B}" presName="bottomArc1" presStyleLbl="parChTrans1D1" presStyleIdx="1" presStyleCnt="10"/>
+      <dgm:spPr/>
+    </dgm:pt>
+    <dgm:pt modelId="{97F7218C-D250-4C67-91C5-8D13ABED8CB0}" type="pres">
+      <dgm:prSet presAssocID="{A7A72AD0-74A5-404F-AC7D-F75CE224FE8B}" presName="topConnNode1" presStyleLbl="node1" presStyleIdx="0" presStyleCnt="0"/>
       <dgm:spPr/>
       <dgm:t>
         <a:bodyPr/>
@@ -5127,12 +5262,12 @@
         </a:p>
       </dgm:t>
     </dgm:pt>
-    <dgm:pt modelId="{FE2A5E7C-32AF-4494-9FDC-5348A29CED12}" type="pres">
+    <dgm:pt modelId="{11B94D46-3F62-4EF4-8708-247910838D5E}" type="pres">
       <dgm:prSet presAssocID="{A7A72AD0-74A5-404F-AC7D-F75CE224FE8B}" presName="hierChild2" presStyleCnt="0"/>
       <dgm:spPr/>
     </dgm:pt>
-    <dgm:pt modelId="{C776290A-23C1-41EF-95D5-754D09C0457F}" type="pres">
-      <dgm:prSet presAssocID="{10FCCBBC-5750-4BD4-8B9A-523550CD226B}" presName="Name37" presStyleLbl="parChTrans1D2" presStyleIdx="0" presStyleCnt="4"/>
+    <dgm:pt modelId="{56045B2A-EFAD-4BF6-9330-E328CCECD3E2}" type="pres">
+      <dgm:prSet presAssocID="{10FCCBBC-5750-4BD4-8B9A-523550CD226B}" presName="Name28" presStyleLbl="parChTrans1D2" presStyleIdx="0" presStyleCnt="4"/>
       <dgm:spPr/>
       <dgm:t>
         <a:bodyPr/>
@@ -5142,7 +5277,7 @@
         </a:p>
       </dgm:t>
     </dgm:pt>
-    <dgm:pt modelId="{50966D89-5E1C-4986-AD06-772180FECE30}" type="pres">
+    <dgm:pt modelId="{9E273BC0-54F9-4644-A3C7-D74B7713F54F}" type="pres">
       <dgm:prSet presAssocID="{F0D86663-93BA-4640-B5D5-7727D5CF7884}" presName="hierRoot2" presStyleCnt="0">
         <dgm:presLayoutVars>
           <dgm:hierBranch val="init"/>
@@ -5150,12 +5285,12 @@
       </dgm:prSet>
       <dgm:spPr/>
     </dgm:pt>
-    <dgm:pt modelId="{9029CA93-AEB7-403D-80E4-220813DE89EF}" type="pres">
-      <dgm:prSet presAssocID="{F0D86663-93BA-4640-B5D5-7727D5CF7884}" presName="rootComposite" presStyleCnt="0"/>
+    <dgm:pt modelId="{7FB86F02-611C-4CA8-9A22-39CB7761A566}" type="pres">
+      <dgm:prSet presAssocID="{F0D86663-93BA-4640-B5D5-7727D5CF7884}" presName="rootComposite2" presStyleCnt="0"/>
       <dgm:spPr/>
     </dgm:pt>
-    <dgm:pt modelId="{DA5F34A8-39AC-4078-BA3E-8A75E3448092}" type="pres">
-      <dgm:prSet presAssocID="{F0D86663-93BA-4640-B5D5-7727D5CF7884}" presName="rootText" presStyleLbl="node2" presStyleIdx="0" presStyleCnt="4" custScaleX="110443">
+    <dgm:pt modelId="{FC0030F6-CEDE-4A9A-A235-C02FA9BD32FC}" type="pres">
+      <dgm:prSet presAssocID="{F0D86663-93BA-4640-B5D5-7727D5CF7884}" presName="rootText2" presStyleLbl="alignAcc1" presStyleIdx="0" presStyleCnt="0">
         <dgm:presLayoutVars>
           <dgm:chPref val="3"/>
         </dgm:presLayoutVars>
@@ -5169,8 +5304,16 @@
         </a:p>
       </dgm:t>
     </dgm:pt>
-    <dgm:pt modelId="{A392EFEC-8FD8-4AB7-BB9F-462973D0E5B7}" type="pres">
-      <dgm:prSet presAssocID="{F0D86663-93BA-4640-B5D5-7727D5CF7884}" presName="rootConnector" presStyleLbl="node2" presStyleIdx="0" presStyleCnt="4"/>
+    <dgm:pt modelId="{0D5786D8-6C2A-47EF-A5A7-A108AC3D027C}" type="pres">
+      <dgm:prSet presAssocID="{F0D86663-93BA-4640-B5D5-7727D5CF7884}" presName="topArc2" presStyleLbl="parChTrans1D1" presStyleIdx="2" presStyleCnt="10"/>
+      <dgm:spPr/>
+    </dgm:pt>
+    <dgm:pt modelId="{5E3DA951-6481-4BDC-8DB2-C63EA0944F3A}" type="pres">
+      <dgm:prSet presAssocID="{F0D86663-93BA-4640-B5D5-7727D5CF7884}" presName="bottomArc2" presStyleLbl="parChTrans1D1" presStyleIdx="3" presStyleCnt="10"/>
+      <dgm:spPr/>
+    </dgm:pt>
+    <dgm:pt modelId="{D0BA369C-ABBE-4C11-8F58-762E64EFA123}" type="pres">
+      <dgm:prSet presAssocID="{F0D86663-93BA-4640-B5D5-7727D5CF7884}" presName="topConnNode2" presStyleLbl="node2" presStyleIdx="0" presStyleCnt="0"/>
       <dgm:spPr/>
       <dgm:t>
         <a:bodyPr/>
@@ -5180,16 +5323,16 @@
         </a:p>
       </dgm:t>
     </dgm:pt>
-    <dgm:pt modelId="{BCB28251-1AFE-41DE-B97B-21019DEFC01C}" type="pres">
+    <dgm:pt modelId="{DB794049-D310-4023-B0DF-D9566882E330}" type="pres">
       <dgm:prSet presAssocID="{F0D86663-93BA-4640-B5D5-7727D5CF7884}" presName="hierChild4" presStyleCnt="0"/>
       <dgm:spPr/>
     </dgm:pt>
-    <dgm:pt modelId="{B3124E7E-4B11-405D-AE8E-246ADDB65D6D}" type="pres">
+    <dgm:pt modelId="{70C38670-885D-4212-A8FB-BC268BCA850B}" type="pres">
       <dgm:prSet presAssocID="{F0D86663-93BA-4640-B5D5-7727D5CF7884}" presName="hierChild5" presStyleCnt="0"/>
       <dgm:spPr/>
     </dgm:pt>
-    <dgm:pt modelId="{FE23A803-1D40-499F-9B88-9CDA04761062}" type="pres">
-      <dgm:prSet presAssocID="{C89BAB9D-BC4A-46CC-9DA9-2F3015E3BCE7}" presName="Name37" presStyleLbl="parChTrans1D2" presStyleIdx="1" presStyleCnt="4"/>
+    <dgm:pt modelId="{88B8DB7C-91DB-4A93-8DBE-8F5EC4C0661C}" type="pres">
+      <dgm:prSet presAssocID="{C89BAB9D-BC4A-46CC-9DA9-2F3015E3BCE7}" presName="Name28" presStyleLbl="parChTrans1D2" presStyleIdx="1" presStyleCnt="4"/>
       <dgm:spPr/>
       <dgm:t>
         <a:bodyPr/>
@@ -5199,7 +5342,7 @@
         </a:p>
       </dgm:t>
     </dgm:pt>
-    <dgm:pt modelId="{9E29AFF4-CB5A-42EE-94ED-5618E9EBD1D1}" type="pres">
+    <dgm:pt modelId="{5E988BDE-60F5-4561-B821-A65648090DFD}" type="pres">
       <dgm:prSet presAssocID="{5993B04D-C063-4217-A7D1-1766797BDCA5}" presName="hierRoot2" presStyleCnt="0">
         <dgm:presLayoutVars>
           <dgm:hierBranch val="init"/>
@@ -5207,12 +5350,12 @@
       </dgm:prSet>
       <dgm:spPr/>
     </dgm:pt>
-    <dgm:pt modelId="{B3C12F98-1AD3-4886-A71A-AF262FE85DEC}" type="pres">
-      <dgm:prSet presAssocID="{5993B04D-C063-4217-A7D1-1766797BDCA5}" presName="rootComposite" presStyleCnt="0"/>
+    <dgm:pt modelId="{A0005273-5ABA-4488-9454-25EF9334DC20}" type="pres">
+      <dgm:prSet presAssocID="{5993B04D-C063-4217-A7D1-1766797BDCA5}" presName="rootComposite2" presStyleCnt="0"/>
       <dgm:spPr/>
     </dgm:pt>
-    <dgm:pt modelId="{C5E1C750-B76A-49CC-8ACB-65A559240520}" type="pres">
-      <dgm:prSet presAssocID="{5993B04D-C063-4217-A7D1-1766797BDCA5}" presName="rootText" presStyleLbl="node2" presStyleIdx="1" presStyleCnt="4">
+    <dgm:pt modelId="{6A4408FE-BE21-441D-A881-E35A381E3C6C}" type="pres">
+      <dgm:prSet presAssocID="{5993B04D-C063-4217-A7D1-1766797BDCA5}" presName="rootText2" presStyleLbl="alignAcc1" presStyleIdx="0" presStyleCnt="0">
         <dgm:presLayoutVars>
           <dgm:chPref val="3"/>
         </dgm:presLayoutVars>
@@ -5226,8 +5369,16 @@
         </a:p>
       </dgm:t>
     </dgm:pt>
-    <dgm:pt modelId="{04652F10-32B1-4C7E-A496-07353F18FB59}" type="pres">
-      <dgm:prSet presAssocID="{5993B04D-C063-4217-A7D1-1766797BDCA5}" presName="rootConnector" presStyleLbl="node2" presStyleIdx="1" presStyleCnt="4"/>
+    <dgm:pt modelId="{5FE77571-DC06-4321-A785-8C9BAF2D2C77}" type="pres">
+      <dgm:prSet presAssocID="{5993B04D-C063-4217-A7D1-1766797BDCA5}" presName="topArc2" presStyleLbl="parChTrans1D1" presStyleIdx="4" presStyleCnt="10"/>
+      <dgm:spPr/>
+    </dgm:pt>
+    <dgm:pt modelId="{0135974D-E8CF-436E-9EA8-6BEFE3A488E8}" type="pres">
+      <dgm:prSet presAssocID="{5993B04D-C063-4217-A7D1-1766797BDCA5}" presName="bottomArc2" presStyleLbl="parChTrans1D1" presStyleIdx="5" presStyleCnt="10"/>
+      <dgm:spPr/>
+    </dgm:pt>
+    <dgm:pt modelId="{69422F7E-1261-4BC8-82A9-641A82548FA4}" type="pres">
+      <dgm:prSet presAssocID="{5993B04D-C063-4217-A7D1-1766797BDCA5}" presName="topConnNode2" presStyleLbl="node2" presStyleIdx="0" presStyleCnt="0"/>
       <dgm:spPr/>
       <dgm:t>
         <a:bodyPr/>
@@ -5237,16 +5388,16 @@
         </a:p>
       </dgm:t>
     </dgm:pt>
-    <dgm:pt modelId="{73A2CB80-7271-407E-B4F3-A6FD16C0BDF7}" type="pres">
+    <dgm:pt modelId="{F48937C1-4726-4C2F-830E-07389595B0F1}" type="pres">
       <dgm:prSet presAssocID="{5993B04D-C063-4217-A7D1-1766797BDCA5}" presName="hierChild4" presStyleCnt="0"/>
       <dgm:spPr/>
     </dgm:pt>
-    <dgm:pt modelId="{C1F7D4C2-88BA-4444-B329-8935550969AC}" type="pres">
+    <dgm:pt modelId="{369F9C80-E2BD-405F-87A6-80DAF6F5CA2C}" type="pres">
       <dgm:prSet presAssocID="{5993B04D-C063-4217-A7D1-1766797BDCA5}" presName="hierChild5" presStyleCnt="0"/>
       <dgm:spPr/>
     </dgm:pt>
-    <dgm:pt modelId="{3E0DB595-1095-47D1-A24B-4E157D552B3D}" type="pres">
-      <dgm:prSet presAssocID="{84468A04-DA54-4A43-A2E6-DE76C04F6E17}" presName="Name37" presStyleLbl="parChTrans1D2" presStyleIdx="2" presStyleCnt="4"/>
+    <dgm:pt modelId="{49215B51-E0CA-4A5E-AC5E-EC5BD741FDEC}" type="pres">
+      <dgm:prSet presAssocID="{84468A04-DA54-4A43-A2E6-DE76C04F6E17}" presName="Name28" presStyleLbl="parChTrans1D2" presStyleIdx="2" presStyleCnt="4"/>
       <dgm:spPr/>
       <dgm:t>
         <a:bodyPr/>
@@ -5256,7 +5407,7 @@
         </a:p>
       </dgm:t>
     </dgm:pt>
-    <dgm:pt modelId="{18BC8341-2111-4E8E-B90F-9BDC49944D76}" type="pres">
+    <dgm:pt modelId="{D8F59F2E-9254-4F77-9806-7AF274A942D5}" type="pres">
       <dgm:prSet presAssocID="{7560F1E7-C494-4801-8A09-0F4C5FE054FD}" presName="hierRoot2" presStyleCnt="0">
         <dgm:presLayoutVars>
           <dgm:hierBranch val="init"/>
@@ -5264,12 +5415,12 @@
       </dgm:prSet>
       <dgm:spPr/>
     </dgm:pt>
-    <dgm:pt modelId="{AADF03F8-1B62-4D61-A86D-62A638AEAA2D}" type="pres">
-      <dgm:prSet presAssocID="{7560F1E7-C494-4801-8A09-0F4C5FE054FD}" presName="rootComposite" presStyleCnt="0"/>
+    <dgm:pt modelId="{D6E55358-7351-4C00-B620-7C7FD73AD7F2}" type="pres">
+      <dgm:prSet presAssocID="{7560F1E7-C494-4801-8A09-0F4C5FE054FD}" presName="rootComposite2" presStyleCnt="0"/>
       <dgm:spPr/>
     </dgm:pt>
-    <dgm:pt modelId="{8E146320-AABC-487E-AF52-7269C35510E1}" type="pres">
-      <dgm:prSet presAssocID="{7560F1E7-C494-4801-8A09-0F4C5FE054FD}" presName="rootText" presStyleLbl="node2" presStyleIdx="2" presStyleCnt="4">
+    <dgm:pt modelId="{42D36DE9-6E01-4478-B11F-01FB01F3520E}" type="pres">
+      <dgm:prSet presAssocID="{7560F1E7-C494-4801-8A09-0F4C5FE054FD}" presName="rootText2" presStyleLbl="alignAcc1" presStyleIdx="0" presStyleCnt="0">
         <dgm:presLayoutVars>
           <dgm:chPref val="3"/>
         </dgm:presLayoutVars>
@@ -5283,8 +5434,16 @@
         </a:p>
       </dgm:t>
     </dgm:pt>
-    <dgm:pt modelId="{69A60311-B8FB-49A2-A688-889BB4CA45AC}" type="pres">
-      <dgm:prSet presAssocID="{7560F1E7-C494-4801-8A09-0F4C5FE054FD}" presName="rootConnector" presStyleLbl="node2" presStyleIdx="2" presStyleCnt="4"/>
+    <dgm:pt modelId="{FC0B3948-ABA4-4300-A2D2-3632219C33FC}" type="pres">
+      <dgm:prSet presAssocID="{7560F1E7-C494-4801-8A09-0F4C5FE054FD}" presName="topArc2" presStyleLbl="parChTrans1D1" presStyleIdx="6" presStyleCnt="10"/>
+      <dgm:spPr/>
+    </dgm:pt>
+    <dgm:pt modelId="{205DF013-8205-4211-895E-827C9EA87B69}" type="pres">
+      <dgm:prSet presAssocID="{7560F1E7-C494-4801-8A09-0F4C5FE054FD}" presName="bottomArc2" presStyleLbl="parChTrans1D1" presStyleIdx="7" presStyleCnt="10"/>
+      <dgm:spPr/>
+    </dgm:pt>
+    <dgm:pt modelId="{46F44FC6-E64B-4A0E-89D6-F06E576BA60C}" type="pres">
+      <dgm:prSet presAssocID="{7560F1E7-C494-4801-8A09-0F4C5FE054FD}" presName="topConnNode2" presStyleLbl="node2" presStyleIdx="0" presStyleCnt="0"/>
       <dgm:spPr/>
       <dgm:t>
         <a:bodyPr/>
@@ -5294,16 +5453,16 @@
         </a:p>
       </dgm:t>
     </dgm:pt>
-    <dgm:pt modelId="{8ACF4BFA-FC80-481F-9FDE-CED6894B74E1}" type="pres">
+    <dgm:pt modelId="{BE4445BD-5EBD-4E7B-8F45-A08BDCD685D8}" type="pres">
       <dgm:prSet presAssocID="{7560F1E7-C494-4801-8A09-0F4C5FE054FD}" presName="hierChild4" presStyleCnt="0"/>
       <dgm:spPr/>
     </dgm:pt>
-    <dgm:pt modelId="{A4132FA7-2D26-45E1-AA53-068668468481}" type="pres">
+    <dgm:pt modelId="{01987BA3-6C0E-4A05-9463-775D5CF715F1}" type="pres">
       <dgm:prSet presAssocID="{7560F1E7-C494-4801-8A09-0F4C5FE054FD}" presName="hierChild5" presStyleCnt="0"/>
       <dgm:spPr/>
     </dgm:pt>
-    <dgm:pt modelId="{CB441CC9-989D-480C-9299-031772477A5E}" type="pres">
-      <dgm:prSet presAssocID="{61CC9BA9-3259-4306-8285-70D41B57CBA9}" presName="Name37" presStyleLbl="parChTrans1D2" presStyleIdx="3" presStyleCnt="4"/>
+    <dgm:pt modelId="{879F2CF4-307E-4049-ACA8-78FAA90CE8BF}" type="pres">
+      <dgm:prSet presAssocID="{61CC9BA9-3259-4306-8285-70D41B57CBA9}" presName="Name28" presStyleLbl="parChTrans1D2" presStyleIdx="3" presStyleCnt="4"/>
       <dgm:spPr/>
       <dgm:t>
         <a:bodyPr/>
@@ -5313,7 +5472,7 @@
         </a:p>
       </dgm:t>
     </dgm:pt>
-    <dgm:pt modelId="{523D9B76-EE65-4D98-B28D-4FBF5B19FCB0}" type="pres">
+    <dgm:pt modelId="{126B8694-CF6F-4C91-A12A-E9025B06082D}" type="pres">
       <dgm:prSet presAssocID="{A928B1BB-2456-4B82-BE9E-B99F9011C06E}" presName="hierRoot2" presStyleCnt="0">
         <dgm:presLayoutVars>
           <dgm:hierBranch val="init"/>
@@ -5321,12 +5480,12 @@
       </dgm:prSet>
       <dgm:spPr/>
     </dgm:pt>
-    <dgm:pt modelId="{9A09B6A3-3495-40D3-8056-79DEC250EA15}" type="pres">
-      <dgm:prSet presAssocID="{A928B1BB-2456-4B82-BE9E-B99F9011C06E}" presName="rootComposite" presStyleCnt="0"/>
+    <dgm:pt modelId="{ED9DB340-E566-48C7-BEBB-A75F6D41DBA1}" type="pres">
+      <dgm:prSet presAssocID="{A928B1BB-2456-4B82-BE9E-B99F9011C06E}" presName="rootComposite2" presStyleCnt="0"/>
       <dgm:spPr/>
     </dgm:pt>
-    <dgm:pt modelId="{13582A1B-4282-4278-B2CB-F31664FF3056}" type="pres">
-      <dgm:prSet presAssocID="{A928B1BB-2456-4B82-BE9E-B99F9011C06E}" presName="rootText" presStyleLbl="node2" presStyleIdx="3" presStyleCnt="4">
+    <dgm:pt modelId="{BB984710-12AD-447C-9519-65D2F8A77C20}" type="pres">
+      <dgm:prSet presAssocID="{A928B1BB-2456-4B82-BE9E-B99F9011C06E}" presName="rootText2" presStyleLbl="alignAcc1" presStyleIdx="0" presStyleCnt="0">
         <dgm:presLayoutVars>
           <dgm:chPref val="3"/>
         </dgm:presLayoutVars>
@@ -5340,8 +5499,16 @@
         </a:p>
       </dgm:t>
     </dgm:pt>
-    <dgm:pt modelId="{7F614069-DDEE-4936-9A9F-979CE9D00493}" type="pres">
-      <dgm:prSet presAssocID="{A928B1BB-2456-4B82-BE9E-B99F9011C06E}" presName="rootConnector" presStyleLbl="node2" presStyleIdx="3" presStyleCnt="4"/>
+    <dgm:pt modelId="{3A6F0647-DDB4-4041-8474-A3409A7969A7}" type="pres">
+      <dgm:prSet presAssocID="{A928B1BB-2456-4B82-BE9E-B99F9011C06E}" presName="topArc2" presStyleLbl="parChTrans1D1" presStyleIdx="8" presStyleCnt="10"/>
+      <dgm:spPr/>
+    </dgm:pt>
+    <dgm:pt modelId="{DEDA629E-B813-48A3-BC92-60AC0C791CAD}" type="pres">
+      <dgm:prSet presAssocID="{A928B1BB-2456-4B82-BE9E-B99F9011C06E}" presName="bottomArc2" presStyleLbl="parChTrans1D1" presStyleIdx="9" presStyleCnt="10"/>
+      <dgm:spPr/>
+    </dgm:pt>
+    <dgm:pt modelId="{156F84A4-18B0-4A76-8C27-20D0C8364D70}" type="pres">
+      <dgm:prSet presAssocID="{A928B1BB-2456-4B82-BE9E-B99F9011C06E}" presName="topConnNode2" presStyleLbl="node2" presStyleIdx="0" presStyleCnt="0"/>
       <dgm:spPr/>
       <dgm:t>
         <a:bodyPr/>
@@ -5351,74 +5518,84 @@
         </a:p>
       </dgm:t>
     </dgm:pt>
-    <dgm:pt modelId="{80FAD8D2-3271-4256-914F-080D489F45B0}" type="pres">
+    <dgm:pt modelId="{A785A38F-7E1E-4807-8FCE-123B486F59FA}" type="pres">
       <dgm:prSet presAssocID="{A928B1BB-2456-4B82-BE9E-B99F9011C06E}" presName="hierChild4" presStyleCnt="0"/>
       <dgm:spPr/>
     </dgm:pt>
-    <dgm:pt modelId="{41276CAB-FBB2-4CA2-86EE-8873C466DD5D}" type="pres">
+    <dgm:pt modelId="{898D0804-74A9-4297-B306-CE5E7C7E85A6}" type="pres">
       <dgm:prSet presAssocID="{A928B1BB-2456-4B82-BE9E-B99F9011C06E}" presName="hierChild5" presStyleCnt="0"/>
       <dgm:spPr/>
     </dgm:pt>
-    <dgm:pt modelId="{205A9A69-29A5-4861-9082-B91FE72C13C0}" type="pres">
+    <dgm:pt modelId="{EFEF35CF-0A0D-49A9-88C1-F19BF5082F46}" type="pres">
       <dgm:prSet presAssocID="{A7A72AD0-74A5-404F-AC7D-F75CE224FE8B}" presName="hierChild3" presStyleCnt="0"/>
       <dgm:spPr/>
     </dgm:pt>
   </dgm:ptLst>
   <dgm:cxnLst>
-    <dgm:cxn modelId="{4A8E648E-59DF-4D11-81B5-4187C63571AC}" type="presOf" srcId="{49995F36-5F55-4116-B631-FF14E2621765}" destId="{169791F5-5A37-4067-9474-D1016C2CB48C}" srcOrd="0" destOrd="0" presId="urn:microsoft.com/office/officeart/2005/8/layout/orgChart1"/>
-    <dgm:cxn modelId="{B95AE67F-42A8-4542-A02B-642F0AB20C7D}" type="presOf" srcId="{F0D86663-93BA-4640-B5D5-7727D5CF7884}" destId="{DA5F34A8-39AC-4078-BA3E-8A75E3448092}" srcOrd="0" destOrd="0" presId="urn:microsoft.com/office/officeart/2005/8/layout/orgChart1"/>
-    <dgm:cxn modelId="{702B994B-9735-4B51-B896-74E3E1F73209}" type="presOf" srcId="{7560F1E7-C494-4801-8A09-0F4C5FE054FD}" destId="{69A60311-B8FB-49A2-A688-889BB4CA45AC}" srcOrd="1" destOrd="0" presId="urn:microsoft.com/office/officeart/2005/8/layout/orgChart1"/>
-    <dgm:cxn modelId="{C36BBB03-9A4E-4D71-94BB-A8D2993A34A7}" type="presOf" srcId="{5993B04D-C063-4217-A7D1-1766797BDCA5}" destId="{04652F10-32B1-4C7E-A496-07353F18FB59}" srcOrd="1" destOrd="0" presId="urn:microsoft.com/office/officeart/2005/8/layout/orgChart1"/>
-    <dgm:cxn modelId="{A682FE9C-22E4-408C-B790-ABEDCF439E0E}" type="presOf" srcId="{A7A72AD0-74A5-404F-AC7D-F75CE224FE8B}" destId="{3B4DE796-3C71-4936-8914-9124F9B73E3F}" srcOrd="1" destOrd="0" presId="urn:microsoft.com/office/officeart/2005/8/layout/orgChart1"/>
-    <dgm:cxn modelId="{1BD7D89A-1DE2-47B1-B035-8303725A1490}" type="presOf" srcId="{5993B04D-C063-4217-A7D1-1766797BDCA5}" destId="{C5E1C750-B76A-49CC-8ACB-65A559240520}" srcOrd="0" destOrd="0" presId="urn:microsoft.com/office/officeart/2005/8/layout/orgChart1"/>
+    <dgm:cxn modelId="{8DD3D532-3166-492F-B273-C59FA78644DD}" type="presOf" srcId="{A928B1BB-2456-4B82-BE9E-B99F9011C06E}" destId="{BB984710-12AD-447C-9519-65D2F8A77C20}" srcOrd="0" destOrd="0" presId="urn:microsoft.com/office/officeart/2008/layout/HalfCircleOrganizationChart"/>
+    <dgm:cxn modelId="{6A30F3FD-17C5-4ED2-9B8C-79A8696956B2}" srcId="{A7A72AD0-74A5-404F-AC7D-F75CE224FE8B}" destId="{F0D86663-93BA-4640-B5D5-7727D5CF7884}" srcOrd="0" destOrd="0" parTransId="{10FCCBBC-5750-4BD4-8B9A-523550CD226B}" sibTransId="{0B550C63-88AF-4B4F-850B-7CCA811B67F6}"/>
+    <dgm:cxn modelId="{4BA928D6-77DA-4C9B-AE7E-CC4D577DEBD0}" type="presOf" srcId="{A7A72AD0-74A5-404F-AC7D-F75CE224FE8B}" destId="{DC3E5C19-7A84-4519-B6F3-FB12B70814A9}" srcOrd="0" destOrd="0" presId="urn:microsoft.com/office/officeart/2008/layout/HalfCircleOrganizationChart"/>
+    <dgm:cxn modelId="{9ABB680A-BE56-44EF-9AA7-23683F8E2213}" srcId="{A7A72AD0-74A5-404F-AC7D-F75CE224FE8B}" destId="{7560F1E7-C494-4801-8A09-0F4C5FE054FD}" srcOrd="2" destOrd="0" parTransId="{84468A04-DA54-4A43-A2E6-DE76C04F6E17}" sibTransId="{D2EC1D75-1001-4353-AB4C-300326D99642}"/>
     <dgm:cxn modelId="{B27EC8A2-96DB-4DF8-835E-14C1346995A9}" srcId="{49995F36-5F55-4116-B631-FF14E2621765}" destId="{A7A72AD0-74A5-404F-AC7D-F75CE224FE8B}" srcOrd="0" destOrd="0" parTransId="{323E1D6C-4303-4DF7-8DA2-A7E78B1AC9A0}" sibTransId="{3D01B1BD-E35F-469E-BB37-797388854D92}"/>
-    <dgm:cxn modelId="{CFB25858-61A0-438A-9606-63D9F497C905}" type="presOf" srcId="{7560F1E7-C494-4801-8A09-0F4C5FE054FD}" destId="{8E146320-AABC-487E-AF52-7269C35510E1}" srcOrd="0" destOrd="0" presId="urn:microsoft.com/office/officeart/2005/8/layout/orgChart1"/>
-    <dgm:cxn modelId="{46D92F19-A38D-4DC8-B173-1637EE75A246}" type="presOf" srcId="{A928B1BB-2456-4B82-BE9E-B99F9011C06E}" destId="{7F614069-DDEE-4936-9A9F-979CE9D00493}" srcOrd="1" destOrd="0" presId="urn:microsoft.com/office/officeart/2005/8/layout/orgChart1"/>
+    <dgm:cxn modelId="{CC489B62-9686-4610-BB84-8C8BA23E6D0C}" type="presOf" srcId="{F0D86663-93BA-4640-B5D5-7727D5CF7884}" destId="{D0BA369C-ABBE-4C11-8F58-762E64EFA123}" srcOrd="1" destOrd="0" presId="urn:microsoft.com/office/officeart/2008/layout/HalfCircleOrganizationChart"/>
+    <dgm:cxn modelId="{95FA2BF1-A441-4E0E-869E-A506129E4313}" type="presOf" srcId="{C89BAB9D-BC4A-46CC-9DA9-2F3015E3BCE7}" destId="{88B8DB7C-91DB-4A93-8DBE-8F5EC4C0661C}" srcOrd="0" destOrd="0" presId="urn:microsoft.com/office/officeart/2008/layout/HalfCircleOrganizationChart"/>
     <dgm:cxn modelId="{84B4A03F-9E72-4D2B-B092-35006EFA6900}" srcId="{A7A72AD0-74A5-404F-AC7D-F75CE224FE8B}" destId="{A928B1BB-2456-4B82-BE9E-B99F9011C06E}" srcOrd="3" destOrd="0" parTransId="{61CC9BA9-3259-4306-8285-70D41B57CBA9}" sibTransId="{6E651DB5-B652-4247-AAFC-42B9C826ACC3}"/>
-    <dgm:cxn modelId="{F1C6DBA8-CCEF-47F2-A255-6215941E1D9D}" type="presOf" srcId="{F0D86663-93BA-4640-B5D5-7727D5CF7884}" destId="{A392EFEC-8FD8-4AB7-BB9F-462973D0E5B7}" srcOrd="1" destOrd="0" presId="urn:microsoft.com/office/officeart/2005/8/layout/orgChart1"/>
-    <dgm:cxn modelId="{45958120-9F29-43B4-9266-87C324ABE6B9}" type="presOf" srcId="{C89BAB9D-BC4A-46CC-9DA9-2F3015E3BCE7}" destId="{FE23A803-1D40-499F-9B88-9CDA04761062}" srcOrd="0" destOrd="0" presId="urn:microsoft.com/office/officeart/2005/8/layout/orgChart1"/>
-    <dgm:cxn modelId="{6A30F3FD-17C5-4ED2-9B8C-79A8696956B2}" srcId="{A7A72AD0-74A5-404F-AC7D-F75CE224FE8B}" destId="{F0D86663-93BA-4640-B5D5-7727D5CF7884}" srcOrd="0" destOrd="0" parTransId="{10FCCBBC-5750-4BD4-8B9A-523550CD226B}" sibTransId="{0B550C63-88AF-4B4F-850B-7CCA811B67F6}"/>
-    <dgm:cxn modelId="{7ACBD0EE-E924-4C58-8EDE-9F6A445E9920}" type="presOf" srcId="{10FCCBBC-5750-4BD4-8B9A-523550CD226B}" destId="{C776290A-23C1-41EF-95D5-754D09C0457F}" srcOrd="0" destOrd="0" presId="urn:microsoft.com/office/officeart/2005/8/layout/orgChart1"/>
+    <dgm:cxn modelId="{FD78675D-2423-4222-B54A-399F277EFDDB}" type="presOf" srcId="{7560F1E7-C494-4801-8A09-0F4C5FE054FD}" destId="{46F44FC6-E64B-4A0E-89D6-F06E576BA60C}" srcOrd="1" destOrd="0" presId="urn:microsoft.com/office/officeart/2008/layout/HalfCircleOrganizationChart"/>
+    <dgm:cxn modelId="{6D33FC5D-DC3B-41C3-9DE7-585EABEDB88F}" type="presOf" srcId="{10FCCBBC-5750-4BD4-8B9A-523550CD226B}" destId="{56045B2A-EFAD-4BF6-9330-E328CCECD3E2}" srcOrd="0" destOrd="0" presId="urn:microsoft.com/office/officeart/2008/layout/HalfCircleOrganizationChart"/>
+    <dgm:cxn modelId="{31D5CABC-519C-4E7C-B02A-FB0BB66ECA0A}" type="presOf" srcId="{84468A04-DA54-4A43-A2E6-DE76C04F6E17}" destId="{49215B51-E0CA-4A5E-AC5E-EC5BD741FDEC}" srcOrd="0" destOrd="0" presId="urn:microsoft.com/office/officeart/2008/layout/HalfCircleOrganizationChart"/>
+    <dgm:cxn modelId="{88EAAAC9-C853-44F5-80AF-72801C3DFD24}" type="presOf" srcId="{5993B04D-C063-4217-A7D1-1766797BDCA5}" destId="{6A4408FE-BE21-441D-A881-E35A381E3C6C}" srcOrd="0" destOrd="0" presId="urn:microsoft.com/office/officeart/2008/layout/HalfCircleOrganizationChart"/>
     <dgm:cxn modelId="{6D5922A5-AD04-43DB-B104-22DD9806EA55}" srcId="{A7A72AD0-74A5-404F-AC7D-F75CE224FE8B}" destId="{5993B04D-C063-4217-A7D1-1766797BDCA5}" srcOrd="1" destOrd="0" parTransId="{C89BAB9D-BC4A-46CC-9DA9-2F3015E3BCE7}" sibTransId="{AF0C7D61-0473-448B-A115-5C936ECAB6BA}"/>
-    <dgm:cxn modelId="{E2363F35-8B2D-4A9F-8796-25BA248FD97D}" type="presOf" srcId="{A928B1BB-2456-4B82-BE9E-B99F9011C06E}" destId="{13582A1B-4282-4278-B2CB-F31664FF3056}" srcOrd="0" destOrd="0" presId="urn:microsoft.com/office/officeart/2005/8/layout/orgChart1"/>
-    <dgm:cxn modelId="{76AAA631-BC64-4207-BEF6-E22F2554EB03}" type="presOf" srcId="{A7A72AD0-74A5-404F-AC7D-F75CE224FE8B}" destId="{C9825E97-E295-4A34-BCBA-C13309C1EE1D}" srcOrd="0" destOrd="0" presId="urn:microsoft.com/office/officeart/2005/8/layout/orgChart1"/>
-    <dgm:cxn modelId="{9ABB680A-BE56-44EF-9AA7-23683F8E2213}" srcId="{A7A72AD0-74A5-404F-AC7D-F75CE224FE8B}" destId="{7560F1E7-C494-4801-8A09-0F4C5FE054FD}" srcOrd="2" destOrd="0" parTransId="{84468A04-DA54-4A43-A2E6-DE76C04F6E17}" sibTransId="{D2EC1D75-1001-4353-AB4C-300326D99642}"/>
-    <dgm:cxn modelId="{0BCCF27B-CAC3-4595-BF15-2D753402C99F}" type="presOf" srcId="{84468A04-DA54-4A43-A2E6-DE76C04F6E17}" destId="{3E0DB595-1095-47D1-A24B-4E157D552B3D}" srcOrd="0" destOrd="0" presId="urn:microsoft.com/office/officeart/2005/8/layout/orgChart1"/>
-    <dgm:cxn modelId="{360E9E28-A85C-46A5-A49D-CFA34847E85F}" type="presOf" srcId="{61CC9BA9-3259-4306-8285-70D41B57CBA9}" destId="{CB441CC9-989D-480C-9299-031772477A5E}" srcOrd="0" destOrd="0" presId="urn:microsoft.com/office/officeart/2005/8/layout/orgChart1"/>
-    <dgm:cxn modelId="{07B36512-AE1A-4597-9C9C-D859FAABC522}" type="presParOf" srcId="{169791F5-5A37-4067-9474-D1016C2CB48C}" destId="{A12F9325-7CA5-4B0E-8080-5222AD47B07D}" srcOrd="0" destOrd="0" presId="urn:microsoft.com/office/officeart/2005/8/layout/orgChart1"/>
-    <dgm:cxn modelId="{594AD9FC-5E04-4256-AC91-1F281CA35A65}" type="presParOf" srcId="{A12F9325-7CA5-4B0E-8080-5222AD47B07D}" destId="{736DC1B0-E951-4DD7-8F70-816E9B662514}" srcOrd="0" destOrd="0" presId="urn:microsoft.com/office/officeart/2005/8/layout/orgChart1"/>
-    <dgm:cxn modelId="{C6BF3BE0-24CC-43B9-AA6C-FD7E4AA5021F}" type="presParOf" srcId="{736DC1B0-E951-4DD7-8F70-816E9B662514}" destId="{C9825E97-E295-4A34-BCBA-C13309C1EE1D}" srcOrd="0" destOrd="0" presId="urn:microsoft.com/office/officeart/2005/8/layout/orgChart1"/>
-    <dgm:cxn modelId="{AE6E3B2C-A3D6-4D5E-917F-9CCCA0781B96}" type="presParOf" srcId="{736DC1B0-E951-4DD7-8F70-816E9B662514}" destId="{3B4DE796-3C71-4936-8914-9124F9B73E3F}" srcOrd="1" destOrd="0" presId="urn:microsoft.com/office/officeart/2005/8/layout/orgChart1"/>
-    <dgm:cxn modelId="{897B1D2E-B284-4F07-991B-EA0C8952CCD1}" type="presParOf" srcId="{A12F9325-7CA5-4B0E-8080-5222AD47B07D}" destId="{FE2A5E7C-32AF-4494-9FDC-5348A29CED12}" srcOrd="1" destOrd="0" presId="urn:microsoft.com/office/officeart/2005/8/layout/orgChart1"/>
-    <dgm:cxn modelId="{F3E5640D-ACDB-482F-896E-4831DE164B62}" type="presParOf" srcId="{FE2A5E7C-32AF-4494-9FDC-5348A29CED12}" destId="{C776290A-23C1-41EF-95D5-754D09C0457F}" srcOrd="0" destOrd="0" presId="urn:microsoft.com/office/officeart/2005/8/layout/orgChart1"/>
-    <dgm:cxn modelId="{6F1972EF-64EF-4F80-A7A4-73E73077D1D5}" type="presParOf" srcId="{FE2A5E7C-32AF-4494-9FDC-5348A29CED12}" destId="{50966D89-5E1C-4986-AD06-772180FECE30}" srcOrd="1" destOrd="0" presId="urn:microsoft.com/office/officeart/2005/8/layout/orgChart1"/>
-    <dgm:cxn modelId="{945068E0-42B8-43B5-8CC4-973BEE3242A4}" type="presParOf" srcId="{50966D89-5E1C-4986-AD06-772180FECE30}" destId="{9029CA93-AEB7-403D-80E4-220813DE89EF}" srcOrd="0" destOrd="0" presId="urn:microsoft.com/office/officeart/2005/8/layout/orgChart1"/>
-    <dgm:cxn modelId="{8ED94102-7D11-4A99-93FC-859747480F67}" type="presParOf" srcId="{9029CA93-AEB7-403D-80E4-220813DE89EF}" destId="{DA5F34A8-39AC-4078-BA3E-8A75E3448092}" srcOrd="0" destOrd="0" presId="urn:microsoft.com/office/officeart/2005/8/layout/orgChart1"/>
-    <dgm:cxn modelId="{14A2D6E1-F828-4931-9171-AE16F4E9253C}" type="presParOf" srcId="{9029CA93-AEB7-403D-80E4-220813DE89EF}" destId="{A392EFEC-8FD8-4AB7-BB9F-462973D0E5B7}" srcOrd="1" destOrd="0" presId="urn:microsoft.com/office/officeart/2005/8/layout/orgChart1"/>
-    <dgm:cxn modelId="{AE7EBEF5-AA20-4039-98A1-4B938D1E65F2}" type="presParOf" srcId="{50966D89-5E1C-4986-AD06-772180FECE30}" destId="{BCB28251-1AFE-41DE-B97B-21019DEFC01C}" srcOrd="1" destOrd="0" presId="urn:microsoft.com/office/officeart/2005/8/layout/orgChart1"/>
-    <dgm:cxn modelId="{6D069B6C-A892-4764-B326-A3257A809040}" type="presParOf" srcId="{50966D89-5E1C-4986-AD06-772180FECE30}" destId="{B3124E7E-4B11-405D-AE8E-246ADDB65D6D}" srcOrd="2" destOrd="0" presId="urn:microsoft.com/office/officeart/2005/8/layout/orgChart1"/>
-    <dgm:cxn modelId="{078E1DDC-25DE-4446-98A6-A33AB1A8D896}" type="presParOf" srcId="{FE2A5E7C-32AF-4494-9FDC-5348A29CED12}" destId="{FE23A803-1D40-499F-9B88-9CDA04761062}" srcOrd="2" destOrd="0" presId="urn:microsoft.com/office/officeart/2005/8/layout/orgChart1"/>
-    <dgm:cxn modelId="{795EE33D-65DE-41A2-807D-F30D91B2D68C}" type="presParOf" srcId="{FE2A5E7C-32AF-4494-9FDC-5348A29CED12}" destId="{9E29AFF4-CB5A-42EE-94ED-5618E9EBD1D1}" srcOrd="3" destOrd="0" presId="urn:microsoft.com/office/officeart/2005/8/layout/orgChart1"/>
-    <dgm:cxn modelId="{73B19159-7B0A-4AF2-A475-C4E34605E5AF}" type="presParOf" srcId="{9E29AFF4-CB5A-42EE-94ED-5618E9EBD1D1}" destId="{B3C12F98-1AD3-4886-A71A-AF262FE85DEC}" srcOrd="0" destOrd="0" presId="urn:microsoft.com/office/officeart/2005/8/layout/orgChart1"/>
-    <dgm:cxn modelId="{B3EE1DD7-FEED-4E21-8962-AE44F0800142}" type="presParOf" srcId="{B3C12F98-1AD3-4886-A71A-AF262FE85DEC}" destId="{C5E1C750-B76A-49CC-8ACB-65A559240520}" srcOrd="0" destOrd="0" presId="urn:microsoft.com/office/officeart/2005/8/layout/orgChart1"/>
-    <dgm:cxn modelId="{3AB13D2A-D205-4B7A-AF29-655FDD4E2C74}" type="presParOf" srcId="{B3C12F98-1AD3-4886-A71A-AF262FE85DEC}" destId="{04652F10-32B1-4C7E-A496-07353F18FB59}" srcOrd="1" destOrd="0" presId="urn:microsoft.com/office/officeart/2005/8/layout/orgChart1"/>
-    <dgm:cxn modelId="{59FA7452-1881-4FC8-A9A5-946FB8DA2F59}" type="presParOf" srcId="{9E29AFF4-CB5A-42EE-94ED-5618E9EBD1D1}" destId="{73A2CB80-7271-407E-B4F3-A6FD16C0BDF7}" srcOrd="1" destOrd="0" presId="urn:microsoft.com/office/officeart/2005/8/layout/orgChart1"/>
-    <dgm:cxn modelId="{846CD7B7-C576-48E1-95EA-057F706A0766}" type="presParOf" srcId="{9E29AFF4-CB5A-42EE-94ED-5618E9EBD1D1}" destId="{C1F7D4C2-88BA-4444-B329-8935550969AC}" srcOrd="2" destOrd="0" presId="urn:microsoft.com/office/officeart/2005/8/layout/orgChart1"/>
-    <dgm:cxn modelId="{1CEE9713-2FB3-4A12-8C80-52D581E7876B}" type="presParOf" srcId="{FE2A5E7C-32AF-4494-9FDC-5348A29CED12}" destId="{3E0DB595-1095-47D1-A24B-4E157D552B3D}" srcOrd="4" destOrd="0" presId="urn:microsoft.com/office/officeart/2005/8/layout/orgChart1"/>
-    <dgm:cxn modelId="{99830C02-46E2-4ED4-8763-26209162BA64}" type="presParOf" srcId="{FE2A5E7C-32AF-4494-9FDC-5348A29CED12}" destId="{18BC8341-2111-4E8E-B90F-9BDC49944D76}" srcOrd="5" destOrd="0" presId="urn:microsoft.com/office/officeart/2005/8/layout/orgChart1"/>
-    <dgm:cxn modelId="{DF21EE9E-6E14-47BB-8F49-B9CD4030BB46}" type="presParOf" srcId="{18BC8341-2111-4E8E-B90F-9BDC49944D76}" destId="{AADF03F8-1B62-4D61-A86D-62A638AEAA2D}" srcOrd="0" destOrd="0" presId="urn:microsoft.com/office/officeart/2005/8/layout/orgChart1"/>
-    <dgm:cxn modelId="{E8FD4C55-6D32-409E-9090-D2D357415A02}" type="presParOf" srcId="{AADF03F8-1B62-4D61-A86D-62A638AEAA2D}" destId="{8E146320-AABC-487E-AF52-7269C35510E1}" srcOrd="0" destOrd="0" presId="urn:microsoft.com/office/officeart/2005/8/layout/orgChart1"/>
-    <dgm:cxn modelId="{306A98B4-3C50-4402-8C59-3D4987174F61}" type="presParOf" srcId="{AADF03F8-1B62-4D61-A86D-62A638AEAA2D}" destId="{69A60311-B8FB-49A2-A688-889BB4CA45AC}" srcOrd="1" destOrd="0" presId="urn:microsoft.com/office/officeart/2005/8/layout/orgChart1"/>
-    <dgm:cxn modelId="{A83C518D-C6F6-4C85-9ACA-71D56E2EEAC4}" type="presParOf" srcId="{18BC8341-2111-4E8E-B90F-9BDC49944D76}" destId="{8ACF4BFA-FC80-481F-9FDE-CED6894B74E1}" srcOrd="1" destOrd="0" presId="urn:microsoft.com/office/officeart/2005/8/layout/orgChart1"/>
-    <dgm:cxn modelId="{5CF70906-E937-4BB1-A944-A341836AD7D4}" type="presParOf" srcId="{18BC8341-2111-4E8E-B90F-9BDC49944D76}" destId="{A4132FA7-2D26-45E1-AA53-068668468481}" srcOrd="2" destOrd="0" presId="urn:microsoft.com/office/officeart/2005/8/layout/orgChart1"/>
-    <dgm:cxn modelId="{BADC92F7-1E12-416C-9E25-EB33248E2A81}" type="presParOf" srcId="{FE2A5E7C-32AF-4494-9FDC-5348A29CED12}" destId="{CB441CC9-989D-480C-9299-031772477A5E}" srcOrd="6" destOrd="0" presId="urn:microsoft.com/office/officeart/2005/8/layout/orgChart1"/>
-    <dgm:cxn modelId="{97E6413E-99C0-4A13-B314-9AD8C46E2C27}" type="presParOf" srcId="{FE2A5E7C-32AF-4494-9FDC-5348A29CED12}" destId="{523D9B76-EE65-4D98-B28D-4FBF5B19FCB0}" srcOrd="7" destOrd="0" presId="urn:microsoft.com/office/officeart/2005/8/layout/orgChart1"/>
-    <dgm:cxn modelId="{E22DE949-F3A3-41E0-AC24-A4D6BEF09EF2}" type="presParOf" srcId="{523D9B76-EE65-4D98-B28D-4FBF5B19FCB0}" destId="{9A09B6A3-3495-40D3-8056-79DEC250EA15}" srcOrd="0" destOrd="0" presId="urn:microsoft.com/office/officeart/2005/8/layout/orgChart1"/>
-    <dgm:cxn modelId="{D577F86A-1DE4-4918-9561-BB205666A942}" type="presParOf" srcId="{9A09B6A3-3495-40D3-8056-79DEC250EA15}" destId="{13582A1B-4282-4278-B2CB-F31664FF3056}" srcOrd="0" destOrd="0" presId="urn:microsoft.com/office/officeart/2005/8/layout/orgChart1"/>
-    <dgm:cxn modelId="{7C1204FD-75A7-4F1A-9407-0D2628188620}" type="presParOf" srcId="{9A09B6A3-3495-40D3-8056-79DEC250EA15}" destId="{7F614069-DDEE-4936-9A9F-979CE9D00493}" srcOrd="1" destOrd="0" presId="urn:microsoft.com/office/officeart/2005/8/layout/orgChart1"/>
-    <dgm:cxn modelId="{B79C9131-CF13-4E53-A3FB-EF6B3CEBD96D}" type="presParOf" srcId="{523D9B76-EE65-4D98-B28D-4FBF5B19FCB0}" destId="{80FAD8D2-3271-4256-914F-080D489F45B0}" srcOrd="1" destOrd="0" presId="urn:microsoft.com/office/officeart/2005/8/layout/orgChart1"/>
-    <dgm:cxn modelId="{43048115-2718-465E-AAF2-AE3773878B39}" type="presParOf" srcId="{523D9B76-EE65-4D98-B28D-4FBF5B19FCB0}" destId="{41276CAB-FBB2-4CA2-86EE-8873C466DD5D}" srcOrd="2" destOrd="0" presId="urn:microsoft.com/office/officeart/2005/8/layout/orgChart1"/>
-    <dgm:cxn modelId="{614FDED9-3D47-4600-B168-C34F5761439B}" type="presParOf" srcId="{A12F9325-7CA5-4B0E-8080-5222AD47B07D}" destId="{205A9A69-29A5-4861-9082-B91FE72C13C0}" srcOrd="2" destOrd="0" presId="urn:microsoft.com/office/officeart/2005/8/layout/orgChart1"/>
+    <dgm:cxn modelId="{840D42DA-E98B-4AA5-AFF9-6636DEC88277}" type="presOf" srcId="{F0D86663-93BA-4640-B5D5-7727D5CF7884}" destId="{FC0030F6-CEDE-4A9A-A235-C02FA9BD32FC}" srcOrd="0" destOrd="0" presId="urn:microsoft.com/office/officeart/2008/layout/HalfCircleOrganizationChart"/>
+    <dgm:cxn modelId="{A28E2D84-C282-4D7F-9647-0D97A8BE4009}" type="presOf" srcId="{A7A72AD0-74A5-404F-AC7D-F75CE224FE8B}" destId="{97F7218C-D250-4C67-91C5-8D13ABED8CB0}" srcOrd="1" destOrd="0" presId="urn:microsoft.com/office/officeart/2008/layout/HalfCircleOrganizationChart"/>
+    <dgm:cxn modelId="{A1BC7E42-8C36-4731-97C3-3FEC9BEB6CB4}" type="presOf" srcId="{A928B1BB-2456-4B82-BE9E-B99F9011C06E}" destId="{156F84A4-18B0-4A76-8C27-20D0C8364D70}" srcOrd="1" destOrd="0" presId="urn:microsoft.com/office/officeart/2008/layout/HalfCircleOrganizationChart"/>
+    <dgm:cxn modelId="{37BF0A16-6D75-4B75-96DF-AF06D2811DC5}" type="presOf" srcId="{49995F36-5F55-4116-B631-FF14E2621765}" destId="{E4963789-AECD-42AC-83BB-8386C80896ED}" srcOrd="0" destOrd="0" presId="urn:microsoft.com/office/officeart/2008/layout/HalfCircleOrganizationChart"/>
+    <dgm:cxn modelId="{6991954E-D5C8-4209-A74D-D0E7D51B0CA2}" type="presOf" srcId="{5993B04D-C063-4217-A7D1-1766797BDCA5}" destId="{69422F7E-1261-4BC8-82A9-641A82548FA4}" srcOrd="1" destOrd="0" presId="urn:microsoft.com/office/officeart/2008/layout/HalfCircleOrganizationChart"/>
+    <dgm:cxn modelId="{B398AE58-CDA9-4E32-A999-77DEA94198CE}" type="presOf" srcId="{61CC9BA9-3259-4306-8285-70D41B57CBA9}" destId="{879F2CF4-307E-4049-ACA8-78FAA90CE8BF}" srcOrd="0" destOrd="0" presId="urn:microsoft.com/office/officeart/2008/layout/HalfCircleOrganizationChart"/>
+    <dgm:cxn modelId="{F2120BE7-2BD9-430C-9BE3-430548A8BCE2}" type="presOf" srcId="{7560F1E7-C494-4801-8A09-0F4C5FE054FD}" destId="{42D36DE9-6E01-4478-B11F-01FB01F3520E}" srcOrd="0" destOrd="0" presId="urn:microsoft.com/office/officeart/2008/layout/HalfCircleOrganizationChart"/>
+    <dgm:cxn modelId="{8F3DC81C-F7D6-49CD-9239-2CEA06F78E8C}" type="presParOf" srcId="{E4963789-AECD-42AC-83BB-8386C80896ED}" destId="{28AF6957-FD07-4971-ACCB-22F0F8C20C7C}" srcOrd="0" destOrd="0" presId="urn:microsoft.com/office/officeart/2008/layout/HalfCircleOrganizationChart"/>
+    <dgm:cxn modelId="{3EC12035-199C-4F8D-B617-BC42F3BAD317}" type="presParOf" srcId="{28AF6957-FD07-4971-ACCB-22F0F8C20C7C}" destId="{D6D50839-6990-4E32-9A80-70CE71345203}" srcOrd="0" destOrd="0" presId="urn:microsoft.com/office/officeart/2008/layout/HalfCircleOrganizationChart"/>
+    <dgm:cxn modelId="{F3F7B974-DD53-435E-833E-CA967C47A31F}" type="presParOf" srcId="{D6D50839-6990-4E32-9A80-70CE71345203}" destId="{DC3E5C19-7A84-4519-B6F3-FB12B70814A9}" srcOrd="0" destOrd="0" presId="urn:microsoft.com/office/officeart/2008/layout/HalfCircleOrganizationChart"/>
+    <dgm:cxn modelId="{1C39B9C7-6487-40F5-9A9D-FDCD00209D6A}" type="presParOf" srcId="{D6D50839-6990-4E32-9A80-70CE71345203}" destId="{E4A31C72-DF7F-4FEE-A0C0-E384A642A1E3}" srcOrd="1" destOrd="0" presId="urn:microsoft.com/office/officeart/2008/layout/HalfCircleOrganizationChart"/>
+    <dgm:cxn modelId="{20DC8860-6A14-4B4D-86D3-9F729AFF9B4E}" type="presParOf" srcId="{D6D50839-6990-4E32-9A80-70CE71345203}" destId="{D5E670BE-DC56-4C2C-86E5-F828041954EE}" srcOrd="2" destOrd="0" presId="urn:microsoft.com/office/officeart/2008/layout/HalfCircleOrganizationChart"/>
+    <dgm:cxn modelId="{6FCE6E74-A65A-4F8E-8061-8373BA28C501}" type="presParOf" srcId="{D6D50839-6990-4E32-9A80-70CE71345203}" destId="{97F7218C-D250-4C67-91C5-8D13ABED8CB0}" srcOrd="3" destOrd="0" presId="urn:microsoft.com/office/officeart/2008/layout/HalfCircleOrganizationChart"/>
+    <dgm:cxn modelId="{6B3F87F5-E8AC-42A5-803D-FD07B281C72C}" type="presParOf" srcId="{28AF6957-FD07-4971-ACCB-22F0F8C20C7C}" destId="{11B94D46-3F62-4EF4-8708-247910838D5E}" srcOrd="1" destOrd="0" presId="urn:microsoft.com/office/officeart/2008/layout/HalfCircleOrganizationChart"/>
+    <dgm:cxn modelId="{F4D90078-C0A4-4305-BF7B-5DF6235FED0E}" type="presParOf" srcId="{11B94D46-3F62-4EF4-8708-247910838D5E}" destId="{56045B2A-EFAD-4BF6-9330-E328CCECD3E2}" srcOrd="0" destOrd="0" presId="urn:microsoft.com/office/officeart/2008/layout/HalfCircleOrganizationChart"/>
+    <dgm:cxn modelId="{9B492C02-64FD-41D3-A1ED-B9F54D5D7F22}" type="presParOf" srcId="{11B94D46-3F62-4EF4-8708-247910838D5E}" destId="{9E273BC0-54F9-4644-A3C7-D74B7713F54F}" srcOrd="1" destOrd="0" presId="urn:microsoft.com/office/officeart/2008/layout/HalfCircleOrganizationChart"/>
+    <dgm:cxn modelId="{4CB84D60-4FD1-4A7B-B2A2-43DAD83C5D52}" type="presParOf" srcId="{9E273BC0-54F9-4644-A3C7-D74B7713F54F}" destId="{7FB86F02-611C-4CA8-9A22-39CB7761A566}" srcOrd="0" destOrd="0" presId="urn:microsoft.com/office/officeart/2008/layout/HalfCircleOrganizationChart"/>
+    <dgm:cxn modelId="{5BB5FADD-79A3-4DD6-B902-8EDE398120FC}" type="presParOf" srcId="{7FB86F02-611C-4CA8-9A22-39CB7761A566}" destId="{FC0030F6-CEDE-4A9A-A235-C02FA9BD32FC}" srcOrd="0" destOrd="0" presId="urn:microsoft.com/office/officeart/2008/layout/HalfCircleOrganizationChart"/>
+    <dgm:cxn modelId="{89E50CE2-1F3E-471C-AC26-490899364A6D}" type="presParOf" srcId="{7FB86F02-611C-4CA8-9A22-39CB7761A566}" destId="{0D5786D8-6C2A-47EF-A5A7-A108AC3D027C}" srcOrd="1" destOrd="0" presId="urn:microsoft.com/office/officeart/2008/layout/HalfCircleOrganizationChart"/>
+    <dgm:cxn modelId="{6DD7B2F7-BEAD-4B7B-BCA9-122004C3568F}" type="presParOf" srcId="{7FB86F02-611C-4CA8-9A22-39CB7761A566}" destId="{5E3DA951-6481-4BDC-8DB2-C63EA0944F3A}" srcOrd="2" destOrd="0" presId="urn:microsoft.com/office/officeart/2008/layout/HalfCircleOrganizationChart"/>
+    <dgm:cxn modelId="{0F03E732-E37A-4899-BA17-224E5624E7B8}" type="presParOf" srcId="{7FB86F02-611C-4CA8-9A22-39CB7761A566}" destId="{D0BA369C-ABBE-4C11-8F58-762E64EFA123}" srcOrd="3" destOrd="0" presId="urn:microsoft.com/office/officeart/2008/layout/HalfCircleOrganizationChart"/>
+    <dgm:cxn modelId="{052AAFEB-3FA8-4B89-A154-A4014B14360B}" type="presParOf" srcId="{9E273BC0-54F9-4644-A3C7-D74B7713F54F}" destId="{DB794049-D310-4023-B0DF-D9566882E330}" srcOrd="1" destOrd="0" presId="urn:microsoft.com/office/officeart/2008/layout/HalfCircleOrganizationChart"/>
+    <dgm:cxn modelId="{F9D9531A-BF20-4368-AC80-6650FBB61DFD}" type="presParOf" srcId="{9E273BC0-54F9-4644-A3C7-D74B7713F54F}" destId="{70C38670-885D-4212-A8FB-BC268BCA850B}" srcOrd="2" destOrd="0" presId="urn:microsoft.com/office/officeart/2008/layout/HalfCircleOrganizationChart"/>
+    <dgm:cxn modelId="{C2DF1B6E-CC6E-4D94-BE25-294CF4A60488}" type="presParOf" srcId="{11B94D46-3F62-4EF4-8708-247910838D5E}" destId="{88B8DB7C-91DB-4A93-8DBE-8F5EC4C0661C}" srcOrd="2" destOrd="0" presId="urn:microsoft.com/office/officeart/2008/layout/HalfCircleOrganizationChart"/>
+    <dgm:cxn modelId="{6E4163FA-96CC-40FE-ABF0-6369CDC2EE5B}" type="presParOf" srcId="{11B94D46-3F62-4EF4-8708-247910838D5E}" destId="{5E988BDE-60F5-4561-B821-A65648090DFD}" srcOrd="3" destOrd="0" presId="urn:microsoft.com/office/officeart/2008/layout/HalfCircleOrganizationChart"/>
+    <dgm:cxn modelId="{49ABF492-0C92-4867-BA82-FE93335F4E72}" type="presParOf" srcId="{5E988BDE-60F5-4561-B821-A65648090DFD}" destId="{A0005273-5ABA-4488-9454-25EF9334DC20}" srcOrd="0" destOrd="0" presId="urn:microsoft.com/office/officeart/2008/layout/HalfCircleOrganizationChart"/>
+    <dgm:cxn modelId="{126ABBB7-E0B8-44AF-8F33-36CAC1C127D7}" type="presParOf" srcId="{A0005273-5ABA-4488-9454-25EF9334DC20}" destId="{6A4408FE-BE21-441D-A881-E35A381E3C6C}" srcOrd="0" destOrd="0" presId="urn:microsoft.com/office/officeart/2008/layout/HalfCircleOrganizationChart"/>
+    <dgm:cxn modelId="{743DEA53-3EAC-4538-A996-7B02D0E034DA}" type="presParOf" srcId="{A0005273-5ABA-4488-9454-25EF9334DC20}" destId="{5FE77571-DC06-4321-A785-8C9BAF2D2C77}" srcOrd="1" destOrd="0" presId="urn:microsoft.com/office/officeart/2008/layout/HalfCircleOrganizationChart"/>
+    <dgm:cxn modelId="{875ED975-CC28-4EDD-B287-6C45D0C585D0}" type="presParOf" srcId="{A0005273-5ABA-4488-9454-25EF9334DC20}" destId="{0135974D-E8CF-436E-9EA8-6BEFE3A488E8}" srcOrd="2" destOrd="0" presId="urn:microsoft.com/office/officeart/2008/layout/HalfCircleOrganizationChart"/>
+    <dgm:cxn modelId="{A7A2D6B2-7C48-45CB-B9EC-82A44D11C238}" type="presParOf" srcId="{A0005273-5ABA-4488-9454-25EF9334DC20}" destId="{69422F7E-1261-4BC8-82A9-641A82548FA4}" srcOrd="3" destOrd="0" presId="urn:microsoft.com/office/officeart/2008/layout/HalfCircleOrganizationChart"/>
+    <dgm:cxn modelId="{8380D9F3-3290-4C3D-AF34-08E642678D03}" type="presParOf" srcId="{5E988BDE-60F5-4561-B821-A65648090DFD}" destId="{F48937C1-4726-4C2F-830E-07389595B0F1}" srcOrd="1" destOrd="0" presId="urn:microsoft.com/office/officeart/2008/layout/HalfCircleOrganizationChart"/>
+    <dgm:cxn modelId="{1C123EB2-CE20-47C5-9F2B-61091B587B38}" type="presParOf" srcId="{5E988BDE-60F5-4561-B821-A65648090DFD}" destId="{369F9C80-E2BD-405F-87A6-80DAF6F5CA2C}" srcOrd="2" destOrd="0" presId="urn:microsoft.com/office/officeart/2008/layout/HalfCircleOrganizationChart"/>
+    <dgm:cxn modelId="{6A724BD1-749F-4479-8F2B-5144C3F5B041}" type="presParOf" srcId="{11B94D46-3F62-4EF4-8708-247910838D5E}" destId="{49215B51-E0CA-4A5E-AC5E-EC5BD741FDEC}" srcOrd="4" destOrd="0" presId="urn:microsoft.com/office/officeart/2008/layout/HalfCircleOrganizationChart"/>
+    <dgm:cxn modelId="{73798C0F-3099-4631-9A11-07653E5B22A7}" type="presParOf" srcId="{11B94D46-3F62-4EF4-8708-247910838D5E}" destId="{D8F59F2E-9254-4F77-9806-7AF274A942D5}" srcOrd="5" destOrd="0" presId="urn:microsoft.com/office/officeart/2008/layout/HalfCircleOrganizationChart"/>
+    <dgm:cxn modelId="{E8757E52-3714-47B9-848D-449B54CA1474}" type="presParOf" srcId="{D8F59F2E-9254-4F77-9806-7AF274A942D5}" destId="{D6E55358-7351-4C00-B620-7C7FD73AD7F2}" srcOrd="0" destOrd="0" presId="urn:microsoft.com/office/officeart/2008/layout/HalfCircleOrganizationChart"/>
+    <dgm:cxn modelId="{EB9D5930-628B-4476-8837-EF73F148A1B3}" type="presParOf" srcId="{D6E55358-7351-4C00-B620-7C7FD73AD7F2}" destId="{42D36DE9-6E01-4478-B11F-01FB01F3520E}" srcOrd="0" destOrd="0" presId="urn:microsoft.com/office/officeart/2008/layout/HalfCircleOrganizationChart"/>
+    <dgm:cxn modelId="{115DA91B-37C9-4608-A0B5-A188DCEFB69D}" type="presParOf" srcId="{D6E55358-7351-4C00-B620-7C7FD73AD7F2}" destId="{FC0B3948-ABA4-4300-A2D2-3632219C33FC}" srcOrd="1" destOrd="0" presId="urn:microsoft.com/office/officeart/2008/layout/HalfCircleOrganizationChart"/>
+    <dgm:cxn modelId="{C75F71ED-8423-430E-A709-44F9C4B7ECE2}" type="presParOf" srcId="{D6E55358-7351-4C00-B620-7C7FD73AD7F2}" destId="{205DF013-8205-4211-895E-827C9EA87B69}" srcOrd="2" destOrd="0" presId="urn:microsoft.com/office/officeart/2008/layout/HalfCircleOrganizationChart"/>
+    <dgm:cxn modelId="{14A6F0A9-134C-4131-8941-635D38336835}" type="presParOf" srcId="{D6E55358-7351-4C00-B620-7C7FD73AD7F2}" destId="{46F44FC6-E64B-4A0E-89D6-F06E576BA60C}" srcOrd="3" destOrd="0" presId="urn:microsoft.com/office/officeart/2008/layout/HalfCircleOrganizationChart"/>
+    <dgm:cxn modelId="{466B527A-AA6D-43A6-9E21-66480F767F0D}" type="presParOf" srcId="{D8F59F2E-9254-4F77-9806-7AF274A942D5}" destId="{BE4445BD-5EBD-4E7B-8F45-A08BDCD685D8}" srcOrd="1" destOrd="0" presId="urn:microsoft.com/office/officeart/2008/layout/HalfCircleOrganizationChart"/>
+    <dgm:cxn modelId="{3956B6DC-A909-4CE0-ABF9-8F531E4FB10F}" type="presParOf" srcId="{D8F59F2E-9254-4F77-9806-7AF274A942D5}" destId="{01987BA3-6C0E-4A05-9463-775D5CF715F1}" srcOrd="2" destOrd="0" presId="urn:microsoft.com/office/officeart/2008/layout/HalfCircleOrganizationChart"/>
+    <dgm:cxn modelId="{F9EF40B4-E9F7-49C5-B08C-460B4DC33789}" type="presParOf" srcId="{11B94D46-3F62-4EF4-8708-247910838D5E}" destId="{879F2CF4-307E-4049-ACA8-78FAA90CE8BF}" srcOrd="6" destOrd="0" presId="urn:microsoft.com/office/officeart/2008/layout/HalfCircleOrganizationChart"/>
+    <dgm:cxn modelId="{F5E72E82-C379-433C-8D96-29A1651D0045}" type="presParOf" srcId="{11B94D46-3F62-4EF4-8708-247910838D5E}" destId="{126B8694-CF6F-4C91-A12A-E9025B06082D}" srcOrd="7" destOrd="0" presId="urn:microsoft.com/office/officeart/2008/layout/HalfCircleOrganizationChart"/>
+    <dgm:cxn modelId="{5BE80AAA-1283-4675-82D7-F69F2F29EAE1}" type="presParOf" srcId="{126B8694-CF6F-4C91-A12A-E9025B06082D}" destId="{ED9DB340-E566-48C7-BEBB-A75F6D41DBA1}" srcOrd="0" destOrd="0" presId="urn:microsoft.com/office/officeart/2008/layout/HalfCircleOrganizationChart"/>
+    <dgm:cxn modelId="{25B797A9-F683-4853-88AB-BCFC2A0150CB}" type="presParOf" srcId="{ED9DB340-E566-48C7-BEBB-A75F6D41DBA1}" destId="{BB984710-12AD-447C-9519-65D2F8A77C20}" srcOrd="0" destOrd="0" presId="urn:microsoft.com/office/officeart/2008/layout/HalfCircleOrganizationChart"/>
+    <dgm:cxn modelId="{F7AEAF75-DFE7-4DC3-82EA-58DDF84B9A15}" type="presParOf" srcId="{ED9DB340-E566-48C7-BEBB-A75F6D41DBA1}" destId="{3A6F0647-DDB4-4041-8474-A3409A7969A7}" srcOrd="1" destOrd="0" presId="urn:microsoft.com/office/officeart/2008/layout/HalfCircleOrganizationChart"/>
+    <dgm:cxn modelId="{38578623-88CD-4D53-B16C-E556A81A2854}" type="presParOf" srcId="{ED9DB340-E566-48C7-BEBB-A75F6D41DBA1}" destId="{DEDA629E-B813-48A3-BC92-60AC0C791CAD}" srcOrd="2" destOrd="0" presId="urn:microsoft.com/office/officeart/2008/layout/HalfCircleOrganizationChart"/>
+    <dgm:cxn modelId="{DEE58AF2-5597-414E-8AB0-FBDBEB312E08}" type="presParOf" srcId="{ED9DB340-E566-48C7-BEBB-A75F6D41DBA1}" destId="{156F84A4-18B0-4A76-8C27-20D0C8364D70}" srcOrd="3" destOrd="0" presId="urn:microsoft.com/office/officeart/2008/layout/HalfCircleOrganizationChart"/>
+    <dgm:cxn modelId="{8E3AC9B6-FAC5-4889-995B-8D131735DE41}" type="presParOf" srcId="{126B8694-CF6F-4C91-A12A-E9025B06082D}" destId="{A785A38F-7E1E-4807-8FCE-123B486F59FA}" srcOrd="1" destOrd="0" presId="urn:microsoft.com/office/officeart/2008/layout/HalfCircleOrganizationChart"/>
+    <dgm:cxn modelId="{66E8B9D9-2268-44E1-813F-0AD7945DB226}" type="presParOf" srcId="{126B8694-CF6F-4C91-A12A-E9025B06082D}" destId="{898D0804-74A9-4297-B306-CE5E7C7E85A6}" srcOrd="2" destOrd="0" presId="urn:microsoft.com/office/officeart/2008/layout/HalfCircleOrganizationChart"/>
+    <dgm:cxn modelId="{57C64FA6-989E-49BA-ACDB-E53673E015D6}" type="presParOf" srcId="{28AF6957-FD07-4971-ACCB-22F0F8C20C7C}" destId="{EFEF35CF-0A0D-49A9-88C1-F19BF5082F46}" srcOrd="2" destOrd="0" presId="urn:microsoft.com/office/officeart/2008/layout/HalfCircleOrganizationChart"/>
   </dgm:cxnLst>
   <dgm:bg/>
   <dgm:whole/>
@@ -5452,7 +5629,8 @@
           <a:avLst/>
         </a:prstGeom>
         <a:solidFill>
-          <a:schemeClr val="accent1">
+          <a:schemeClr val="accent6">
+            <a:shade val="50000"/>
             <a:hueOff val="0"/>
             <a:satOff val="0"/>
             <a:lumOff val="0"/>
@@ -5461,7 +5639,8 @@
         </a:solidFill>
         <a:ln w="15875" cap="flat" cmpd="sng" algn="ctr">
           <a:solidFill>
-            <a:schemeClr val="accent1">
+            <a:schemeClr val="accent6">
+              <a:shade val="50000"/>
               <a:hueOff val="0"/>
               <a:satOff val="0"/>
               <a:lumOff val="0"/>
@@ -5539,7 +5718,8 @@
         </a:solidFill>
         <a:ln w="15875" cap="flat" cmpd="sng" algn="ctr">
           <a:solidFill>
-            <a:schemeClr val="accent1">
+            <a:schemeClr val="accent6">
+              <a:shade val="50000"/>
               <a:hueOff val="0"/>
               <a:satOff val="0"/>
               <a:lumOff val="0"/>
@@ -5606,19 +5786,21 @@
           <a:avLst/>
         </a:prstGeom>
         <a:solidFill>
-          <a:schemeClr val="accent1">
-            <a:hueOff val="0"/>
-            <a:satOff val="0"/>
-            <a:lumOff val="0"/>
+          <a:schemeClr val="accent6">
+            <a:shade val="50000"/>
+            <a:hueOff val="-19951"/>
+            <a:satOff val="-2736"/>
+            <a:lumOff val="16697"/>
             <a:alphaOff val="0"/>
           </a:schemeClr>
         </a:solidFill>
         <a:ln w="15875" cap="flat" cmpd="sng" algn="ctr">
           <a:solidFill>
-            <a:schemeClr val="accent1">
-              <a:hueOff val="0"/>
-              <a:satOff val="0"/>
-              <a:lumOff val="0"/>
+            <a:schemeClr val="accent6">
+              <a:shade val="50000"/>
+              <a:hueOff val="-19951"/>
+              <a:satOff val="-2736"/>
+              <a:lumOff val="16697"/>
               <a:alphaOff val="0"/>
             </a:schemeClr>
           </a:solidFill>
@@ -5693,10 +5875,11 @@
         </a:solidFill>
         <a:ln w="15875" cap="flat" cmpd="sng" algn="ctr">
           <a:solidFill>
-            <a:schemeClr val="accent1">
-              <a:hueOff val="0"/>
-              <a:satOff val="0"/>
-              <a:lumOff val="0"/>
+            <a:schemeClr val="accent6">
+              <a:shade val="50000"/>
+              <a:hueOff val="-19951"/>
+              <a:satOff val="-2736"/>
+              <a:lumOff val="16697"/>
               <a:alphaOff val="0"/>
             </a:schemeClr>
           </a:solidFill>
@@ -5764,19 +5947,21 @@
           <a:avLst/>
         </a:prstGeom>
         <a:solidFill>
-          <a:schemeClr val="accent1">
-            <a:hueOff val="0"/>
-            <a:satOff val="0"/>
-            <a:lumOff val="0"/>
+          <a:schemeClr val="accent6">
+            <a:shade val="50000"/>
+            <a:hueOff val="-39902"/>
+            <a:satOff val="-5472"/>
+            <a:lumOff val="33394"/>
             <a:alphaOff val="0"/>
           </a:schemeClr>
         </a:solidFill>
         <a:ln w="15875" cap="flat" cmpd="sng" algn="ctr">
           <a:solidFill>
-            <a:schemeClr val="accent1">
-              <a:hueOff val="0"/>
-              <a:satOff val="0"/>
-              <a:lumOff val="0"/>
+            <a:schemeClr val="accent6">
+              <a:shade val="50000"/>
+              <a:hueOff val="-39902"/>
+              <a:satOff val="-5472"/>
+              <a:lumOff val="33394"/>
               <a:alphaOff val="0"/>
             </a:schemeClr>
           </a:solidFill>
@@ -5851,10 +6036,11 @@
         </a:solidFill>
         <a:ln w="15875" cap="flat" cmpd="sng" algn="ctr">
           <a:solidFill>
-            <a:schemeClr val="accent1">
-              <a:hueOff val="0"/>
-              <a:satOff val="0"/>
-              <a:lumOff val="0"/>
+            <a:schemeClr val="accent6">
+              <a:shade val="50000"/>
+              <a:hueOff val="-39902"/>
+              <a:satOff val="-5472"/>
+              <a:lumOff val="33394"/>
               <a:alphaOff val="0"/>
             </a:schemeClr>
           </a:solidFill>
@@ -5918,19 +6104,21 @@
           <a:avLst/>
         </a:prstGeom>
         <a:solidFill>
-          <a:schemeClr val="accent1">
-            <a:hueOff val="0"/>
-            <a:satOff val="0"/>
-            <a:lumOff val="0"/>
+          <a:schemeClr val="accent6">
+            <a:shade val="50000"/>
+            <a:hueOff val="-39902"/>
+            <a:satOff val="-5472"/>
+            <a:lumOff val="33394"/>
             <a:alphaOff val="0"/>
           </a:schemeClr>
         </a:solidFill>
         <a:ln w="15875" cap="flat" cmpd="sng" algn="ctr">
           <a:solidFill>
-            <a:schemeClr val="accent1">
-              <a:hueOff val="0"/>
-              <a:satOff val="0"/>
-              <a:lumOff val="0"/>
+            <a:schemeClr val="accent6">
+              <a:shade val="50000"/>
+              <a:hueOff val="-39902"/>
+              <a:satOff val="-5472"/>
+              <a:lumOff val="33394"/>
               <a:alphaOff val="0"/>
             </a:schemeClr>
           </a:solidFill>
@@ -6005,10 +6193,11 @@
         </a:solidFill>
         <a:ln w="15875" cap="flat" cmpd="sng" algn="ctr">
           <a:solidFill>
-            <a:schemeClr val="accent1">
-              <a:hueOff val="0"/>
-              <a:satOff val="0"/>
-              <a:lumOff val="0"/>
+            <a:schemeClr val="accent6">
+              <a:shade val="50000"/>
+              <a:hueOff val="-39902"/>
+              <a:satOff val="-5472"/>
+              <a:lumOff val="33394"/>
               <a:alphaOff val="0"/>
             </a:schemeClr>
           </a:solidFill>
@@ -6072,19 +6261,21 @@
           <a:avLst/>
         </a:prstGeom>
         <a:solidFill>
-          <a:schemeClr val="accent1">
-            <a:hueOff val="0"/>
-            <a:satOff val="0"/>
-            <a:lumOff val="0"/>
+          <a:schemeClr val="accent6">
+            <a:shade val="50000"/>
+            <a:hueOff val="-19951"/>
+            <a:satOff val="-2736"/>
+            <a:lumOff val="16697"/>
             <a:alphaOff val="0"/>
           </a:schemeClr>
         </a:solidFill>
         <a:ln w="15875" cap="flat" cmpd="sng" algn="ctr">
           <a:solidFill>
-            <a:schemeClr val="accent1">
-              <a:hueOff val="0"/>
-              <a:satOff val="0"/>
-              <a:lumOff val="0"/>
+            <a:schemeClr val="accent6">
+              <a:shade val="50000"/>
+              <a:hueOff val="-19951"/>
+              <a:satOff val="-2736"/>
+              <a:lumOff val="16697"/>
               <a:alphaOff val="0"/>
             </a:schemeClr>
           </a:solidFill>
@@ -6159,10 +6350,11 @@
         </a:solidFill>
         <a:ln w="15875" cap="flat" cmpd="sng" algn="ctr">
           <a:solidFill>
-            <a:schemeClr val="accent1">
-              <a:hueOff val="0"/>
-              <a:satOff val="0"/>
-              <a:lumOff val="0"/>
+            <a:schemeClr val="accent6">
+              <a:shade val="50000"/>
+              <a:hueOff val="-19951"/>
+              <a:satOff val="-2736"/>
+              <a:lumOff val="16697"/>
               <a:alphaOff val="0"/>
             </a:schemeClr>
           </a:solidFill>
@@ -6231,7 +6423,7 @@
       </dsp:nvSpPr>
       <dsp:spPr>
         <a:xfrm>
-          <a:off x="4535940" y="1184719"/>
+          <a:off x="4559060" y="1002634"/>
           <a:ext cx="2836809" cy="2744831"/>
         </a:xfrm>
         <a:prstGeom prst="ellipse">
@@ -6302,7 +6494,7 @@
         </a:p>
       </dsp:txBody>
       <dsp:txXfrm>
-        <a:off x="4951381" y="1586690"/>
+        <a:off x="4974501" y="1404605"/>
         <a:ext cx="2005927" cy="1940889"/>
       </dsp:txXfrm>
     </dsp:sp>
@@ -6312,9 +6504,9 @@
         <dsp:cNvSpPr/>
       </dsp:nvSpPr>
       <dsp:spPr>
-        <a:xfrm rot="11696124">
-          <a:off x="3375876" y="1792141"/>
-          <a:ext cx="874938" cy="387802"/>
+        <a:xfrm rot="11536752">
+          <a:off x="3392878" y="1712332"/>
+          <a:ext cx="861279" cy="387802"/>
         </a:xfrm>
         <a:prstGeom prst="rightArrow">
           <a:avLst>
@@ -6371,8 +6563,8 @@
         </a:p>
       </dsp:txBody>
       <dsp:txXfrm rot="10800000">
-        <a:off x="3490252" y="1884693"/>
-        <a:ext cx="758597" cy="232682"/>
+        <a:off x="3507888" y="1802263"/>
+        <a:ext cx="744938" cy="232682"/>
       </dsp:txXfrm>
     </dsp:sp>
     <dsp:sp modelId="{1C0D6FFF-BAE1-42A0-B649-808588121B71}">
@@ -6443,15 +6635,7 @@
                 <a:schemeClr val="tx1"/>
               </a:solidFill>
             </a:rPr>
-            <a:t>Simplifier </a:t>
-          </a:r>
-          <a:r>
-            <a:rPr lang="fr-FR" sz="1900" b="1" kern="1200" dirty="0" smtClean="0">
-              <a:solidFill>
-                <a:schemeClr val="tx1"/>
-              </a:solidFill>
-            </a:rPr>
-            <a:t>l’affectation des Taches </a:t>
+            <a:t>Simplifier l’affectation des Taches </a:t>
           </a:r>
           <a:endParaRPr lang="fr-FR" sz="1900" b="1" kern="1200" dirty="0">
             <a:solidFill>
@@ -6471,9 +6655,9 @@
         <dsp:cNvSpPr/>
       </dsp:nvSpPr>
       <dsp:spPr>
-        <a:xfrm rot="20757372">
-          <a:off x="7622696" y="1850726"/>
-          <a:ext cx="761057" cy="387802"/>
+        <a:xfrm rot="20920571">
+          <a:off x="7655287" y="1772362"/>
+          <a:ext cx="727077" cy="387802"/>
         </a:xfrm>
         <a:prstGeom prst="rightArrow">
           <a:avLst>
@@ -6530,8 +6714,8 @@
         </a:p>
       </dsp:txBody>
       <dsp:txXfrm>
-        <a:off x="7624435" y="1942402"/>
-        <a:ext cx="644716" cy="232682"/>
+        <a:off x="7656419" y="1861344"/>
+        <a:ext cx="610736" cy="232682"/>
       </dsp:txXfrm>
     </dsp:sp>
     <dsp:sp modelId="{38AE4EF4-E3AA-4F42-87B3-B9991D5951EA}">
@@ -6602,15 +6786,7 @@
                 <a:schemeClr val="tx1"/>
               </a:solidFill>
             </a:rPr>
-            <a:t>Suivi </a:t>
-          </a:r>
-          <a:r>
-            <a:rPr lang="fr-FR" sz="2100" b="1" kern="1200" dirty="0" smtClean="0">
-              <a:solidFill>
-                <a:schemeClr val="tx1"/>
-              </a:solidFill>
-            </a:rPr>
-            <a:t> des projets</a:t>
+            <a:t>Suivi  des projets</a:t>
           </a:r>
           <a:endParaRPr lang="fr-FR" sz="2100" b="1" kern="1200" dirty="0">
             <a:solidFill>
@@ -6630,9 +6806,9 @@
         <dsp:cNvSpPr/>
       </dsp:nvSpPr>
       <dsp:spPr>
-        <a:xfrm rot="9986226">
-          <a:off x="3558273" y="2852740"/>
-          <a:ext cx="733892" cy="387802"/>
+        <a:xfrm rot="9833346">
+          <a:off x="3546713" y="2771034"/>
+          <a:ext cx="777007" cy="387802"/>
         </a:xfrm>
         <a:prstGeom prst="rightArrow">
           <a:avLst>
@@ -6689,8 +6865,8 @@
         </a:p>
       </dsp:txBody>
       <dsp:txXfrm rot="10800000">
-        <a:off x="3672992" y="2916658"/>
-        <a:ext cx="617551" cy="232682"/>
+        <a:off x="3660769" y="2832452"/>
+        <a:ext cx="660666" cy="232682"/>
       </dsp:txXfrm>
     </dsp:sp>
     <dsp:sp modelId="{9CC5B116-D036-44A4-9BA2-42BCAC2F6E6C}">
@@ -6781,9 +6957,9 @@
         <dsp:cNvSpPr/>
       </dsp:nvSpPr>
       <dsp:spPr>
-        <a:xfrm rot="869744">
-          <a:off x="7646968" y="2908785"/>
-          <a:ext cx="835037" cy="387802"/>
+        <a:xfrm rot="1033115">
+          <a:off x="7647102" y="2830648"/>
+          <a:ext cx="852296" cy="387802"/>
         </a:xfrm>
         <a:prstGeom prst="rightArrow">
           <a:avLst>
@@ -6840,8 +7016,8 @@
         </a:p>
       </dsp:txBody>
       <dsp:txXfrm>
-        <a:off x="7648820" y="2971784"/>
-        <a:ext cx="718696" cy="232682"/>
+        <a:off x="7649709" y="2890988"/>
+        <a:ext cx="735955" cy="232682"/>
       </dsp:txXfrm>
     </dsp:sp>
     <dsp:sp modelId="{56BABB19-62B3-41F2-A7D5-70E61DFB0178}">
@@ -7295,13 +7471,7 @@
             <a:rPr lang="fr-FR" sz="2000" u="none" kern="1200" dirty="0" smtClean="0">
               <a:uFillTx/>
             </a:rPr>
-            <a:t>Donner le calendrier des </a:t>
-          </a:r>
-          <a:r>
-            <a:rPr lang="fr-FR" sz="2000" u="none" kern="1200" dirty="0" smtClean="0">
-              <a:uFillTx/>
-            </a:rPr>
-            <a:t>Projets</a:t>
+            <a:t>Donner le calendrier des Projets</a:t>
           </a:r>
           <a:endParaRPr lang="fr-FR" sz="2000" kern="1200" dirty="0"/>
         </a:p>
@@ -7545,11 +7715,7 @@
           </a:pPr>
           <a:r>
             <a:rPr lang="fr-FR" sz="2000" kern="1200" dirty="0" smtClean="0"/>
-            <a:t>Planifier </a:t>
-          </a:r>
-          <a:r>
-            <a:rPr lang="fr-FR" sz="2000" kern="1200" dirty="0" smtClean="0"/>
-            <a:t>un Projet</a:t>
+            <a:t>Planifier un Projet</a:t>
           </a:r>
         </a:p>
       </dsp:txBody>
@@ -7737,15 +7903,15 @@
       <dsp:cNvGrpSpPr/>
     </dsp:nvGrpSpPr>
     <dsp:grpSpPr/>
-    <dsp:sp modelId="{CB441CC9-989D-480C-9299-031772477A5E}">
+    <dsp:sp modelId="{879F2CF4-307E-4049-ACA8-78FAA90CE8BF}">
       <dsp:nvSpPr>
         <dsp:cNvPr id="0" name=""/>
         <dsp:cNvSpPr/>
       </dsp:nvSpPr>
       <dsp:spPr>
         <a:xfrm>
-          <a:off x="4588668" y="1696738"/>
-          <a:ext cx="3618821" cy="406997"/>
+          <a:off x="4588668" y="1692327"/>
+          <a:ext cx="3593873" cy="415820"/>
         </a:xfrm>
         <a:custGeom>
           <a:avLst/>
@@ -7759,13 +7925,13 @@
                 <a:pt x="0" y="0"/>
               </a:moveTo>
               <a:lnTo>
-                <a:pt x="0" y="203498"/>
+                <a:pt x="0" y="207910"/>
               </a:lnTo>
               <a:lnTo>
-                <a:pt x="3618821" y="203498"/>
+                <a:pt x="3593873" y="207910"/>
               </a:lnTo>
               <a:lnTo>
-                <a:pt x="3618821" y="406997"/>
+                <a:pt x="3593873" y="415820"/>
               </a:lnTo>
             </a:path>
           </a:pathLst>
@@ -7798,15 +7964,15 @@
         <a:fontRef idx="minor"/>
       </dsp:style>
     </dsp:sp>
-    <dsp:sp modelId="{3E0DB595-1095-47D1-A24B-4E157D552B3D}">
+    <dsp:sp modelId="{49215B51-E0CA-4A5E-AC5E-EC5BD741FDEC}">
       <dsp:nvSpPr>
         <dsp:cNvPr id="0" name=""/>
         <dsp:cNvSpPr/>
       </dsp:nvSpPr>
       <dsp:spPr>
         <a:xfrm>
-          <a:off x="4588668" y="1696738"/>
-          <a:ext cx="1273738" cy="406997"/>
+          <a:off x="4588668" y="1692327"/>
+          <a:ext cx="1197957" cy="415820"/>
         </a:xfrm>
         <a:custGeom>
           <a:avLst/>
@@ -7820,13 +7986,13 @@
                 <a:pt x="0" y="0"/>
               </a:moveTo>
               <a:lnTo>
-                <a:pt x="0" y="203498"/>
+                <a:pt x="0" y="207910"/>
               </a:lnTo>
               <a:lnTo>
-                <a:pt x="1273738" y="203498"/>
+                <a:pt x="1197957" y="207910"/>
               </a:lnTo>
               <a:lnTo>
-                <a:pt x="1273738" y="406997"/>
+                <a:pt x="1197957" y="415820"/>
               </a:lnTo>
             </a:path>
           </a:pathLst>
@@ -7859,15 +8025,15 @@
         <a:fontRef idx="minor"/>
       </dsp:style>
     </dsp:sp>
-    <dsp:sp modelId="{FE23A803-1D40-499F-9B88-9CDA04761062}">
+    <dsp:sp modelId="{88B8DB7C-91DB-4A93-8DBE-8F5EC4C0661C}">
       <dsp:nvSpPr>
         <dsp:cNvPr id="0" name=""/>
         <dsp:cNvSpPr/>
       </dsp:nvSpPr>
       <dsp:spPr>
         <a:xfrm>
-          <a:off x="3517324" y="1696738"/>
-          <a:ext cx="1071344" cy="406997"/>
+          <a:off x="3390710" y="1692327"/>
+          <a:ext cx="1197957" cy="415820"/>
         </a:xfrm>
         <a:custGeom>
           <a:avLst/>
@@ -7878,16 +8044,16 @@
           <a:pathLst>
             <a:path>
               <a:moveTo>
-                <a:pt x="1071344" y="0"/>
+                <a:pt x="1197957" y="0"/>
               </a:moveTo>
               <a:lnTo>
-                <a:pt x="1071344" y="203498"/>
+                <a:pt x="1197957" y="207910"/>
               </a:lnTo>
               <a:lnTo>
-                <a:pt x="0" y="203498"/>
+                <a:pt x="0" y="207910"/>
               </a:lnTo>
               <a:lnTo>
-                <a:pt x="0" y="406997"/>
+                <a:pt x="0" y="415820"/>
               </a:lnTo>
             </a:path>
           </a:pathLst>
@@ -7920,15 +8086,15 @@
         <a:fontRef idx="minor"/>
       </dsp:style>
     </dsp:sp>
-    <dsp:sp modelId="{C776290A-23C1-41EF-95D5-754D09C0457F}">
+    <dsp:sp modelId="{56045B2A-EFAD-4BF6-9330-E328CCECD3E2}">
       <dsp:nvSpPr>
         <dsp:cNvPr id="0" name=""/>
         <dsp:cNvSpPr/>
       </dsp:nvSpPr>
       <dsp:spPr>
         <a:xfrm>
-          <a:off x="1071044" y="1696738"/>
-          <a:ext cx="3517624" cy="406997"/>
+          <a:off x="994794" y="1692327"/>
+          <a:ext cx="3593873" cy="415820"/>
         </a:xfrm>
         <a:custGeom>
           <a:avLst/>
@@ -7939,16 +8105,16 @@
           <a:pathLst>
             <a:path>
               <a:moveTo>
-                <a:pt x="3517624" y="0"/>
+                <a:pt x="3593873" y="0"/>
               </a:moveTo>
               <a:lnTo>
-                <a:pt x="3517624" y="203498"/>
+                <a:pt x="3593873" y="207910"/>
               </a:lnTo>
               <a:lnTo>
-                <a:pt x="0" y="203498"/>
+                <a:pt x="0" y="207910"/>
               </a:lnTo>
               <a:lnTo>
-                <a:pt x="0" y="406997"/>
+                <a:pt x="0" y="415820"/>
               </a:lnTo>
             </a:path>
           </a:pathLst>
@@ -7981,30 +8147,27 @@
         <a:fontRef idx="minor"/>
       </dsp:style>
     </dsp:sp>
-    <dsp:sp modelId="{C9825E97-E295-4A34-BCBA-C13309C1EE1D}">
+    <dsp:sp modelId="{E4A31C72-DF7F-4FEE-A0C0-E384A642A1E3}">
       <dsp:nvSpPr>
         <dsp:cNvPr id="0" name=""/>
         <dsp:cNvSpPr/>
       </dsp:nvSpPr>
       <dsp:spPr>
         <a:xfrm>
-          <a:off x="3619625" y="727696"/>
-          <a:ext cx="1938085" cy="969042"/>
+          <a:off x="4093644" y="702279"/>
+          <a:ext cx="990047" cy="990047"/>
         </a:xfrm>
-        <a:prstGeom prst="rect">
-          <a:avLst/>
+        <a:prstGeom prst="arc">
+          <a:avLst>
+            <a:gd name="adj1" fmla="val 13200000"/>
+            <a:gd name="adj2" fmla="val 19200000"/>
+          </a:avLst>
         </a:prstGeom>
-        <a:solidFill>
-          <a:schemeClr val="accent1">
-            <a:hueOff val="0"/>
-            <a:satOff val="0"/>
-            <a:lumOff val="0"/>
-            <a:alphaOff val="0"/>
-          </a:schemeClr>
-        </a:solidFill>
+        <a:noFill/>
         <a:ln w="15875" cap="flat" cmpd="sng" algn="ctr">
           <a:solidFill>
-            <a:schemeClr val="lt1">
+            <a:schemeClr val="accent1">
+              <a:shade val="60000"/>
               <a:hueOff val="0"/>
               <a:satOff val="0"/>
               <a:lumOff val="0"/>
@@ -8019,15 +8182,91 @@
         <a:lnRef idx="2">
           <a:scrgbClr r="0" g="0" b="0"/>
         </a:lnRef>
+        <a:fillRef idx="0">
+          <a:scrgbClr r="0" g="0" b="0"/>
+        </a:fillRef>
+        <a:effectRef idx="0">
+          <a:scrgbClr r="0" g="0" b="0"/>
+        </a:effectRef>
+        <a:fontRef idx="minor"/>
+      </dsp:style>
+    </dsp:sp>
+    <dsp:sp modelId="{D5E670BE-DC56-4C2C-86E5-F828041954EE}">
+      <dsp:nvSpPr>
+        <dsp:cNvPr id="0" name=""/>
+        <dsp:cNvSpPr/>
+      </dsp:nvSpPr>
+      <dsp:spPr>
+        <a:xfrm>
+          <a:off x="4093644" y="702279"/>
+          <a:ext cx="990047" cy="990047"/>
+        </a:xfrm>
+        <a:prstGeom prst="arc">
+          <a:avLst>
+            <a:gd name="adj1" fmla="val 2400000"/>
+            <a:gd name="adj2" fmla="val 8400000"/>
+          </a:avLst>
+        </a:prstGeom>
+        <a:noFill/>
+        <a:ln w="15875" cap="flat" cmpd="sng" algn="ctr">
+          <a:solidFill>
+            <a:schemeClr val="accent1">
+              <a:shade val="60000"/>
+              <a:hueOff val="0"/>
+              <a:satOff val="0"/>
+              <a:lumOff val="0"/>
+              <a:alphaOff val="0"/>
+            </a:schemeClr>
+          </a:solidFill>
+          <a:prstDash val="solid"/>
+        </a:ln>
+        <a:effectLst/>
+      </dsp:spPr>
+      <dsp:style>
+        <a:lnRef idx="2">
+          <a:scrgbClr r="0" g="0" b="0"/>
+        </a:lnRef>
+        <a:fillRef idx="0">
+          <a:scrgbClr r="0" g="0" b="0"/>
+        </a:fillRef>
+        <a:effectRef idx="0">
+          <a:scrgbClr r="0" g="0" b="0"/>
+        </a:effectRef>
+        <a:fontRef idx="minor"/>
+      </dsp:style>
+    </dsp:sp>
+    <dsp:sp modelId="{DC3E5C19-7A84-4519-B6F3-FB12B70814A9}">
+      <dsp:nvSpPr>
+        <dsp:cNvPr id="0" name=""/>
+        <dsp:cNvSpPr/>
+      </dsp:nvSpPr>
+      <dsp:spPr>
+        <a:xfrm>
+          <a:off x="3598620" y="880488"/>
+          <a:ext cx="1980095" cy="633630"/>
+        </a:xfrm>
+        <a:prstGeom prst="rect">
+          <a:avLst/>
+        </a:prstGeom>
+        <a:noFill/>
+        <a:ln w="15875" cap="flat" cmpd="sng" algn="ctr">
+          <a:noFill/>
+          <a:prstDash val="solid"/>
+        </a:ln>
+        <a:effectLst/>
+        <a:sp3d/>
+      </dsp:spPr>
+      <dsp:style>
+        <a:lnRef idx="2">
+          <a:scrgbClr r="0" g="0" b="0"/>
+        </a:lnRef>
         <a:fillRef idx="1">
           <a:scrgbClr r="0" g="0" b="0"/>
         </a:fillRef>
         <a:effectRef idx="0">
           <a:scrgbClr r="0" g="0" b="0"/>
         </a:effectRef>
-        <a:fontRef idx="minor">
-          <a:schemeClr val="lt1"/>
-        </a:fontRef>
+        <a:fontRef idx="minor"/>
       </dsp:style>
       <dsp:txBody>
         <a:bodyPr spcFirstLastPara="0" vert="horz" wrap="square" lIns="22225" tIns="22225" rIns="22225" bIns="22225" numCol="1" spcCol="1270" anchor="ctr" anchorCtr="0">
@@ -8054,34 +8293,31 @@
         </a:p>
       </dsp:txBody>
       <dsp:txXfrm>
-        <a:off x="3619625" y="727696"/>
-        <a:ext cx="1938085" cy="969042"/>
+        <a:off x="3598620" y="880488"/>
+        <a:ext cx="1980095" cy="633630"/>
       </dsp:txXfrm>
     </dsp:sp>
-    <dsp:sp modelId="{DA5F34A8-39AC-4078-BA3E-8A75E3448092}">
+    <dsp:sp modelId="{0D5786D8-6C2A-47EF-A5A7-A108AC3D027C}">
       <dsp:nvSpPr>
         <dsp:cNvPr id="0" name=""/>
         <dsp:cNvSpPr/>
       </dsp:nvSpPr>
       <dsp:spPr>
         <a:xfrm>
-          <a:off x="804" y="2103736"/>
-          <a:ext cx="2140479" cy="969042"/>
+          <a:off x="499771" y="2108147"/>
+          <a:ext cx="990047" cy="990047"/>
         </a:xfrm>
-        <a:prstGeom prst="rect">
-          <a:avLst/>
+        <a:prstGeom prst="arc">
+          <a:avLst>
+            <a:gd name="adj1" fmla="val 13200000"/>
+            <a:gd name="adj2" fmla="val 19200000"/>
+          </a:avLst>
         </a:prstGeom>
-        <a:solidFill>
-          <a:schemeClr val="accent1">
-            <a:hueOff val="0"/>
-            <a:satOff val="0"/>
-            <a:lumOff val="0"/>
-            <a:alphaOff val="0"/>
-          </a:schemeClr>
-        </a:solidFill>
+        <a:noFill/>
         <a:ln w="15875" cap="flat" cmpd="sng" algn="ctr">
           <a:solidFill>
-            <a:schemeClr val="lt1">
+            <a:schemeClr val="accent1">
+              <a:shade val="60000"/>
               <a:hueOff val="0"/>
               <a:satOff val="0"/>
               <a:lumOff val="0"/>
@@ -8096,69 +8332,36 @@
         <a:lnRef idx="2">
           <a:scrgbClr r="0" g="0" b="0"/>
         </a:lnRef>
-        <a:fillRef idx="1">
+        <a:fillRef idx="0">
           <a:scrgbClr r="0" g="0" b="0"/>
         </a:fillRef>
         <a:effectRef idx="0">
           <a:scrgbClr r="0" g="0" b="0"/>
         </a:effectRef>
-        <a:fontRef idx="minor">
-          <a:schemeClr val="lt1"/>
-        </a:fontRef>
+        <a:fontRef idx="minor"/>
       </dsp:style>
-      <dsp:txBody>
-        <a:bodyPr spcFirstLastPara="0" vert="horz" wrap="square" lIns="16510" tIns="16510" rIns="16510" bIns="16510" numCol="1" spcCol="1270" anchor="ctr" anchorCtr="0">
-          <a:noAutofit/>
-        </a:bodyPr>
-        <a:lstStyle/>
-        <a:p>
-          <a:pPr lvl="0" algn="ctr" defTabSz="1155700">
-            <a:lnSpc>
-              <a:spcPct val="90000"/>
-            </a:lnSpc>
-            <a:spcBef>
-              <a:spcPct val="0"/>
-            </a:spcBef>
-            <a:spcAft>
-              <a:spcPct val="35000"/>
-            </a:spcAft>
-          </a:pPr>
-          <a:r>
-            <a:rPr lang="fr-FR" sz="2600" b="1" kern="1200" dirty="0" smtClean="0"/>
-            <a:t>Administrateur </a:t>
-          </a:r>
-          <a:endParaRPr lang="fr-FR" sz="2600" b="1" kern="1200" dirty="0"/>
-        </a:p>
-      </dsp:txBody>
-      <dsp:txXfrm>
-        <a:off x="804" y="2103736"/>
-        <a:ext cx="2140479" cy="969042"/>
-      </dsp:txXfrm>
     </dsp:sp>
-    <dsp:sp modelId="{C5E1C750-B76A-49CC-8ACB-65A559240520}">
+    <dsp:sp modelId="{5E3DA951-6481-4BDC-8DB2-C63EA0944F3A}">
       <dsp:nvSpPr>
         <dsp:cNvPr id="0" name=""/>
         <dsp:cNvSpPr/>
       </dsp:nvSpPr>
       <dsp:spPr>
         <a:xfrm>
-          <a:off x="2548281" y="2103736"/>
-          <a:ext cx="1938085" cy="969042"/>
+          <a:off x="499771" y="2108147"/>
+          <a:ext cx="990047" cy="990047"/>
         </a:xfrm>
-        <a:prstGeom prst="rect">
-          <a:avLst/>
+        <a:prstGeom prst="arc">
+          <a:avLst>
+            <a:gd name="adj1" fmla="val 2400000"/>
+            <a:gd name="adj2" fmla="val 8400000"/>
+          </a:avLst>
         </a:prstGeom>
-        <a:solidFill>
-          <a:schemeClr val="accent1">
-            <a:hueOff val="0"/>
-            <a:satOff val="0"/>
-            <a:lumOff val="0"/>
-            <a:alphaOff val="0"/>
-          </a:schemeClr>
-        </a:solidFill>
+        <a:noFill/>
         <a:ln w="15875" cap="flat" cmpd="sng" algn="ctr">
           <a:solidFill>
-            <a:schemeClr val="lt1">
+            <a:schemeClr val="accent1">
+              <a:shade val="60000"/>
               <a:hueOff val="0"/>
               <a:satOff val="0"/>
               <a:lumOff val="0"/>
@@ -8173,23 +8376,55 @@
         <a:lnRef idx="2">
           <a:scrgbClr r="0" g="0" b="0"/>
         </a:lnRef>
+        <a:fillRef idx="0">
+          <a:scrgbClr r="0" g="0" b="0"/>
+        </a:fillRef>
+        <a:effectRef idx="0">
+          <a:scrgbClr r="0" g="0" b="0"/>
+        </a:effectRef>
+        <a:fontRef idx="minor"/>
+      </dsp:style>
+    </dsp:sp>
+    <dsp:sp modelId="{FC0030F6-CEDE-4A9A-A235-C02FA9BD32FC}">
+      <dsp:nvSpPr>
+        <dsp:cNvPr id="0" name=""/>
+        <dsp:cNvSpPr/>
+      </dsp:nvSpPr>
+      <dsp:spPr>
+        <a:xfrm>
+          <a:off x="4747" y="2286356"/>
+          <a:ext cx="1980095" cy="633630"/>
+        </a:xfrm>
+        <a:prstGeom prst="rect">
+          <a:avLst/>
+        </a:prstGeom>
+        <a:noFill/>
+        <a:ln w="15875" cap="flat" cmpd="sng" algn="ctr">
+          <a:noFill/>
+          <a:prstDash val="solid"/>
+        </a:ln>
+        <a:effectLst/>
+        <a:sp3d/>
+      </dsp:spPr>
+      <dsp:style>
+        <a:lnRef idx="2">
+          <a:scrgbClr r="0" g="0" b="0"/>
+        </a:lnRef>
         <a:fillRef idx="1">
           <a:scrgbClr r="0" g="0" b="0"/>
         </a:fillRef>
         <a:effectRef idx="0">
           <a:scrgbClr r="0" g="0" b="0"/>
         </a:effectRef>
-        <a:fontRef idx="minor">
-          <a:schemeClr val="lt1"/>
-        </a:fontRef>
+        <a:fontRef idx="minor"/>
       </dsp:style>
       <dsp:txBody>
-        <a:bodyPr spcFirstLastPara="0" vert="horz" wrap="square" lIns="16510" tIns="16510" rIns="16510" bIns="16510" numCol="1" spcCol="1270" anchor="ctr" anchorCtr="0">
+        <a:bodyPr spcFirstLastPara="0" vert="horz" wrap="square" lIns="15240" tIns="15240" rIns="15240" bIns="15240" numCol="1" spcCol="1270" anchor="ctr" anchorCtr="0">
           <a:noAutofit/>
         </a:bodyPr>
         <a:lstStyle/>
         <a:p>
-          <a:pPr lvl="0" algn="ctr" defTabSz="1155700">
+          <a:pPr lvl="0" algn="ctr" defTabSz="1066800">
             <a:lnSpc>
               <a:spcPct val="90000"/>
             </a:lnSpc>
@@ -8201,41 +8436,38 @@
             </a:spcAft>
           </a:pPr>
           <a:r>
-            <a:rPr lang="fr-FR" sz="2600" b="1" kern="1200" dirty="0" smtClean="0"/>
-            <a:t>Gérant</a:t>
+            <a:rPr lang="fr-FR" sz="2400" b="1" kern="1200" dirty="0" smtClean="0"/>
+            <a:t>Administrateur </a:t>
           </a:r>
-          <a:endParaRPr lang="fr-FR" sz="2600" b="1" kern="1200" dirty="0"/>
+          <a:endParaRPr lang="fr-FR" sz="2400" b="1" kern="1200" dirty="0"/>
         </a:p>
       </dsp:txBody>
       <dsp:txXfrm>
-        <a:off x="2548281" y="2103736"/>
-        <a:ext cx="1938085" cy="969042"/>
+        <a:off x="4747" y="2286356"/>
+        <a:ext cx="1980095" cy="633630"/>
       </dsp:txXfrm>
     </dsp:sp>
-    <dsp:sp modelId="{8E146320-AABC-487E-AF52-7269C35510E1}">
+    <dsp:sp modelId="{5FE77571-DC06-4321-A785-8C9BAF2D2C77}">
       <dsp:nvSpPr>
         <dsp:cNvPr id="0" name=""/>
         <dsp:cNvSpPr/>
       </dsp:nvSpPr>
       <dsp:spPr>
         <a:xfrm>
-          <a:off x="4893364" y="2103736"/>
-          <a:ext cx="1938085" cy="969042"/>
+          <a:off x="2895686" y="2108147"/>
+          <a:ext cx="990047" cy="990047"/>
         </a:xfrm>
-        <a:prstGeom prst="rect">
-          <a:avLst/>
+        <a:prstGeom prst="arc">
+          <a:avLst>
+            <a:gd name="adj1" fmla="val 13200000"/>
+            <a:gd name="adj2" fmla="val 19200000"/>
+          </a:avLst>
         </a:prstGeom>
-        <a:solidFill>
-          <a:schemeClr val="accent1">
-            <a:hueOff val="0"/>
-            <a:satOff val="0"/>
-            <a:lumOff val="0"/>
-            <a:alphaOff val="0"/>
-          </a:schemeClr>
-        </a:solidFill>
+        <a:noFill/>
         <a:ln w="15875" cap="flat" cmpd="sng" algn="ctr">
           <a:solidFill>
-            <a:schemeClr val="lt1">
+            <a:schemeClr val="accent1">
+              <a:shade val="60000"/>
               <a:hueOff val="0"/>
               <a:satOff val="0"/>
               <a:lumOff val="0"/>
@@ -8250,69 +8482,36 @@
         <a:lnRef idx="2">
           <a:scrgbClr r="0" g="0" b="0"/>
         </a:lnRef>
-        <a:fillRef idx="1">
+        <a:fillRef idx="0">
           <a:scrgbClr r="0" g="0" b="0"/>
         </a:fillRef>
         <a:effectRef idx="0">
           <a:scrgbClr r="0" g="0" b="0"/>
         </a:effectRef>
-        <a:fontRef idx="minor">
-          <a:schemeClr val="lt1"/>
-        </a:fontRef>
+        <a:fontRef idx="minor"/>
       </dsp:style>
-      <dsp:txBody>
-        <a:bodyPr spcFirstLastPara="0" vert="horz" wrap="square" lIns="16510" tIns="16510" rIns="16510" bIns="16510" numCol="1" spcCol="1270" anchor="ctr" anchorCtr="0">
-          <a:noAutofit/>
-        </a:bodyPr>
-        <a:lstStyle/>
-        <a:p>
-          <a:pPr lvl="0" algn="ctr" defTabSz="1155700">
-            <a:lnSpc>
-              <a:spcPct val="90000"/>
-            </a:lnSpc>
-            <a:spcBef>
-              <a:spcPct val="0"/>
-            </a:spcBef>
-            <a:spcAft>
-              <a:spcPct val="35000"/>
-            </a:spcAft>
-          </a:pPr>
-          <a:r>
-            <a:rPr lang="fr-FR" sz="2600" b="1" kern="1200" dirty="0" smtClean="0"/>
-            <a:t>Chef de Projet </a:t>
-          </a:r>
-          <a:endParaRPr lang="fr-FR" sz="2600" b="1" kern="1200" dirty="0"/>
-        </a:p>
-      </dsp:txBody>
-      <dsp:txXfrm>
-        <a:off x="4893364" y="2103736"/>
-        <a:ext cx="1938085" cy="969042"/>
-      </dsp:txXfrm>
     </dsp:sp>
-    <dsp:sp modelId="{13582A1B-4282-4278-B2CB-F31664FF3056}">
+    <dsp:sp modelId="{0135974D-E8CF-436E-9EA8-6BEFE3A488E8}">
       <dsp:nvSpPr>
         <dsp:cNvPr id="0" name=""/>
         <dsp:cNvSpPr/>
       </dsp:nvSpPr>
       <dsp:spPr>
         <a:xfrm>
-          <a:off x="7238447" y="2103736"/>
-          <a:ext cx="1938085" cy="969042"/>
+          <a:off x="2895686" y="2108147"/>
+          <a:ext cx="990047" cy="990047"/>
         </a:xfrm>
-        <a:prstGeom prst="rect">
-          <a:avLst/>
+        <a:prstGeom prst="arc">
+          <a:avLst>
+            <a:gd name="adj1" fmla="val 2400000"/>
+            <a:gd name="adj2" fmla="val 8400000"/>
+          </a:avLst>
         </a:prstGeom>
-        <a:solidFill>
-          <a:schemeClr val="accent1">
-            <a:hueOff val="0"/>
-            <a:satOff val="0"/>
-            <a:lumOff val="0"/>
-            <a:alphaOff val="0"/>
-          </a:schemeClr>
-        </a:solidFill>
+        <a:noFill/>
         <a:ln w="15875" cap="flat" cmpd="sng" algn="ctr">
           <a:solidFill>
-            <a:schemeClr val="lt1">
+            <a:schemeClr val="accent1">
+              <a:shade val="60000"/>
               <a:hueOff val="0"/>
               <a:satOff val="0"/>
               <a:lumOff val="0"/>
@@ -8327,23 +8526,55 @@
         <a:lnRef idx="2">
           <a:scrgbClr r="0" g="0" b="0"/>
         </a:lnRef>
+        <a:fillRef idx="0">
+          <a:scrgbClr r="0" g="0" b="0"/>
+        </a:fillRef>
+        <a:effectRef idx="0">
+          <a:scrgbClr r="0" g="0" b="0"/>
+        </a:effectRef>
+        <a:fontRef idx="minor"/>
+      </dsp:style>
+    </dsp:sp>
+    <dsp:sp modelId="{6A4408FE-BE21-441D-A881-E35A381E3C6C}">
+      <dsp:nvSpPr>
+        <dsp:cNvPr id="0" name=""/>
+        <dsp:cNvSpPr/>
+      </dsp:nvSpPr>
+      <dsp:spPr>
+        <a:xfrm>
+          <a:off x="2400662" y="2286356"/>
+          <a:ext cx="1980095" cy="633630"/>
+        </a:xfrm>
+        <a:prstGeom prst="rect">
+          <a:avLst/>
+        </a:prstGeom>
+        <a:noFill/>
+        <a:ln w="15875" cap="flat" cmpd="sng" algn="ctr">
+          <a:noFill/>
+          <a:prstDash val="solid"/>
+        </a:ln>
+        <a:effectLst/>
+        <a:sp3d/>
+      </dsp:spPr>
+      <dsp:style>
+        <a:lnRef idx="2">
+          <a:scrgbClr r="0" g="0" b="0"/>
+        </a:lnRef>
         <a:fillRef idx="1">
           <a:scrgbClr r="0" g="0" b="0"/>
         </a:fillRef>
         <a:effectRef idx="0">
           <a:scrgbClr r="0" g="0" b="0"/>
         </a:effectRef>
-        <a:fontRef idx="minor">
-          <a:schemeClr val="lt1"/>
-        </a:fontRef>
+        <a:fontRef idx="minor"/>
       </dsp:style>
       <dsp:txBody>
-        <a:bodyPr spcFirstLastPara="0" vert="horz" wrap="square" lIns="16510" tIns="16510" rIns="16510" bIns="16510" numCol="1" spcCol="1270" anchor="ctr" anchorCtr="0">
+        <a:bodyPr spcFirstLastPara="0" vert="horz" wrap="square" lIns="15240" tIns="15240" rIns="15240" bIns="15240" numCol="1" spcCol="1270" anchor="ctr" anchorCtr="0">
           <a:noAutofit/>
         </a:bodyPr>
         <a:lstStyle/>
         <a:p>
-          <a:pPr lvl="0" algn="ctr" defTabSz="1155700">
+          <a:pPr lvl="0" algn="ctr" defTabSz="1066800">
             <a:lnSpc>
               <a:spcPct val="90000"/>
             </a:lnSpc>
@@ -8355,15 +8586,315 @@
             </a:spcAft>
           </a:pPr>
           <a:r>
-            <a:rPr lang="fr-FR" sz="2600" b="1" kern="1200" dirty="0" smtClean="0"/>
-            <a:t>Employé</a:t>
+            <a:rPr lang="fr-FR" sz="2400" b="1" kern="1200" dirty="0" smtClean="0"/>
+            <a:t>Gérant</a:t>
           </a:r>
-          <a:endParaRPr lang="fr-FR" sz="2600" b="1" kern="1200" dirty="0"/>
+          <a:endParaRPr lang="fr-FR" sz="2400" b="1" kern="1200" dirty="0"/>
         </a:p>
       </dsp:txBody>
       <dsp:txXfrm>
-        <a:off x="7238447" y="2103736"/>
-        <a:ext cx="1938085" cy="969042"/>
+        <a:off x="2400662" y="2286356"/>
+        <a:ext cx="1980095" cy="633630"/>
+      </dsp:txXfrm>
+    </dsp:sp>
+    <dsp:sp modelId="{FC0B3948-ABA4-4300-A2D2-3632219C33FC}">
+      <dsp:nvSpPr>
+        <dsp:cNvPr id="0" name=""/>
+        <dsp:cNvSpPr/>
+      </dsp:nvSpPr>
+      <dsp:spPr>
+        <a:xfrm>
+          <a:off x="5291602" y="2108147"/>
+          <a:ext cx="990047" cy="990047"/>
+        </a:xfrm>
+        <a:prstGeom prst="arc">
+          <a:avLst>
+            <a:gd name="adj1" fmla="val 13200000"/>
+            <a:gd name="adj2" fmla="val 19200000"/>
+          </a:avLst>
+        </a:prstGeom>
+        <a:noFill/>
+        <a:ln w="15875" cap="flat" cmpd="sng" algn="ctr">
+          <a:solidFill>
+            <a:schemeClr val="accent1">
+              <a:shade val="60000"/>
+              <a:hueOff val="0"/>
+              <a:satOff val="0"/>
+              <a:lumOff val="0"/>
+              <a:alphaOff val="0"/>
+            </a:schemeClr>
+          </a:solidFill>
+          <a:prstDash val="solid"/>
+        </a:ln>
+        <a:effectLst/>
+      </dsp:spPr>
+      <dsp:style>
+        <a:lnRef idx="2">
+          <a:scrgbClr r="0" g="0" b="0"/>
+        </a:lnRef>
+        <a:fillRef idx="0">
+          <a:scrgbClr r="0" g="0" b="0"/>
+        </a:fillRef>
+        <a:effectRef idx="0">
+          <a:scrgbClr r="0" g="0" b="0"/>
+        </a:effectRef>
+        <a:fontRef idx="minor"/>
+      </dsp:style>
+    </dsp:sp>
+    <dsp:sp modelId="{205DF013-8205-4211-895E-827C9EA87B69}">
+      <dsp:nvSpPr>
+        <dsp:cNvPr id="0" name=""/>
+        <dsp:cNvSpPr/>
+      </dsp:nvSpPr>
+      <dsp:spPr>
+        <a:xfrm>
+          <a:off x="5291602" y="2108147"/>
+          <a:ext cx="990047" cy="990047"/>
+        </a:xfrm>
+        <a:prstGeom prst="arc">
+          <a:avLst>
+            <a:gd name="adj1" fmla="val 2400000"/>
+            <a:gd name="adj2" fmla="val 8400000"/>
+          </a:avLst>
+        </a:prstGeom>
+        <a:noFill/>
+        <a:ln w="15875" cap="flat" cmpd="sng" algn="ctr">
+          <a:solidFill>
+            <a:schemeClr val="accent1">
+              <a:shade val="60000"/>
+              <a:hueOff val="0"/>
+              <a:satOff val="0"/>
+              <a:lumOff val="0"/>
+              <a:alphaOff val="0"/>
+            </a:schemeClr>
+          </a:solidFill>
+          <a:prstDash val="solid"/>
+        </a:ln>
+        <a:effectLst/>
+      </dsp:spPr>
+      <dsp:style>
+        <a:lnRef idx="2">
+          <a:scrgbClr r="0" g="0" b="0"/>
+        </a:lnRef>
+        <a:fillRef idx="0">
+          <a:scrgbClr r="0" g="0" b="0"/>
+        </a:fillRef>
+        <a:effectRef idx="0">
+          <a:scrgbClr r="0" g="0" b="0"/>
+        </a:effectRef>
+        <a:fontRef idx="minor"/>
+      </dsp:style>
+    </dsp:sp>
+    <dsp:sp modelId="{42D36DE9-6E01-4478-B11F-01FB01F3520E}">
+      <dsp:nvSpPr>
+        <dsp:cNvPr id="0" name=""/>
+        <dsp:cNvSpPr/>
+      </dsp:nvSpPr>
+      <dsp:spPr>
+        <a:xfrm>
+          <a:off x="4796578" y="2286356"/>
+          <a:ext cx="1980095" cy="633630"/>
+        </a:xfrm>
+        <a:prstGeom prst="rect">
+          <a:avLst/>
+        </a:prstGeom>
+        <a:noFill/>
+        <a:ln w="15875" cap="flat" cmpd="sng" algn="ctr">
+          <a:noFill/>
+          <a:prstDash val="solid"/>
+        </a:ln>
+        <a:effectLst/>
+        <a:sp3d/>
+      </dsp:spPr>
+      <dsp:style>
+        <a:lnRef idx="2">
+          <a:scrgbClr r="0" g="0" b="0"/>
+        </a:lnRef>
+        <a:fillRef idx="1">
+          <a:scrgbClr r="0" g="0" b="0"/>
+        </a:fillRef>
+        <a:effectRef idx="0">
+          <a:scrgbClr r="0" g="0" b="0"/>
+        </a:effectRef>
+        <a:fontRef idx="minor"/>
+      </dsp:style>
+      <dsp:txBody>
+        <a:bodyPr spcFirstLastPara="0" vert="horz" wrap="square" lIns="15240" tIns="15240" rIns="15240" bIns="15240" numCol="1" spcCol="1270" anchor="ctr" anchorCtr="0">
+          <a:noAutofit/>
+        </a:bodyPr>
+        <a:lstStyle/>
+        <a:p>
+          <a:pPr lvl="0" algn="ctr" defTabSz="1066800">
+            <a:lnSpc>
+              <a:spcPct val="90000"/>
+            </a:lnSpc>
+            <a:spcBef>
+              <a:spcPct val="0"/>
+            </a:spcBef>
+            <a:spcAft>
+              <a:spcPct val="35000"/>
+            </a:spcAft>
+          </a:pPr>
+          <a:r>
+            <a:rPr lang="fr-FR" sz="2400" b="1" kern="1200" dirty="0" smtClean="0"/>
+            <a:t>Chef de Projet </a:t>
+          </a:r>
+          <a:endParaRPr lang="fr-FR" sz="2400" b="1" kern="1200" dirty="0"/>
+        </a:p>
+      </dsp:txBody>
+      <dsp:txXfrm>
+        <a:off x="4796578" y="2286356"/>
+        <a:ext cx="1980095" cy="633630"/>
+      </dsp:txXfrm>
+    </dsp:sp>
+    <dsp:sp modelId="{3A6F0647-DDB4-4041-8474-A3409A7969A7}">
+      <dsp:nvSpPr>
+        <dsp:cNvPr id="0" name=""/>
+        <dsp:cNvSpPr/>
+      </dsp:nvSpPr>
+      <dsp:spPr>
+        <a:xfrm>
+          <a:off x="7687518" y="2108147"/>
+          <a:ext cx="990047" cy="990047"/>
+        </a:xfrm>
+        <a:prstGeom prst="arc">
+          <a:avLst>
+            <a:gd name="adj1" fmla="val 13200000"/>
+            <a:gd name="adj2" fmla="val 19200000"/>
+          </a:avLst>
+        </a:prstGeom>
+        <a:noFill/>
+        <a:ln w="15875" cap="flat" cmpd="sng" algn="ctr">
+          <a:solidFill>
+            <a:schemeClr val="accent1">
+              <a:shade val="60000"/>
+              <a:hueOff val="0"/>
+              <a:satOff val="0"/>
+              <a:lumOff val="0"/>
+              <a:alphaOff val="0"/>
+            </a:schemeClr>
+          </a:solidFill>
+          <a:prstDash val="solid"/>
+        </a:ln>
+        <a:effectLst/>
+      </dsp:spPr>
+      <dsp:style>
+        <a:lnRef idx="2">
+          <a:scrgbClr r="0" g="0" b="0"/>
+        </a:lnRef>
+        <a:fillRef idx="0">
+          <a:scrgbClr r="0" g="0" b="0"/>
+        </a:fillRef>
+        <a:effectRef idx="0">
+          <a:scrgbClr r="0" g="0" b="0"/>
+        </a:effectRef>
+        <a:fontRef idx="minor"/>
+      </dsp:style>
+    </dsp:sp>
+    <dsp:sp modelId="{DEDA629E-B813-48A3-BC92-60AC0C791CAD}">
+      <dsp:nvSpPr>
+        <dsp:cNvPr id="0" name=""/>
+        <dsp:cNvSpPr/>
+      </dsp:nvSpPr>
+      <dsp:spPr>
+        <a:xfrm>
+          <a:off x="7687518" y="2108147"/>
+          <a:ext cx="990047" cy="990047"/>
+        </a:xfrm>
+        <a:prstGeom prst="arc">
+          <a:avLst>
+            <a:gd name="adj1" fmla="val 2400000"/>
+            <a:gd name="adj2" fmla="val 8400000"/>
+          </a:avLst>
+        </a:prstGeom>
+        <a:noFill/>
+        <a:ln w="15875" cap="flat" cmpd="sng" algn="ctr">
+          <a:solidFill>
+            <a:schemeClr val="accent1">
+              <a:shade val="60000"/>
+              <a:hueOff val="0"/>
+              <a:satOff val="0"/>
+              <a:lumOff val="0"/>
+              <a:alphaOff val="0"/>
+            </a:schemeClr>
+          </a:solidFill>
+          <a:prstDash val="solid"/>
+        </a:ln>
+        <a:effectLst/>
+      </dsp:spPr>
+      <dsp:style>
+        <a:lnRef idx="2">
+          <a:scrgbClr r="0" g="0" b="0"/>
+        </a:lnRef>
+        <a:fillRef idx="0">
+          <a:scrgbClr r="0" g="0" b="0"/>
+        </a:fillRef>
+        <a:effectRef idx="0">
+          <a:scrgbClr r="0" g="0" b="0"/>
+        </a:effectRef>
+        <a:fontRef idx="minor"/>
+      </dsp:style>
+    </dsp:sp>
+    <dsp:sp modelId="{BB984710-12AD-447C-9519-65D2F8A77C20}">
+      <dsp:nvSpPr>
+        <dsp:cNvPr id="0" name=""/>
+        <dsp:cNvSpPr/>
+      </dsp:nvSpPr>
+      <dsp:spPr>
+        <a:xfrm>
+          <a:off x="7192494" y="2286356"/>
+          <a:ext cx="1980095" cy="633630"/>
+        </a:xfrm>
+        <a:prstGeom prst="rect">
+          <a:avLst/>
+        </a:prstGeom>
+        <a:noFill/>
+        <a:ln w="15875" cap="flat" cmpd="sng" algn="ctr">
+          <a:noFill/>
+          <a:prstDash val="solid"/>
+        </a:ln>
+        <a:effectLst/>
+        <a:sp3d/>
+      </dsp:spPr>
+      <dsp:style>
+        <a:lnRef idx="2">
+          <a:scrgbClr r="0" g="0" b="0"/>
+        </a:lnRef>
+        <a:fillRef idx="1">
+          <a:scrgbClr r="0" g="0" b="0"/>
+        </a:fillRef>
+        <a:effectRef idx="0">
+          <a:scrgbClr r="0" g="0" b="0"/>
+        </a:effectRef>
+        <a:fontRef idx="minor"/>
+      </dsp:style>
+      <dsp:txBody>
+        <a:bodyPr spcFirstLastPara="0" vert="horz" wrap="square" lIns="15240" tIns="15240" rIns="15240" bIns="15240" numCol="1" spcCol="1270" anchor="ctr" anchorCtr="0">
+          <a:noAutofit/>
+        </a:bodyPr>
+        <a:lstStyle/>
+        <a:p>
+          <a:pPr lvl="0" algn="ctr" defTabSz="1066800">
+            <a:lnSpc>
+              <a:spcPct val="90000"/>
+            </a:lnSpc>
+            <a:spcBef>
+              <a:spcPct val="0"/>
+            </a:spcBef>
+            <a:spcAft>
+              <a:spcPct val="35000"/>
+            </a:spcAft>
+          </a:pPr>
+          <a:r>
+            <a:rPr lang="fr-FR" sz="2400" b="1" kern="1200" dirty="0" smtClean="0"/>
+            <a:t>Employé</a:t>
+          </a:r>
+          <a:endParaRPr lang="fr-FR" sz="2400" b="1" kern="1200" dirty="0"/>
+        </a:p>
+      </dsp:txBody>
+      <dsp:txXfrm>
+        <a:off x="7192494" y="2286356"/>
+        <a:ext cx="1980095" cy="633630"/>
       </dsp:txXfrm>
     </dsp:sp>
   </dsp:spTree>
@@ -10144,12 +10675,11 @@
 </file>
 
 <file path=ppt/diagrams/layout4.xml><?xml version="1.0" encoding="utf-8"?>
-<dgm:layoutDef xmlns:dgm="http://schemas.openxmlformats.org/drawingml/2006/diagram" xmlns:a="http://schemas.openxmlformats.org/drawingml/2006/main" uniqueId="urn:microsoft.com/office/officeart/2005/8/layout/orgChart1">
+<dgm:layoutDef xmlns:dgm="http://schemas.openxmlformats.org/drawingml/2006/diagram" xmlns:a="http://schemas.openxmlformats.org/drawingml/2006/main" uniqueId="urn:microsoft.com/office/officeart/2008/layout/HalfCircleOrganizationChart">
   <dgm:title val=""/>
   <dgm:desc val=""/>
   <dgm:catLst>
-    <dgm:cat type="hierarchy" pri="1000"/>
-    <dgm:cat type="convert" pri="6000"/>
+    <dgm:cat type="hierarchy" pri="1500"/>
   </dgm:catLst>
   <dgm:sampData>
     <dgm:dataModel>
@@ -10158,25 +10688,25 @@
         <dgm:pt modelId="1">
           <dgm:prSet phldr="1"/>
         </dgm:pt>
-        <dgm:pt modelId="2" type="asst">
+        <dgm:pt modelId="11" type="asst">
           <dgm:prSet phldr="1"/>
         </dgm:pt>
-        <dgm:pt modelId="3">
+        <dgm:pt modelId="12">
           <dgm:prSet phldr="1"/>
         </dgm:pt>
-        <dgm:pt modelId="4">
+        <dgm:pt modelId="13">
           <dgm:prSet phldr="1"/>
         </dgm:pt>
-        <dgm:pt modelId="5">
+        <dgm:pt modelId="14">
           <dgm:prSet phldr="1"/>
         </dgm:pt>
       </dgm:ptLst>
       <dgm:cxnLst>
-        <dgm:cxn modelId="5" srcId="0" destId="1" srcOrd="0" destOrd="0"/>
-        <dgm:cxn modelId="6" srcId="1" destId="2" srcOrd="0" destOrd="0"/>
-        <dgm:cxn modelId="7" srcId="1" destId="3" srcOrd="1" destOrd="0"/>
-        <dgm:cxn modelId="8" srcId="1" destId="4" srcOrd="2" destOrd="0"/>
-        <dgm:cxn modelId="9" srcId="1" destId="5" srcOrd="3" destOrd="0"/>
+        <dgm:cxn modelId="2" srcId="0" destId="1" srcOrd="0" destOrd="0"/>
+        <dgm:cxn modelId="15" srcId="1" destId="11" srcOrd="0" destOrd="0"/>
+        <dgm:cxn modelId="16" srcId="1" destId="12" srcOrd="1" destOrd="0"/>
+        <dgm:cxn modelId="17" srcId="1" destId="13" srcOrd="2" destOrd="0"/>
+        <dgm:cxn modelId="18" srcId="1" destId="14" srcOrd="2" destOrd="0"/>
       </dgm:cxnLst>
       <dgm:bg/>
       <dgm:whole/>
@@ -10186,14 +10716,20 @@
     <dgm:dataModel>
       <dgm:ptLst>
         <dgm:pt modelId="0" type="doc"/>
-        <dgm:pt modelId="1"/>
-        <dgm:pt modelId="12"/>
-        <dgm:pt modelId="13"/>
+        <dgm:pt modelId="1">
+          <dgm:prSet phldr="1"/>
+        </dgm:pt>
+        <dgm:pt modelId="11">
+          <dgm:prSet phldr="1"/>
+        </dgm:pt>
+        <dgm:pt modelId="12">
+          <dgm:prSet phldr="1"/>
+        </dgm:pt>
       </dgm:ptLst>
       <dgm:cxnLst>
         <dgm:cxn modelId="2" srcId="0" destId="1" srcOrd="0" destOrd="0"/>
-        <dgm:cxn modelId="16" srcId="1" destId="12" srcOrd="1" destOrd="0"/>
-        <dgm:cxn modelId="17" srcId="1" destId="13" srcOrd="2" destOrd="0"/>
+        <dgm:cxn modelId="3" srcId="1" destId="11" srcOrd="0" destOrd="0"/>
+        <dgm:cxn modelId="4" srcId="1" destId="12" srcOrd="1" destOrd="0"/>
       </dgm:cxnLst>
       <dgm:bg/>
       <dgm:whole/>
@@ -10203,11 +10739,21 @@
     <dgm:dataModel>
       <dgm:ptLst>
         <dgm:pt modelId="0" type="doc"/>
-        <dgm:pt modelId="1"/>
-        <dgm:pt modelId="11" type="asst"/>
-        <dgm:pt modelId="12"/>
-        <dgm:pt modelId="13"/>
-        <dgm:pt modelId="14"/>
+        <dgm:pt modelId="1">
+          <dgm:prSet phldr="1"/>
+        </dgm:pt>
+        <dgm:pt modelId="11" type="asst">
+          <dgm:prSet phldr="1"/>
+        </dgm:pt>
+        <dgm:pt modelId="12">
+          <dgm:prSet phldr="1"/>
+        </dgm:pt>
+        <dgm:pt modelId="13">
+          <dgm:prSet phldr="1"/>
+        </dgm:pt>
+        <dgm:pt modelId="14">
+          <dgm:prSet phldr="1"/>
+        </dgm:pt>
       </dgm:ptLst>
       <dgm:cxnLst>
         <dgm:cxn modelId="2" srcId="0" destId="1" srcOrd="0" destOrd="0"/>
@@ -10220,7 +10766,7 @@
       <dgm:whole/>
     </dgm:dataModel>
   </dgm:clrData>
-  <dgm:layoutNode name="hierChild1">
+  <dgm:layoutNode name="Name0">
     <dgm:varLst>
       <dgm:orgChart val="1"/>
       <dgm:chPref val="1"/>
@@ -10229,13 +10775,13 @@
       <dgm:animLvl val="lvl"/>
       <dgm:resizeHandles/>
     </dgm:varLst>
-    <dgm:choose name="Name0">
-      <dgm:if name="Name1" func="var" arg="dir" op="equ" val="norm">
+    <dgm:choose name="Name1">
+      <dgm:if name="Name2" func="var" arg="dir" op="equ" val="norm">
         <dgm:alg type="hierChild">
           <dgm:param type="linDir" val="fromL"/>
         </dgm:alg>
       </dgm:if>
-      <dgm:else name="Name2">
+      <dgm:else name="Name3">
         <dgm:alg type="hierChild">
           <dgm:param type="linDir" val="fromR"/>
         </dgm:alg>
@@ -10248,8 +10794,8 @@
     <dgm:constrLst>
       <dgm:constr type="w" for="des" forName="rootComposite1" refType="w" fact="10"/>
       <dgm:constr type="h" for="des" forName="rootComposite1" refType="w" refFor="des" refForName="rootComposite1" fact="0.5"/>
-      <dgm:constr type="w" for="des" forName="rootComposite" refType="w" fact="10"/>
-      <dgm:constr type="h" for="des" forName="rootComposite" refType="w" refFor="des" refForName="rootComposite1" fact="0.5"/>
+      <dgm:constr type="w" for="des" forName="rootComposite2" refType="w" fact="10"/>
+      <dgm:constr type="h" for="des" forName="rootComposite2" refType="w" refFor="des" refForName="rootComposite1" fact="0.5"/>
       <dgm:constr type="w" for="des" forName="rootComposite3" refType="w" fact="10"/>
       <dgm:constr type="h" for="des" forName="rootComposite3" refType="w" refFor="des" refForName="rootComposite1" fact="0.5"/>
       <dgm:constr type="primFontSz" for="des" ptType="node" op="equ"/>
@@ -10272,61 +10818,36 @@
       <dgm:constr type="secSibSp" for="des" forName="hierChild6" refType="secSibSp"/>
       <dgm:constr type="secSibSp" for="des" forName="hierChild7" refType="secSibSp"/>
     </dgm:constrLst>
-    <dgm:ruleLst/>
-    <dgm:forEach name="Name3" axis="ch">
-      <dgm:forEach name="Name4" axis="self" ptType="node">
+    <dgm:forEach name="Name4" axis="ch">
+      <dgm:forEach name="Name5" axis="self" ptType="node">
         <dgm:layoutNode name="hierRoot1">
           <dgm:varLst>
             <dgm:hierBranch val="init"/>
           </dgm:varLst>
-          <dgm:choose name="Name5">
-            <dgm:if name="Name6" func="var" arg="hierBranch" op="equ" val="l">
-              <dgm:choose name="Name7">
-                <dgm:if name="Name8" axis="ch" ptType="asst" func="cnt" op="gte" val="1">
-                  <dgm:alg type="hierRoot">
-                    <dgm:param type="hierAlign" val="tR"/>
-                  </dgm:alg>
-                  <dgm:constrLst>
-                    <dgm:constr type="alignOff" val="0.65"/>
-                  </dgm:constrLst>
-                </dgm:if>
-                <dgm:else name="Name9">
-                  <dgm:alg type="hierRoot">
-                    <dgm:param type="hierAlign" val="tR"/>
-                  </dgm:alg>
-                  <dgm:constrLst>
-                    <dgm:constr type="alignOff" val="0.25"/>
-                  </dgm:constrLst>
-                </dgm:else>
-              </dgm:choose>
+          <dgm:choose name="Name6">
+            <dgm:if name="Name7" func="var" arg="hierBranch" op="equ" val="l">
+              <dgm:alg type="hierRoot">
+                <dgm:param type="hierAlign" val="tR"/>
+              </dgm:alg>
+              <dgm:constrLst>
+                <dgm:constr type="alignOff" val="0.65"/>
+              </dgm:constrLst>
             </dgm:if>
-            <dgm:if name="Name10" func="var" arg="hierBranch" op="equ" val="r">
-              <dgm:choose name="Name11">
-                <dgm:if name="Name12" axis="ch" ptType="asst" func="cnt" op="gte" val="1">
-                  <dgm:alg type="hierRoot">
-                    <dgm:param type="hierAlign" val="tL"/>
-                  </dgm:alg>
-                  <dgm:constrLst>
-                    <dgm:constr type="alignOff" val="0.65"/>
-                  </dgm:constrLst>
-                </dgm:if>
-                <dgm:else name="Name13">
-                  <dgm:alg type="hierRoot">
-                    <dgm:param type="hierAlign" val="tL"/>
-                  </dgm:alg>
-                  <dgm:constrLst>
-                    <dgm:constr type="alignOff" val="0.25"/>
-                  </dgm:constrLst>
-                </dgm:else>
-              </dgm:choose>
+            <dgm:if name="Name8" func="var" arg="hierBranch" op="equ" val="r">
+              <dgm:alg type="hierRoot">
+                <dgm:param type="hierAlign" val="tL"/>
+              </dgm:alg>
+              <dgm:constrLst>
+                <dgm:constr type="alignOff" val="0.65"/>
+              </dgm:constrLst>
             </dgm:if>
-            <dgm:if name="Name14" func="var" arg="hierBranch" op="equ" val="hang">
+            <dgm:if name="Name9" func="var" arg="hierBranch" op="equ" val="hang">
               <dgm:alg type="hierRoot"/>
               <dgm:constrLst>
                 <dgm:constr type="alignOff" val="0.65"/>
               </dgm:constrLst>
             </dgm:if>
-            <dgm:else name="Name15">
+            <dgm:else name="Name10">
               <dgm:alg type="hierRoot"/>
               <dgm:constrLst>
                 <dgm:constr type="alignOff"/>
@@ -10338,70 +10859,100 @@
             <dgm:adjLst/>
           </dgm:shape>
           <dgm:presOf/>
-          <dgm:ruleLst/>
           <dgm:layoutNode name="rootComposite1">
             <dgm:alg type="composite"/>
             <dgm:shape xmlns:r="http://schemas.openxmlformats.org/officeDocument/2006/relationships" r:blip="">
               <dgm:adjLst/>
             </dgm:shape>
             <dgm:presOf axis="self" ptType="node" cnt="1"/>
-            <dgm:choose name="Name16">
-              <dgm:if name="Name17" func="var" arg="hierBranch" op="equ" val="init">
+            <dgm:choose name="Name11">
+              <dgm:if name="Name12" func="var" arg="hierBranch" op="equ" val="init">
                 <dgm:constrLst>
                   <dgm:constr type="l" for="ch" forName="rootText1"/>
-                  <dgm:constr type="t" for="ch" forName="rootText1"/>
+                  <dgm:constr type="t" for="ch" forName="rootText1" refType="h" fact="0.18"/>
                   <dgm:constr type="w" for="ch" forName="rootText1" refType="w"/>
-                  <dgm:constr type="h" for="ch" forName="rootText1" refType="h"/>
-                  <dgm:constr type="l" for="ch" forName="rootConnector1"/>
-                  <dgm:constr type="t" for="ch" forName="rootConnector1"/>
-                  <dgm:constr type="w" for="ch" forName="rootConnector1" refType="w" refFor="ch" refForName="rootText1" fact="0.2"/>
-                  <dgm:constr type="h" for="ch" forName="rootConnector1" refType="h" refFor="ch" refForName="rootText1"/>
+                  <dgm:constr type="h" for="ch" forName="rootText1" refType="h" fact="0.64"/>
+                  <dgm:constr type="l" for="ch" forName="topArc1" refType="w" fact="0.25"/>
+                  <dgm:constr type="t" for="ch" forName="topArc1"/>
+                  <dgm:constr type="w" for="ch" forName="topArc1" refType="h" refFor="ch" refForName="topArc1"/>
+                  <dgm:constr type="h" for="ch" forName="topArc1" refType="h"/>
+                  <dgm:constr type="l" for="ch" forName="bottomArc1" refType="w" fact="0.25"/>
+                  <dgm:constr type="t" for="ch" forName="bottomArc1"/>
+                  <dgm:constr type="w" for="ch" forName="bottomArc1" refType="h" refFor="ch" refForName="bottomArc1"/>
+                  <dgm:constr type="h" for="ch" forName="bottomArc1" refType="h"/>
+                  <dgm:constr type="ctrX" for="ch" forName="topConnNode1" refType="w" fact="0.5"/>
+                  <dgm:constr type="t" for="ch" forName="topConnNode1"/>
+                  <dgm:constr type="w" for="ch" forName="topConnNode1" refType="h" fact="0.76"/>
+                  <dgm:constr type="b" for="ch" forName="topConnNode1" refType="t" refFor="ch" refForName="rootText1"/>
                 </dgm:constrLst>
               </dgm:if>
-              <dgm:if name="Name18" func="var" arg="hierBranch" op="equ" val="l">
+              <dgm:if name="Name13" func="var" arg="hierBranch" op="equ" val="l">
                 <dgm:constrLst>
                   <dgm:constr type="l" for="ch" forName="rootText1"/>
-                  <dgm:constr type="t" for="ch" forName="rootText1"/>
+                  <dgm:constr type="t" for="ch" forName="rootText1" refType="h" fact="0.18"/>
                   <dgm:constr type="w" for="ch" forName="rootText1" refType="w"/>
-                  <dgm:constr type="h" for="ch" forName="rootText1" refType="h"/>
-                  <dgm:constr type="r" for="ch" forName="rootConnector1" refType="w"/>
-                  <dgm:constr type="t" for="ch" forName="rootConnector1"/>
-                  <dgm:constr type="w" for="ch" forName="rootConnector1" refType="w" refFor="ch" refForName="rootText1" fact="0.2"/>
-                  <dgm:constr type="h" for="ch" forName="rootConnector1" refType="h" refFor="ch" refForName="rootText1"/>
+                  <dgm:constr type="h" for="ch" forName="rootText1" refType="h" fact="0.64"/>
+                  <dgm:constr type="l" for="ch" forName="topArc1" refType="w" fact="0.25"/>
+                  <dgm:constr type="t" for="ch" forName="topArc1"/>
+                  <dgm:constr type="w" for="ch" forName="topArc1" refType="h" refFor="ch" refForName="topArc1"/>
+                  <dgm:constr type="h" for="ch" forName="topArc1" refType="h"/>
+                  <dgm:constr type="l" for="ch" forName="bottomArc1" refType="w" fact="0.25"/>
+                  <dgm:constr type="t" for="ch" forName="bottomArc1"/>
+                  <dgm:constr type="w" for="ch" forName="bottomArc1" refType="h" refFor="ch" refForName="bottomArc1"/>
+                  <dgm:constr type="h" for="ch" forName="bottomArc1" refType="h"/>
+                  <dgm:constr type="ctrX" for="ch" forName="topConnNode1" refType="w" fact="0.5"/>
+                  <dgm:constr type="t" for="ch" forName="topConnNode1"/>
+                  <dgm:constr type="w" for="ch" forName="topConnNode1" refType="h" fact="0.76"/>
+                  <dgm:constr type="b" for="ch" forName="topConnNode1" refType="t" refFor="ch" refForName="rootText1"/>
                 </dgm:constrLst>
               </dgm:if>
-              <dgm:if name="Name19" func="var" arg="hierBranch" op="equ" val="r">
+              <dgm:if name="Name14" func="var" arg="hierBranch" op="equ" val="r">
                 <dgm:constrLst>
                   <dgm:constr type="l" for="ch" forName="rootText1"/>
-                  <dgm:constr type="t" for="ch" forName="rootText1"/>
+                  <dgm:constr type="t" for="ch" forName="rootText1" refType="h" fact="0.18"/>
                   <dgm:constr type="w" for="ch" forName="rootText1" refType="w"/>
-                  <dgm:constr type="h" for="ch" forName="rootText1" refType="h"/>
-                  <dgm:constr type="l" for="ch" forName="rootConnector1"/>
-                  <dgm:constr type="t" for="ch" forName="rootConnector1"/>
-                  <dgm:constr type="w" for="ch" forName="rootConnector1" refType="w" refFor="ch" refForName="rootText1" fact="0.2"/>
-                  <dgm:constr type="h" for="ch" forName="rootConnector1" refType="h" refFor="ch" refForName="rootText1"/>
+                  <dgm:constr type="h" for="ch" forName="rootText1" refType="h" fact="0.64"/>
+                  <dgm:constr type="l" for="ch" forName="topArc1" refType="w" fact="0.25"/>
+                  <dgm:constr type="t" for="ch" forName="topArc1"/>
+                  <dgm:constr type="w" for="ch" forName="topArc1" refType="h" refFor="ch" refForName="topArc1"/>
+                  <dgm:constr type="h" for="ch" forName="topArc1" refType="h"/>
+                  <dgm:constr type="l" for="ch" forName="bottomArc1" refType="w" fact="0.25"/>
+                  <dgm:constr type="t" for="ch" forName="bottomArc1"/>
+                  <dgm:constr type="w" for="ch" forName="bottomArc1" refType="h" refFor="ch" refForName="bottomArc1"/>
+                  <dgm:constr type="h" for="ch" forName="bottomArc1" refType="h"/>
+                  <dgm:constr type="ctrX" for="ch" forName="topConnNode1" refType="w" fact="0.5"/>
+                  <dgm:constr type="t" for="ch" forName="topConnNode1"/>
+                  <dgm:constr type="w" for="ch" forName="topConnNode1" refType="h" fact="0.76"/>
+                  <dgm:constr type="b" for="ch" forName="topConnNode1" refType="t" refFor="ch" refForName="rootText1"/>
                 </dgm:constrLst>
               </dgm:if>
-              <dgm:else name="Name20">
+              <dgm:else name="Name15">
                 <dgm:constrLst>
                   <dgm:constr type="l" for="ch" forName="rootText1"/>
-                  <dgm:constr type="t" for="ch" forName="rootText1"/>
+                  <dgm:constr type="t" for="ch" forName="rootText1" refType="h" fact="0.18"/>
                   <dgm:constr type="w" for="ch" forName="rootText1" refType="w"/>
-                  <dgm:constr type="h" for="ch" forName="rootText1" refType="h"/>
-                  <dgm:constr type="r" for="ch" forName="rootConnector1" refType="w"/>
-                  <dgm:constr type="t" for="ch" forName="rootConnector1"/>
-                  <dgm:constr type="w" for="ch" forName="rootConnector1" refType="w" refFor="ch" refForName="rootText1" fact="0.2"/>
-                  <dgm:constr type="h" for="ch" forName="rootConnector1" refType="h" refFor="ch" refForName="rootText1"/>
+                  <dgm:constr type="h" for="ch" forName="rootText1" refType="h" fact="0.64"/>
+                  <dgm:constr type="l" for="ch" forName="topArc1" refType="w" fact="0.25"/>
+                  <dgm:constr type="t" for="ch" forName="topArc1"/>
+                  <dgm:constr type="w" for="ch" forName="topArc1" refType="h" refFor="ch" refForName="topArc1"/>
+                  <dgm:constr type="h" for="ch" forName="topArc1" refType="h"/>
+                  <dgm:constr type="l" for="ch" forName="bottomArc1" refType="w" fact="0.25"/>
+                  <dgm:constr type="t" for="ch" forName="bottomArc1"/>
+                  <dgm:constr type="w" for="ch" forName="bottomArc1" refType="h" refFor="ch" refForName="bottomArc1"/>
+                  <dgm:constr type="h" for="ch" forName="bottomArc1" refType="h"/>
+                  <dgm:constr type="ctrX" for="ch" forName="topConnNode1" refType="w" fact="0.5"/>
+                  <dgm:constr type="t" for="ch" forName="topConnNode1"/>
+                  <dgm:constr type="w" for="ch" forName="topConnNode1" refType="h" fact="0.76"/>
+                  <dgm:constr type="b" for="ch" forName="topConnNode1" refType="t" refFor="ch" refForName="rootText1"/>
                 </dgm:constrLst>
               </dgm:else>
             </dgm:choose>
-            <dgm:ruleLst/>
-            <dgm:layoutNode name="rootText1" styleLbl="node0">
+            <dgm:layoutNode name="rootText1" styleLbl="alignAcc1">
               <dgm:varLst>
                 <dgm:chPref val="3"/>
               </dgm:varLst>
               <dgm:alg type="tx"/>
-              <dgm:shape xmlns:r="http://schemas.openxmlformats.org/officeDocument/2006/relationships" type="rect" r:blip="">
+              <dgm:shape xmlns:r="http://schemas.openxmlformats.org/officeDocument/2006/relationships" type="rect" r:blip="" hideGeom="1">
                 <dgm:adjLst/>
               </dgm:shape>
               <dgm:presOf axis="self" ptType="node" cnt="1"/>
@@ -10416,33 +10967,51 @@
                 <dgm:rule type="primFontSz" val="5" fact="NaN" max="NaN"/>
               </dgm:ruleLst>
             </dgm:layoutNode>
-            <dgm:layoutNode name="rootConnector1" moveWith="rootText1">
+            <dgm:layoutNode name="topArc1" styleLbl="parChTrans1D1" moveWith="rootText1">
+              <dgm:alg type="sp"/>
+              <dgm:shape xmlns:r="http://schemas.openxmlformats.org/officeDocument/2006/relationships" type="arc" r:blip="" zOrderOff="-2">
+                <dgm:adjLst>
+                  <dgm:adj idx="1" val="-140"/>
+                  <dgm:adj idx="2" val="-40"/>
+                </dgm:adjLst>
+              </dgm:shape>
+              <dgm:presOf/>
+            </dgm:layoutNode>
+            <dgm:layoutNode name="bottomArc1" styleLbl="parChTrans1D1" moveWith="rootText1">
+              <dgm:alg type="sp"/>
+              <dgm:shape xmlns:r="http://schemas.openxmlformats.org/officeDocument/2006/relationships" type="arc" r:blip="" zOrderOff="-2">
+                <dgm:adjLst>
+                  <dgm:adj idx="1" val="40"/>
+                  <dgm:adj idx="2" val="140"/>
+                </dgm:adjLst>
+              </dgm:shape>
+              <dgm:presOf/>
+            </dgm:layoutNode>
+            <dgm:layoutNode name="topConnNode1" moveWith="rootText1">
               <dgm:alg type="sp"/>
               <dgm:shape xmlns:r="http://schemas.openxmlformats.org/officeDocument/2006/relationships" type="rect" r:blip="" hideGeom="1">
                 <dgm:adjLst/>
               </dgm:shape>
               <dgm:presOf axis="self" ptType="node" cnt="1"/>
-              <dgm:constrLst/>
-              <dgm:ruleLst/>
             </dgm:layoutNode>
           </dgm:layoutNode>
           <dgm:layoutNode name="hierChild2">
-            <dgm:choose name="Name21">
-              <dgm:if name="Name22" func="var" arg="hierBranch" op="equ" val="l">
+            <dgm:choose name="Name16">
+              <dgm:if name="Name17" func="var" arg="hierBranch" op="equ" val="l">
                 <dgm:alg type="hierChild">
                   <dgm:param type="chAlign" val="r"/>
                   <dgm:param type="linDir" val="fromT"/>
                 </dgm:alg>
               </dgm:if>
-              <dgm:if name="Name23" func="var" arg="hierBranch" op="equ" val="r">
+              <dgm:if name="Name18" func="var" arg="hierBranch" op="equ" val="r">
                 <dgm:alg type="hierChild">
                   <dgm:param type="chAlign" val="l"/>
                   <dgm:param type="linDir" val="fromT"/>
                 </dgm:alg>
               </dgm:if>
-              <dgm:if name="Name24" func="var" arg="hierBranch" op="equ" val="hang">
-                <dgm:choose name="Name25">
-                  <dgm:if name="Name26" func="var" arg="dir" op="equ" val="norm">
+              <dgm:if name="Name19" func="var" arg="hierBranch" op="equ" val="hang">
+                <dgm:choose name="Name20">
+                  <dgm:if name="Name21" func="var" arg="dir" op="equ" val="norm">
                     <dgm:alg type="hierChild">
                       <dgm:param type="chAlign" val="l"/>
                       <dgm:param type="linDir" val="fromL"/>
@@ -10450,7 +11019,7 @@
                       <dgm:param type="secLinDir" val="fromT"/>
                     </dgm:alg>
                   </dgm:if>
-                  <dgm:else name="Name27">
+                  <dgm:else name="Name22">
                     <dgm:alg type="hierChild">
                       <dgm:param type="chAlign" val="l"/>
                       <dgm:param type="linDir" val="fromR"/>
@@ -10460,12 +11029,12 @@
                   </dgm:else>
                 </dgm:choose>
               </dgm:if>
-              <dgm:else name="Name28">
-                <dgm:choose name="Name29">
-                  <dgm:if name="Name30" func="var" arg="dir" op="equ" val="norm">
+              <dgm:else name="Name23">
+                <dgm:choose name="Name24">
+                  <dgm:if name="Name25" func="var" arg="dir" op="equ" val="norm">
                     <dgm:alg type="hierChild"/>
                   </dgm:if>
-                  <dgm:else name="Name31">
+                  <dgm:else name="Name26">
                     <dgm:alg type="hierChild">
                       <dgm:param type="linDir" val="fromR"/>
                     </dgm:alg>
@@ -10477,36 +11046,13 @@
               <dgm:adjLst/>
             </dgm:shape>
             <dgm:presOf/>
-            <dgm:constrLst/>
-            <dgm:ruleLst/>
             <dgm:forEach name="rep2a" axis="ch" ptType="nonAsst">
-              <dgm:forEach name="Name32" axis="precedSib" ptType="parTrans" st="-1" cnt="1">
-                <dgm:choose name="Name33">
-                  <dgm:if name="Name34" func="var" arg="hierBranch" op="equ" val="std">
-                    <dgm:layoutNode name="Name35">
-                      <dgm:alg type="conn">
-                        <dgm:param type="connRout" val="bend"/>
-                        <dgm:param type="dim" val="1D"/>
-                        <dgm:param type="endSty" val="noArr"/>
-                        <dgm:param type="begPts" val="bCtr"/>
-                        <dgm:param type="endPts" val="tCtr"/>
-                        <dgm:param type="bendPt" val="end"/>
-                      </dgm:alg>
-                      <dgm:shape xmlns:r="http://schemas.openxmlformats.org/officeDocument/2006/relationships" type="conn" r:blip="" zOrderOff="-99999">
-                        <dgm:adjLst/>
-                      </dgm:shape>
-                      <dgm:presOf axis="self"/>
-                      <dgm:constrLst>
-                        <dgm:constr type="begPad"/>
-                        <dgm:constr type="endPad"/>
-                      </dgm:constrLst>
-                      <dgm:ruleLst/>
-                    </dgm:layoutNode>
-                  </dgm:if>
-                  <dgm:if name="Name36" func="var" arg="hierBranch" op="equ" val="init">
-                    <dgm:layoutNode name="Name37">
-                      <dgm:choose name="Name38">
-                        <dgm:if name="Name39" axis="self" func="depth" op="lte" val="2">
+              <dgm:forEach name="Name27" axis="precedSib" ptType="parTrans" st="-1" cnt="1">
+                <dgm:layoutNode name="Name28">
+                  <dgm:choose name="Name29">
+                    <dgm:if name="Name30" func="var" arg="hierBranch" op="equ" val="std">
+                      <dgm:choose name="Name31">
+                        <dgm:if name="Name32" axis="self" func="depth" op="lte" val="2">
                           <dgm:alg type="conn">
                             <dgm:param type="connRout" val="bend"/>
                             <dgm:param type="dim" val="1D"/>
@@ -10514,34 +11060,41 @@
                             <dgm:param type="begPts" val="bCtr"/>
                             <dgm:param type="endPts" val="tCtr"/>
                             <dgm:param type="bendPt" val="end"/>
+                            <dgm:param type="srcNode" val="bottomArc1"/>
+                            <dgm:param type="dstNode" val="topArc2"/>
                           </dgm:alg>
                         </dgm:if>
-                        <dgm:else name="Name40">
-                          <dgm:choose name="Name41">
-                            <dgm:if name="Name42" axis="par des" func="maxDepth" op="lte" val="1">
-                              <dgm:choose name="Name43">
-                                <dgm:if name="Name44" axis="par ch" ptType="node asst" func="cnt" op="gte" val="1">
-                                  <dgm:alg type="conn">
-                                    <dgm:param type="connRout" val="bend"/>
-                                    <dgm:param type="dim" val="1D"/>
-                                    <dgm:param type="endSty" val="noArr"/>
-                                    <dgm:param type="begPts" val="bCtr"/>
-                                    <dgm:param type="endPts" val="midL midR"/>
-                                  </dgm:alg>
-                                </dgm:if>
-                                <dgm:else name="Name45">
-                                  <dgm:alg type="conn">
-                                    <dgm:param type="connRout" val="bend"/>
-                                    <dgm:param type="dim" val="1D"/>
-                                    <dgm:param type="endSty" val="noArr"/>
-                                    <dgm:param type="begPts" val="bCtr"/>
-                                    <dgm:param type="endPts" val="midL midR"/>
-                                    <dgm:param type="srcNode" val="rootConnector"/>
-                                  </dgm:alg>
-                                </dgm:else>
-                              </dgm:choose>
-                            </dgm:if>
-                            <dgm:else name="Name46">
+                        <dgm:if name="Name33" axis="par" ptType="asst" func="cnt" op="equ" val="1">
+                          <dgm:alg type="conn">
+                            <dgm:param type="connRout" val="bend"/>
+                            <dgm:param type="dim" val="1D"/>
+                            <dgm:param type="endSty" val="noArr"/>
+                            <dgm:param type="begPts" val="bCtr"/>
+                            <dgm:param type="endPts" val="tCtr"/>
+                            <dgm:param type="bendPt" val="end"/>
+                            <dgm:param type="srcNode" val="bottomArc3"/>
+                            <dgm:param type="dstNode" val="topArc2"/>
+                          </dgm:alg>
+                        </dgm:if>
+                        <dgm:else name="Name34">
+                          <dgm:alg type="conn">
+                            <dgm:param type="connRout" val="bend"/>
+                            <dgm:param type="dim" val="1D"/>
+                            <dgm:param type="endSty" val="noArr"/>
+                            <dgm:param type="begPts" val="bCtr"/>
+                            <dgm:param type="endPts" val="tCtr"/>
+                            <dgm:param type="bendPt" val="end"/>
+                            <dgm:param type="srcNode" val="bottomArc2"/>
+                            <dgm:param type="dstNode" val="topArc2"/>
+                          </dgm:alg>
+                        </dgm:else>
+                      </dgm:choose>
+                    </dgm:if>
+                    <dgm:if name="Name35" func="var" arg="hierBranch" op="equ" val="init">
+                      <dgm:choose name="Name36">
+                        <dgm:if name="Name37" axis="self" func="depth" op="lte" val="2">
+                          <dgm:choose name="Name38">
+                            <dgm:if name="Name39" axis="self" func="depth" op="lte" val="2">
                               <dgm:alg type="conn">
                                 <dgm:param type="connRout" val="bend"/>
                                 <dgm:param type="dim" val="1D"/>
@@ -10549,141 +11102,210 @@
                                 <dgm:param type="begPts" val="bCtr"/>
                                 <dgm:param type="endPts" val="tCtr"/>
                                 <dgm:param type="bendPt" val="end"/>
+                                <dgm:param type="srcNode" val="bottomArc1"/>
+                                <dgm:param type="dstNode" val="topArc2"/>
                               </dgm:alg>
-                            </dgm:else>
-                          </dgm:choose>
-                        </dgm:else>
-                      </dgm:choose>
-                      <dgm:shape xmlns:r="http://schemas.openxmlformats.org/officeDocument/2006/relationships" type="conn" r:blip="" zOrderOff="-99999">
-                        <dgm:adjLst/>
-                      </dgm:shape>
-                      <dgm:presOf axis="self"/>
-                      <dgm:constrLst>
-                        <dgm:constr type="begPad"/>
-                        <dgm:constr type="endPad"/>
-                      </dgm:constrLst>
-                      <dgm:ruleLst/>
-                    </dgm:layoutNode>
-                  </dgm:if>
-                  <dgm:if name="Name47" func="var" arg="hierBranch" op="equ" val="hang">
-                    <dgm:layoutNode name="Name48">
-                      <dgm:alg type="conn">
-                        <dgm:param type="connRout" val="bend"/>
-                        <dgm:param type="dim" val="1D"/>
-                        <dgm:param type="endSty" val="noArr"/>
-                        <dgm:param type="begPts" val="bCtr"/>
-                        <dgm:param type="endPts" val="midL midR"/>
-                      </dgm:alg>
-                      <dgm:shape xmlns:r="http://schemas.openxmlformats.org/officeDocument/2006/relationships" type="conn" r:blip="" zOrderOff="-99999">
-                        <dgm:adjLst/>
-                      </dgm:shape>
-                      <dgm:presOf axis="self"/>
-                      <dgm:constrLst>
-                        <dgm:constr type="begPad"/>
-                        <dgm:constr type="endPad"/>
-                      </dgm:constrLst>
-                      <dgm:ruleLst/>
-                    </dgm:layoutNode>
-                  </dgm:if>
-                  <dgm:else name="Name49">
-                    <dgm:layoutNode name="Name50">
-                      <dgm:choose name="Name51">
-                        <dgm:if name="Name52" axis="self" func="depth" op="lte" val="2">
-                          <dgm:choose name="Name53">
-                            <dgm:if name="Name54" axis="par ch" ptType="node asst" func="cnt" op="gte" val="1">
+                            </dgm:if>
+                            <dgm:if name="Name40" axis="par" ptType="asst" func="cnt" op="equ" val="1">
                               <dgm:alg type="conn">
                                 <dgm:param type="connRout" val="bend"/>
                                 <dgm:param type="dim" val="1D"/>
                                 <dgm:param type="endSty" val="noArr"/>
                                 <dgm:param type="begPts" val="bCtr"/>
-                                <dgm:param type="endPts" val="midL midR"/>
+                                <dgm:param type="endPts" val="tCtr"/>
+                                <dgm:param type="bendPt" val="end"/>
+                                <dgm:param type="srcNode" val="bottomArc3"/>
+                                <dgm:param type="dstNode" val="topArc2"/>
                               </dgm:alg>
                             </dgm:if>
-                            <dgm:else name="Name55">
+                            <dgm:else name="Name41">
                               <dgm:alg type="conn">
                                 <dgm:param type="connRout" val="bend"/>
                                 <dgm:param type="dim" val="1D"/>
                                 <dgm:param type="endSty" val="noArr"/>
                                 <dgm:param type="begPts" val="bCtr"/>
-                                <dgm:param type="endPts" val="midL midR"/>
-                                <dgm:param type="srcNode" val="rootConnector1"/>
+                                <dgm:param type="endPts" val="tCtr"/>
+                                <dgm:param type="bendPt" val="end"/>
+                                <dgm:param type="srcNode" val="bottomArc2"/>
+                                <dgm:param type="dstNode" val="topArc2"/>
                               </dgm:alg>
                             </dgm:else>
                           </dgm:choose>
                         </dgm:if>
-                        <dgm:else name="Name56">
-                          <dgm:choose name="Name57">
-                            <dgm:if name="Name58" axis="par ch" ptType="node asst" func="cnt" op="gte" val="1">
-                              <dgm:alg type="conn">
-                                <dgm:param type="connRout" val="bend"/>
-                                <dgm:param type="dim" val="1D"/>
-                                <dgm:param type="endSty" val="noArr"/>
-                                <dgm:param type="begPts" val="bCtr"/>
-                                <dgm:param type="endPts" val="midL midR"/>
-                              </dgm:alg>
+                        <dgm:else name="Name42">
+                          <dgm:choose name="Name43">
+                            <dgm:if name="Name44" axis="par des" func="maxDepth" op="lte" val="1">
+                              <dgm:choose name="Name45">
+                                <dgm:if name="Name46" axis="self" func="depth" op="lte" val="2">
+                                  <dgm:alg type="conn">
+                                    <dgm:param type="connRout" val="bend"/>
+                                    <dgm:param type="dim" val="1D"/>
+                                    <dgm:param type="endSty" val="noArr"/>
+                                    <dgm:param type="begPts" val="bCtr"/>
+                                    <dgm:param type="endPts" val="bL bR"/>
+                                    <dgm:param type="srcNode" val="bottomArc1"/>
+                                    <dgm:param type="dstNode" val="topConnNode2"/>
+                                  </dgm:alg>
+                                </dgm:if>
+                                <dgm:if name="Name47" axis="par" ptType="asst" func="cnt" op="equ" val="1">
+                                  <dgm:alg type="conn">
+                                    <dgm:param type="connRout" val="bend"/>
+                                    <dgm:param type="dim" val="1D"/>
+                                    <dgm:param type="endSty" val="noArr"/>
+                                    <dgm:param type="begPts" val="bCtr"/>
+                                    <dgm:param type="endPts" val="bL bR"/>
+                                    <dgm:param type="srcNode" val="bottomArc3"/>
+                                    <dgm:param type="dstNode" val="topConnNode2"/>
+                                  </dgm:alg>
+                                </dgm:if>
+                                <dgm:else name="Name48">
+                                  <dgm:alg type="conn">
+                                    <dgm:param type="connRout" val="bend"/>
+                                    <dgm:param type="dim" val="1D"/>
+                                    <dgm:param type="endSty" val="noArr"/>
+                                    <dgm:param type="begPts" val="bCtr"/>
+                                    <dgm:param type="endPts" val="bL bR"/>
+                                    <dgm:param type="srcNode" val="bottomArc2"/>
+                                    <dgm:param type="dstNode" val="topConnNode2"/>
+                                  </dgm:alg>
+                                </dgm:else>
+                              </dgm:choose>
                             </dgm:if>
-                            <dgm:else name="Name59">
-                              <dgm:alg type="conn">
-                                <dgm:param type="connRout" val="bend"/>
-                                <dgm:param type="dim" val="1D"/>
-                                <dgm:param type="endSty" val="noArr"/>
-                                <dgm:param type="begPts" val="bCtr"/>
-                                <dgm:param type="endPts" val="midL midR"/>
-                                <dgm:param type="srcNode" val="rootConnector"/>
-                              </dgm:alg>
+                            <dgm:else name="Name49">
+                              <dgm:choose name="Name50">
+                                <dgm:if name="Name51" axis="self" func="depth" op="lte" val="2">
+                                  <dgm:alg type="conn">
+                                    <dgm:param type="connRout" val="bend"/>
+                                    <dgm:param type="dim" val="1D"/>
+                                    <dgm:param type="endSty" val="noArr"/>
+                                    <dgm:param type="begPts" val="bCtr"/>
+                                    <dgm:param type="endPts" val="tCtr"/>
+                                    <dgm:param type="bendPt" val="end"/>
+                                    <dgm:param type="srcNode" val="bottomArc1"/>
+                                    <dgm:param type="dstNode" val="topArc2"/>
+                                  </dgm:alg>
+                                </dgm:if>
+                                <dgm:if name="Name52" axis="par" ptType="asst" func="cnt" op="equ" val="1">
+                                  <dgm:alg type="conn">
+                                    <dgm:param type="connRout" val="bend"/>
+                                    <dgm:param type="dim" val="1D"/>
+                                    <dgm:param type="endSty" val="noArr"/>
+                                    <dgm:param type="begPts" val="bCtr"/>
+                                    <dgm:param type="endPts" val="tCtr"/>
+                                    <dgm:param type="bendPt" val="end"/>
+                                    <dgm:param type="srcNode" val="bottomArc3"/>
+                                    <dgm:param type="dstNode" val="topArc2"/>
+                                  </dgm:alg>
+                                </dgm:if>
+                                <dgm:else name="Name53">
+                                  <dgm:alg type="conn">
+                                    <dgm:param type="connRout" val="bend"/>
+                                    <dgm:param type="dim" val="1D"/>
+                                    <dgm:param type="endSty" val="noArr"/>
+                                    <dgm:param type="begPts" val="bCtr"/>
+                                    <dgm:param type="endPts" val="tCtr"/>
+                                    <dgm:param type="bendPt" val="end"/>
+                                    <dgm:param type="srcNode" val="bottomArc2"/>
+                                    <dgm:param type="dstNode" val="topArc2"/>
+                                  </dgm:alg>
+                                </dgm:else>
+                              </dgm:choose>
                             </dgm:else>
                           </dgm:choose>
                         </dgm:else>
                       </dgm:choose>
-                      <dgm:shape xmlns:r="http://schemas.openxmlformats.org/officeDocument/2006/relationships" type="conn" r:blip="" zOrderOff="-99999">
-                        <dgm:adjLst/>
-                      </dgm:shape>
-                      <dgm:presOf axis="self"/>
-                      <dgm:constrLst>
-                        <dgm:constr type="begPad"/>
-                        <dgm:constr type="endPad"/>
-                      </dgm:constrLst>
-                      <dgm:ruleLst/>
-                    </dgm:layoutNode>
-                  </dgm:else>
-                </dgm:choose>
+                    </dgm:if>
+                    <dgm:else name="Name54">
+                      <dgm:choose name="Name55">
+                        <dgm:if name="Name56" axis="self" func="depth" op="lte" val="2">
+                          <dgm:alg type="conn">
+                            <dgm:param type="connRout" val="bend"/>
+                            <dgm:param type="dim" val="1D"/>
+                            <dgm:param type="endSty" val="noArr"/>
+                            <dgm:param type="begPts" val="bCtr"/>
+                            <dgm:param type="endPts" val="bL bR"/>
+                            <dgm:param type="srcNode" val="bottomArc1"/>
+                            <dgm:param type="dstNode" val="topConnNode2"/>
+                          </dgm:alg>
+                        </dgm:if>
+                        <dgm:if name="Name57" axis="par" ptType="asst" func="cnt" op="equ" val="1">
+                          <dgm:alg type="conn">
+                            <dgm:param type="connRout" val="bend"/>
+                            <dgm:param type="dim" val="1D"/>
+                            <dgm:param type="endSty" val="noArr"/>
+                            <dgm:param type="begPts" val="bCtr"/>
+                            <dgm:param type="endPts" val="bL bR"/>
+                            <dgm:param type="srcNode" val="bottomArc3"/>
+                            <dgm:param type="dstNode" val="topConnNode2"/>
+                          </dgm:alg>
+                        </dgm:if>
+                        <dgm:else name="Name58">
+                          <dgm:alg type="conn">
+                            <dgm:param type="connRout" val="bend"/>
+                            <dgm:param type="dim" val="1D"/>
+                            <dgm:param type="endSty" val="noArr"/>
+                            <dgm:param type="begPts" val="bCtr"/>
+                            <dgm:param type="endPts" val="bL bR"/>
+                            <dgm:param type="srcNode" val="bottomArc2"/>
+                            <dgm:param type="dstNode" val="topConnNode2"/>
+                          </dgm:alg>
+                        </dgm:else>
+                      </dgm:choose>
+                    </dgm:else>
+                  </dgm:choose>
+                  <dgm:shape xmlns:r="http://schemas.openxmlformats.org/officeDocument/2006/relationships" type="conn" r:blip="" zOrderOff="-99999">
+                    <dgm:adjLst/>
+                  </dgm:shape>
+                  <dgm:presOf axis="self"/>
+                  <dgm:constrLst>
+                    <dgm:constr type="begPad"/>
+                    <dgm:constr type="endPad"/>
+                  </dgm:constrLst>
+                </dgm:layoutNode>
               </dgm:forEach>
               <dgm:layoutNode name="hierRoot2">
                 <dgm:varLst>
                   <dgm:hierBranch val="init"/>
                 </dgm:varLst>
-                <dgm:choose name="Name60">
-                  <dgm:if name="Name61" func="var" arg="hierBranch" op="equ" val="l">
-                    <dgm:choose name="Name62">
-                      <dgm:if name="Name63" axis="ch" ptType="asst" func="cnt" op="gte" val="1">
-                        <dgm:alg type="hierRoot">
-                          <dgm:param type="hierAlign" val="tR"/>
-                        </dgm:alg>
-                        <dgm:shape xmlns:r="http://schemas.openxmlformats.org/officeDocument/2006/relationships" r:blip="">
-                          <dgm:adjLst/>
-                        </dgm:shape>
-                        <dgm:presOf/>
-                        <dgm:constrLst>
-                          <dgm:constr type="alignOff" val="0.65"/>
-                        </dgm:constrLst>
-                      </dgm:if>
-                      <dgm:else name="Name64">
-                        <dgm:alg type="hierRoot">
-                          <dgm:param type="hierAlign" val="tR"/>
-                        </dgm:alg>
-                        <dgm:shape xmlns:r="http://schemas.openxmlformats.org/officeDocument/2006/relationships" r:blip="">
-                          <dgm:adjLst/>
-                        </dgm:shape>
-                        <dgm:presOf/>
-                        <dgm:constrLst>
-                          <dgm:constr type="alignOff" val="0.25"/>
-                        </dgm:constrLst>
-                      </dgm:else>
-                    </dgm:choose>
+                <dgm:choose name="Name59">
+                  <dgm:if name="Name60" func="var" arg="hierBranch" op="equ" val="l">
+                    <dgm:alg type="hierRoot">
+                      <dgm:param type="hierAlign" val="tR"/>
+                    </dgm:alg>
+                    <dgm:shape xmlns:r="http://schemas.openxmlformats.org/officeDocument/2006/relationships" r:blip="">
+                      <dgm:adjLst/>
+                    </dgm:shape>
+                    <dgm:presOf/>
+                    <dgm:constrLst>
+                      <dgm:constr type="alignOff" val="0.65"/>
+                    </dgm:constrLst>
                   </dgm:if>
-                  <dgm:if name="Name65" func="var" arg="hierBranch" op="equ" val="r">
-                    <dgm:choose name="Name66">
-                      <dgm:if name="Name67" axis="ch" ptType="asst" func="cnt" op="gte" val="1">
+                  <dgm:if name="Name61" func="var" arg="hierBranch" op="equ" val="r">
+                    <dgm:alg type="hierRoot">
+                      <dgm:param type="hierAlign" val="tL"/>
+                    </dgm:alg>
+                    <dgm:shape xmlns:r="http://schemas.openxmlformats.org/officeDocument/2006/relationships" r:blip="">
+                      <dgm:adjLst/>
+                    </dgm:shape>
+                    <dgm:presOf/>
+                    <dgm:constrLst>
+                      <dgm:constr type="alignOff" val="0.65"/>
+                    </dgm:constrLst>
+                  </dgm:if>
+                  <dgm:if name="Name62" func="var" arg="hierBranch" op="equ" val="std">
+                    <dgm:alg type="hierRoot"/>
+                    <dgm:shape xmlns:r="http://schemas.openxmlformats.org/officeDocument/2006/relationships" r:blip="">
+                      <dgm:adjLst/>
+                    </dgm:shape>
+                    <dgm:presOf/>
+                    <dgm:constrLst>
+                      <dgm:constr type="alignOff"/>
+                      <dgm:constr type="bendDist" for="des" ptType="parTrans" refType="sp" fact="0.5"/>
+                    </dgm:constrLst>
+                  </dgm:if>
+                  <dgm:if name="Name63" func="var" arg="hierBranch" op="equ" val="init">
+                    <dgm:choose name="Name64">
+                      <dgm:if name="Name65" axis="des" func="maxDepth" op="lte" val="1">
                         <dgm:alg type="hierRoot">
                           <dgm:param type="hierAlign" val="tL"/>
                         </dgm:alg>
@@ -10695,62 +11317,7 @@
                           <dgm:constr type="alignOff" val="0.65"/>
                         </dgm:constrLst>
                       </dgm:if>
-                      <dgm:else name="Name68">
-                        <dgm:alg type="hierRoot">
-                          <dgm:param type="hierAlign" val="tL"/>
-                        </dgm:alg>
-                        <dgm:shape xmlns:r="http://schemas.openxmlformats.org/officeDocument/2006/relationships" r:blip="">
-                          <dgm:adjLst/>
-                        </dgm:shape>
-                        <dgm:presOf/>
-                        <dgm:constrLst>
-                          <dgm:constr type="alignOff" val="0.25"/>
-                        </dgm:constrLst>
-                      </dgm:else>
-                    </dgm:choose>
-                  </dgm:if>
-                  <dgm:if name="Name69" func="var" arg="hierBranch" op="equ" val="std">
-                    <dgm:alg type="hierRoot"/>
-                    <dgm:shape xmlns:r="http://schemas.openxmlformats.org/officeDocument/2006/relationships" r:blip="">
-                      <dgm:adjLst/>
-                    </dgm:shape>
-                    <dgm:presOf/>
-                    <dgm:constrLst>
-                      <dgm:constr type="alignOff"/>
-                      <dgm:constr type="bendDist" for="des" ptType="parTrans" refType="sp" fact="0.5"/>
-                    </dgm:constrLst>
-                  </dgm:if>
-                  <dgm:if name="Name70" func="var" arg="hierBranch" op="equ" val="init">
-                    <dgm:choose name="Name71">
-                      <dgm:if name="Name72" axis="des" func="maxDepth" op="lte" val="1">
-                        <dgm:choose name="Name73">
-                          <dgm:if name="Name74" axis="ch" ptType="asst" func="cnt" op="gte" val="1">
-                            <dgm:alg type="hierRoot">
-                              <dgm:param type="hierAlign" val="tL"/>
-                            </dgm:alg>
-                            <dgm:shape xmlns:r="http://schemas.openxmlformats.org/officeDocument/2006/relationships" r:blip="">
-                              <dgm:adjLst/>
-                            </dgm:shape>
-                            <dgm:presOf/>
-                            <dgm:constrLst>
-                              <dgm:constr type="alignOff" val="0.65"/>
-                            </dgm:constrLst>
-                          </dgm:if>
-                          <dgm:else name="Name75">
-                            <dgm:alg type="hierRoot">
-                              <dgm:param type="hierAlign" val="tL"/>
-                            </dgm:alg>
-                            <dgm:shape xmlns:r="http://schemas.openxmlformats.org/officeDocument/2006/relationships" r:blip="">
-                              <dgm:adjLst/>
-                            </dgm:shape>
-                            <dgm:presOf/>
-                            <dgm:constrLst>
-                              <dgm:constr type="alignOff" val="0.25"/>
-                            </dgm:constrLst>
-                          </dgm:else>
-                        </dgm:choose>
-                      </dgm:if>
-                      <dgm:else name="Name76">
+                      <dgm:else name="Name66">
                         <dgm:alg type="hierRoot"/>
                         <dgm:shape xmlns:r="http://schemas.openxmlformats.org/officeDocument/2006/relationships" r:blip="">
                           <dgm:adjLst/>
@@ -10763,7 +11330,7 @@
                       </dgm:else>
                     </dgm:choose>
                   </dgm:if>
-                  <dgm:else name="Name77">
+                  <dgm:else name="Name67">
                     <dgm:alg type="hierRoot"/>
                     <dgm:shape xmlns:r="http://schemas.openxmlformats.org/officeDocument/2006/relationships" r:blip="">
                       <dgm:adjLst/>
@@ -10774,70 +11341,100 @@
                     </dgm:constrLst>
                   </dgm:else>
                 </dgm:choose>
-                <dgm:ruleLst/>
-                <dgm:layoutNode name="rootComposite">
+                <dgm:layoutNode name="rootComposite2">
                   <dgm:alg type="composite"/>
                   <dgm:shape xmlns:r="http://schemas.openxmlformats.org/officeDocument/2006/relationships" r:blip="">
                     <dgm:adjLst/>
                   </dgm:shape>
                   <dgm:presOf axis="self" ptType="node" cnt="1"/>
-                  <dgm:choose name="Name78">
-                    <dgm:if name="Name79" func="var" arg="hierBranch" op="equ" val="init">
+                  <dgm:choose name="Name68">
+                    <dgm:if name="Name69" func="var" arg="hierBranch" op="equ" val="init">
                       <dgm:constrLst>
-                        <dgm:constr type="l" for="ch" forName="rootText"/>
-                        <dgm:constr type="t" for="ch" forName="rootText"/>
-                        <dgm:constr type="w" for="ch" forName="rootText" refType="w"/>
-                        <dgm:constr type="h" for="ch" forName="rootText" refType="h"/>
-                        <dgm:constr type="l" for="ch" forName="rootConnector"/>
-                        <dgm:constr type="t" for="ch" forName="rootConnector"/>
-                        <dgm:constr type="w" for="ch" forName="rootConnector" refType="w" refFor="ch" refForName="rootText" fact="0.2"/>
-                        <dgm:constr type="h" for="ch" forName="rootConnector" refType="h" refFor="ch" refForName="rootText"/>
+                        <dgm:constr type="l" for="ch" forName="rootText2"/>
+                        <dgm:constr type="t" for="ch" forName="rootText2" refType="h" fact="0.18"/>
+                        <dgm:constr type="w" for="ch" forName="rootText2" refType="w"/>
+                        <dgm:constr type="h" for="ch" forName="rootText2" refType="h" fact="0.64"/>
+                        <dgm:constr type="l" for="ch" forName="topArc2" refType="w" fact="0.25"/>
+                        <dgm:constr type="t" for="ch" forName="topArc2"/>
+                        <dgm:constr type="w" for="ch" forName="topArc2" refType="h" refFor="ch" refForName="topArc2"/>
+                        <dgm:constr type="h" for="ch" forName="topArc2" refType="h"/>
+                        <dgm:constr type="l" for="ch" forName="bottomArc2" refType="w" fact="0.25"/>
+                        <dgm:constr type="t" for="ch" forName="bottomArc2"/>
+                        <dgm:constr type="w" for="ch" forName="bottomArc2" refType="h" refFor="ch" refForName="bottomArc2"/>
+                        <dgm:constr type="h" for="ch" forName="bottomArc2" refType="h"/>
+                        <dgm:constr type="ctrX" for="ch" forName="topConnNode2" refType="w" fact="0.5"/>
+                        <dgm:constr type="t" for="ch" forName="topConnNode2"/>
+                        <dgm:constr type="w" for="ch" forName="topConnNode2" refType="h" fact="0.76"/>
+                        <dgm:constr type="b" for="ch" forName="topConnNode2" refType="t" refFor="ch" refForName="rootText2"/>
                       </dgm:constrLst>
                     </dgm:if>
-                    <dgm:if name="Name80" func="var" arg="hierBranch" op="equ" val="l">
+                    <dgm:if name="Name70" func="var" arg="hierBranch" op="equ" val="l">
                       <dgm:constrLst>
-                        <dgm:constr type="l" for="ch" forName="rootText"/>
-                        <dgm:constr type="t" for="ch" forName="rootText"/>
-                        <dgm:constr type="w" for="ch" forName="rootText" refType="w"/>
-                        <dgm:constr type="h" for="ch" forName="rootText" refType="h"/>
-                        <dgm:constr type="r" for="ch" forName="rootConnector" refType="w"/>
-                        <dgm:constr type="t" for="ch" forName="rootConnector"/>
-                        <dgm:constr type="w" for="ch" forName="rootConnector" refType="w" refFor="ch" refForName="rootText" fact="0.2"/>
-                        <dgm:constr type="h" for="ch" forName="rootConnector" refType="h" refFor="ch" refForName="rootText"/>
+                        <dgm:constr type="l" for="ch" forName="rootText2"/>
+                        <dgm:constr type="t" for="ch" forName="rootText2" refType="h" fact="0.18"/>
+                        <dgm:constr type="w" for="ch" forName="rootText2" refType="w"/>
+                        <dgm:constr type="h" for="ch" forName="rootText2" refType="h" fact="0.64"/>
+                        <dgm:constr type="l" for="ch" forName="topArc2" refType="w" fact="0.25"/>
+                        <dgm:constr type="t" for="ch" forName="topArc2"/>
+                        <dgm:constr type="w" for="ch" forName="topArc2" refType="h" refFor="ch" refForName="topArc2"/>
+                        <dgm:constr type="h" for="ch" forName="topArc2" refType="h"/>
+                        <dgm:constr type="l" for="ch" forName="bottomArc2" refType="w" fact="0.25"/>
+                        <dgm:constr type="t" for="ch" forName="bottomArc2"/>
+                        <dgm:constr type="w" for="ch" forName="bottomArc2" refType="h" refFor="ch" refForName="bottomArc2"/>
+                        <dgm:constr type="h" for="ch" forName="bottomArc2" refType="h"/>
+                        <dgm:constr type="ctrX" for="ch" forName="topConnNode2" refType="w" fact="0.5"/>
+                        <dgm:constr type="t" for="ch" forName="topConnNode2"/>
+                        <dgm:constr type="w" for="ch" forName="topConnNode2" refType="h" fact="0.76"/>
+                        <dgm:constr type="b" for="ch" forName="topConnNode2" refType="t" refFor="ch" refForName="rootText2"/>
                       </dgm:constrLst>
                     </dgm:if>
-                    <dgm:if name="Name81" func="var" arg="hierBranch" op="equ" val="r">
+                    <dgm:if name="Name71" func="var" arg="hierBranch" op="equ" val="r">
                       <dgm:constrLst>
-                        <dgm:constr type="l" for="ch" forName="rootText"/>
-                        <dgm:constr type="t" for="ch" forName="rootText"/>
-                        <dgm:constr type="w" for="ch" forName="rootText" refType="w"/>
-                        <dgm:constr type="h" for="ch" forName="rootText" refType="h"/>
-                        <dgm:constr type="l" for="ch" forName="rootConnector"/>
-                        <dgm:constr type="t" for="ch" forName="rootConnector"/>
-                        <dgm:constr type="w" for="ch" forName="rootConnector" refType="w" refFor="ch" refForName="rootText" fact="0.2"/>
-                        <dgm:constr type="h" for="ch" forName="rootConnector" refType="h" refFor="ch" refForName="rootText"/>
+                        <dgm:constr type="l" for="ch" forName="rootText2"/>
+                        <dgm:constr type="t" for="ch" forName="rootText2" refType="h" fact="0.18"/>
+                        <dgm:constr type="w" for="ch" forName="rootText2" refType="w"/>
+                        <dgm:constr type="h" for="ch" forName="rootText2" refType="h" fact="0.64"/>
+                        <dgm:constr type="l" for="ch" forName="topArc2" refType="w" fact="0.25"/>
+                        <dgm:constr type="t" for="ch" forName="topArc2"/>
+                        <dgm:constr type="w" for="ch" forName="topArc2" refType="h" refFor="ch" refForName="topArc2"/>
+                        <dgm:constr type="h" for="ch" forName="topArc2" refType="h"/>
+                        <dgm:constr type="l" for="ch" forName="bottomArc2" refType="w" fact="0.25"/>
+                        <dgm:constr type="t" for="ch" forName="bottomArc2"/>
+                        <dgm:constr type="w" for="ch" forName="bottomArc2" refType="h" refFor="ch" refForName="bottomArc2"/>
+                        <dgm:constr type="h" for="ch" forName="bottomArc2" refType="h"/>
+                        <dgm:constr type="ctrX" for="ch" forName="topConnNode2" refType="w" fact="0.5"/>
+                        <dgm:constr type="t" for="ch" forName="topConnNode2"/>
+                        <dgm:constr type="w" for="ch" forName="topConnNode2" refType="h" fact="0.76"/>
+                        <dgm:constr type="b" for="ch" forName="topConnNode2" refType="t" refFor="ch" refForName="rootText2"/>
                       </dgm:constrLst>
                     </dgm:if>
-                    <dgm:else name="Name82">
+                    <dgm:else name="Name72">
                       <dgm:constrLst>
-                        <dgm:constr type="l" for="ch" forName="rootText"/>
-                        <dgm:constr type="t" for="ch" forName="rootText"/>
-                        <dgm:constr type="w" for="ch" forName="rootText" refType="w"/>
-                        <dgm:constr type="h" for="ch" forName="rootText" refType="h"/>
-                        <dgm:constr type="r" for="ch" forName="rootConnector" refType="w"/>
-                        <dgm:constr type="t" for="ch" forName="rootConnector"/>
-                        <dgm:constr type="w" for="ch" forName="rootConnector" refType="w" refFor="ch" refForName="rootText" fact="0.2"/>
-                        <dgm:constr type="h" for="ch" forName="rootConnector" refType="h" refFor="ch" refForName="rootText"/>
+                        <dgm:constr type="l" for="ch" forName="rootText2"/>
+                        <dgm:constr type="t" for="ch" forName="rootText2" refType="h" fact="0.18"/>
+                        <dgm:constr type="w" for="ch" forName="rootText2" refType="w"/>
+                        <dgm:constr type="h" for="ch" forName="rootText2" refType="h" fact="0.64"/>
+                        <dgm:constr type="l" for="ch" forName="topArc2" refType="w" fact="0.25"/>
+                        <dgm:constr type="t" for="ch" forName="topArc2"/>
+                        <dgm:constr type="w" for="ch" forName="topArc2" refType="h" refFor="ch" refForName="topArc2"/>
+                        <dgm:constr type="h" for="ch" forName="topArc2" refType="h"/>
+                        <dgm:constr type="l" for="ch" forName="bottomArc2" refType="w" fact="0.25"/>
+                        <dgm:constr type="t" for="ch" forName="bottomArc2"/>
+                        <dgm:constr type="w" for="ch" forName="bottomArc2" refType="h" refFor="ch" refForName="bottomArc2"/>
+                        <dgm:constr type="h" for="ch" forName="bottomArc2" refType="h"/>
+                        <dgm:constr type="ctrX" for="ch" forName="topConnNode2" refType="w" fact="0.5"/>
+                        <dgm:constr type="t" for="ch" forName="topConnNode2"/>
+                        <dgm:constr type="w" for="ch" forName="topConnNode2" refType="h" fact="0.76"/>
+                        <dgm:constr type="b" for="ch" forName="topConnNode2" refType="t" refFor="ch" refForName="rootText2"/>
                       </dgm:constrLst>
                     </dgm:else>
                   </dgm:choose>
-                  <dgm:ruleLst/>
-                  <dgm:layoutNode name="rootText">
+                  <dgm:layoutNode name="rootText2" styleLbl="alignAcc1">
                     <dgm:varLst>
                       <dgm:chPref val="3"/>
                     </dgm:varLst>
                     <dgm:alg type="tx"/>
-                    <dgm:shape xmlns:r="http://schemas.openxmlformats.org/officeDocument/2006/relationships" type="rect" r:blip="">
+                    <dgm:shape xmlns:r="http://schemas.openxmlformats.org/officeDocument/2006/relationships" type="rect" r:blip="" hideGeom="1">
                       <dgm:adjLst/>
                     </dgm:shape>
                     <dgm:presOf axis="self" ptType="node" cnt="1"/>
@@ -10852,33 +11449,51 @@
                       <dgm:rule type="primFontSz" val="5" fact="NaN" max="NaN"/>
                     </dgm:ruleLst>
                   </dgm:layoutNode>
-                  <dgm:layoutNode name="rootConnector" moveWith="rootText">
+                  <dgm:layoutNode name="topArc2" styleLbl="parChTrans1D1" moveWith="rootText2">
+                    <dgm:alg type="sp"/>
+                    <dgm:shape xmlns:r="http://schemas.openxmlformats.org/officeDocument/2006/relationships" type="arc" r:blip="" zOrderOff="-2">
+                      <dgm:adjLst>
+                        <dgm:adj idx="1" val="-140"/>
+                        <dgm:adj idx="2" val="-40"/>
+                      </dgm:adjLst>
+                    </dgm:shape>
+                    <dgm:presOf/>
+                  </dgm:layoutNode>
+                  <dgm:layoutNode name="bottomArc2" styleLbl="parChTrans1D1" moveWith="rootText2">
+                    <dgm:alg type="sp"/>
+                    <dgm:shape xmlns:r="http://schemas.openxmlformats.org/officeDocument/2006/relationships" type="arc" r:blip="" zOrderOff="-2">
+                      <dgm:adjLst>
+                        <dgm:adj idx="1" val="40"/>
+                        <dgm:adj idx="2" val="140"/>
+                      </dgm:adjLst>
+                    </dgm:shape>
+                    <dgm:presOf/>
+                  </dgm:layoutNode>
+                  <dgm:layoutNode name="topConnNode2" moveWith="rootText2">
                     <dgm:alg type="sp"/>
                     <dgm:shape xmlns:r="http://schemas.openxmlformats.org/officeDocument/2006/relationships" type="rect" r:blip="" hideGeom="1">
                       <dgm:adjLst/>
                     </dgm:shape>
                     <dgm:presOf axis="self" ptType="node" cnt="1"/>
-                    <dgm:constrLst/>
-                    <dgm:ruleLst/>
                   </dgm:layoutNode>
                 </dgm:layoutNode>
                 <dgm:layoutNode name="hierChild4">
-                  <dgm:choose name="Name83">
-                    <dgm:if name="Name84" func="var" arg="hierBranch" op="equ" val="l">
+                  <dgm:choose name="Name73">
+                    <dgm:if name="Name74" func="var" arg="hierBranch" op="equ" val="l">
                       <dgm:alg type="hierChild">
                         <dgm:param type="chAlign" val="r"/>
                         <dgm:param type="linDir" val="fromT"/>
                       </dgm:alg>
                     </dgm:if>
-                    <dgm:if name="Name85" func="var" arg="hierBranch" op="equ" val="r">
+                    <dgm:if name="Name75" func="var" arg="hierBranch" op="equ" val="r">
                       <dgm:alg type="hierChild">
                         <dgm:param type="chAlign" val="l"/>
                         <dgm:param type="linDir" val="fromT"/>
                       </dgm:alg>
                     </dgm:if>
-                    <dgm:if name="Name86" func="var" arg="hierBranch" op="equ" val="hang">
-                      <dgm:choose name="Name87">
-                        <dgm:if name="Name88" func="var" arg="dir" op="equ" val="norm">
+                    <dgm:if name="Name76" func="var" arg="hierBranch" op="equ" val="hang">
+                      <dgm:choose name="Name77">
+                        <dgm:if name="Name78" func="var" arg="dir" op="equ" val="norm">
                           <dgm:alg type="hierChild">
                             <dgm:param type="chAlign" val="l"/>
                             <dgm:param type="linDir" val="fromL"/>
@@ -10886,7 +11501,7 @@
                             <dgm:param type="secLinDir" val="fromT"/>
                           </dgm:alg>
                         </dgm:if>
-                        <dgm:else name="Name89">
+                        <dgm:else name="Name79">
                           <dgm:alg type="hierChild">
                             <dgm:param type="chAlign" val="l"/>
                             <dgm:param type="linDir" val="fromR"/>
@@ -10896,32 +11511,32 @@
                         </dgm:else>
                       </dgm:choose>
                     </dgm:if>
-                    <dgm:if name="Name90" func="var" arg="hierBranch" op="equ" val="std">
-                      <dgm:choose name="Name91">
-                        <dgm:if name="Name92" func="var" arg="dir" op="equ" val="norm">
+                    <dgm:if name="Name80" func="var" arg="hierBranch" op="equ" val="std">
+                      <dgm:choose name="Name81">
+                        <dgm:if name="Name82" func="var" arg="dir" op="equ" val="norm">
                           <dgm:alg type="hierChild"/>
                         </dgm:if>
-                        <dgm:else name="Name93">
+                        <dgm:else name="Name83">
                           <dgm:alg type="hierChild">
                             <dgm:param type="linDir" val="fromR"/>
                           </dgm:alg>
                         </dgm:else>
                       </dgm:choose>
                     </dgm:if>
-                    <dgm:if name="Name94" func="var" arg="hierBranch" op="equ" val="init">
-                      <dgm:choose name="Name95">
-                        <dgm:if name="Name96" axis="des" func="maxDepth" op="lte" val="1">
+                    <dgm:if name="Name84" func="var" arg="hierBranch" op="equ" val="init">
+                      <dgm:choose name="Name85">
+                        <dgm:if name="Name86" axis="des" func="maxDepth" op="lte" val="1">
                           <dgm:alg type="hierChild">
                             <dgm:param type="chAlign" val="l"/>
                             <dgm:param type="linDir" val="fromT"/>
                           </dgm:alg>
                         </dgm:if>
-                        <dgm:else name="Name97">
-                          <dgm:choose name="Name98">
-                            <dgm:if name="Name99" func="var" arg="dir" op="equ" val="norm">
+                        <dgm:else name="Name87">
+                          <dgm:choose name="Name88">
+                            <dgm:if name="Name89" func="var" arg="dir" op="equ" val="norm">
                               <dgm:alg type="hierChild"/>
                             </dgm:if>
-                            <dgm:else name="Name100">
+                            <dgm:else name="Name90">
                               <dgm:alg type="hierChild">
                                 <dgm:param type="linDir" val="fromR"/>
                               </dgm:alg>
@@ -10930,19 +11545,17 @@
                         </dgm:else>
                       </dgm:choose>
                     </dgm:if>
-                    <dgm:else name="Name101"/>
+                    <dgm:else name="Name91"/>
                   </dgm:choose>
                   <dgm:shape xmlns:r="http://schemas.openxmlformats.org/officeDocument/2006/relationships" r:blip="">
                     <dgm:adjLst/>
                   </dgm:shape>
                   <dgm:presOf/>
-                  <dgm:constrLst/>
-                  <dgm:ruleLst/>
-                  <dgm:forEach name="Name102" ref="rep2a"/>
+                  <dgm:forEach name="Name92" ref="rep2a"/>
                 </dgm:layoutNode>
                 <dgm:layoutNode name="hierChild5">
-                  <dgm:choose name="Name103">
-                    <dgm:if name="Name104" func="var" arg="dir" op="equ" val="norm">
+                  <dgm:choose name="Name93">
+                    <dgm:if name="Name94" func="var" arg="dir" op="equ" val="norm">
                       <dgm:alg type="hierChild">
                         <dgm:param type="chAlign" val="l"/>
                         <dgm:param type="linDir" val="fromL"/>
@@ -10950,7 +11563,7 @@
                         <dgm:param type="secLinDir" val="fromT"/>
                       </dgm:alg>
                     </dgm:if>
-                    <dgm:else name="Name105">
+                    <dgm:else name="Name95">
                       <dgm:alg type="hierChild">
                         <dgm:param type="chAlign" val="l"/>
                         <dgm:param type="linDir" val="fromR"/>
@@ -10963,16 +11576,14 @@
                     <dgm:adjLst/>
                   </dgm:shape>
                   <dgm:presOf/>
-                  <dgm:constrLst/>
-                  <dgm:ruleLst/>
-                  <dgm:forEach name="Name106" ref="rep2b"/>
+                  <dgm:forEach name="Name96" ref="rep2b"/>
                 </dgm:layoutNode>
               </dgm:layoutNode>
             </dgm:forEach>
           </dgm:layoutNode>
           <dgm:layoutNode name="hierChild3">
-            <dgm:choose name="Name107">
-              <dgm:if name="Name108" func="var" arg="dir" op="equ" val="norm">
+            <dgm:choose name="Name97">
+              <dgm:if name="Name98" func="var" arg="dir" op="equ" val="norm">
                 <dgm:alg type="hierChild">
                   <dgm:param type="chAlign" val="l"/>
                   <dgm:param type="linDir" val="fromL"/>
@@ -10980,7 +11591,7 @@
                   <dgm:param type="secLinDir" val="fromT"/>
                 </dgm:alg>
               </dgm:if>
-              <dgm:else name="Name109">
+              <dgm:else name="Name99">
                 <dgm:alg type="hierChild">
                   <dgm:param type="chAlign" val="l"/>
                   <dgm:param type="linDir" val="fromR"/>
@@ -10993,18 +11604,44 @@
               <dgm:adjLst/>
             </dgm:shape>
             <dgm:presOf/>
-            <dgm:constrLst/>
-            <dgm:ruleLst/>
             <dgm:forEach name="rep2b" axis="ch" ptType="asst">
-              <dgm:forEach name="Name110" axis="precedSib" ptType="parTrans" st="-1" cnt="1">
-                <dgm:layoutNode name="Name111">
-                  <dgm:alg type="conn">
-                    <dgm:param type="connRout" val="bend"/>
-                    <dgm:param type="dim" val="1D"/>
-                    <dgm:param type="endSty" val="noArr"/>
-                    <dgm:param type="begPts" val="bCtr"/>
-                    <dgm:param type="endPts" val="midL midR"/>
-                  </dgm:alg>
+              <dgm:forEach name="Name100" axis="precedSib" ptType="parTrans" st="-1" cnt="1">
+                <dgm:layoutNode name="Name101">
+                  <dgm:choose name="Name102">
+                    <dgm:if name="Name103" axis="self" func="depth" op="lte" val="2">
+                      <dgm:alg type="conn">
+                        <dgm:param type="connRout" val="bend"/>
+                        <dgm:param type="dim" val="1D"/>
+                        <dgm:param type="endSty" val="noArr"/>
+                        <dgm:param type="begPts" val="bCtr"/>
+                        <dgm:param type="endPts" val="bL bR"/>
+                        <dgm:param type="srcNode" val="bottomArc1"/>
+                        <dgm:param type="dstNode" val="topConnNode3"/>
+                      </dgm:alg>
+                    </dgm:if>
+                    <dgm:if name="Name104" axis="par" ptType="asst" func="cnt" op="equ" val="1">
+                      <dgm:alg type="conn">
+                        <dgm:param type="connRout" val="bend"/>
+                        <dgm:param type="dim" val="1D"/>
+                        <dgm:param type="endSty" val="noArr"/>
+                        <dgm:param type="begPts" val="bCtr"/>
+                        <dgm:param type="endPts" val="bL bR"/>
+                        <dgm:param type="srcNode" val="bottomArc3"/>
+                        <dgm:param type="dstNode" val="topConnNode3"/>
+                      </dgm:alg>
+                    </dgm:if>
+                    <dgm:else name="Name105">
+                      <dgm:alg type="conn">
+                        <dgm:param type="connRout" val="bend"/>
+                        <dgm:param type="dim" val="1D"/>
+                        <dgm:param type="endSty" val="noArr"/>
+                        <dgm:param type="begPts" val="bCtr"/>
+                        <dgm:param type="endPts" val="bL bR"/>
+                        <dgm:param type="srcNode" val="bottomArc2"/>
+                        <dgm:param type="dstNode" val="topConnNode3"/>
+                      </dgm:alg>
+                    </dgm:else>
+                  </dgm:choose>
                   <dgm:shape xmlns:r="http://schemas.openxmlformats.org/officeDocument/2006/relationships" type="conn" r:blip="" zOrderOff="-99999">
                     <dgm:adjLst/>
                   </dgm:shape>
@@ -11013,15 +11650,14 @@
                     <dgm:constr type="begPad"/>
                     <dgm:constr type="endPad"/>
                   </dgm:constrLst>
-                  <dgm:ruleLst/>
                 </dgm:layoutNode>
               </dgm:forEach>
               <dgm:layoutNode name="hierRoot3">
                 <dgm:varLst>
                   <dgm:hierBranch val="init"/>
                 </dgm:varLst>
-                <dgm:choose name="Name112">
-                  <dgm:if name="Name113" func="var" arg="hierBranch" op="equ" val="l">
+                <dgm:choose name="Name106">
+                  <dgm:if name="Name107" func="var" arg="hierBranch" op="equ" val="l">
                     <dgm:alg type="hierRoot">
                       <dgm:param type="hierAlign" val="tR"/>
                     </dgm:alg>
@@ -11033,7 +11669,7 @@
                       <dgm:constr type="alignOff" val="0.65"/>
                     </dgm:constrLst>
                   </dgm:if>
-                  <dgm:if name="Name114" func="var" arg="hierBranch" op="equ" val="r">
+                  <dgm:if name="Name108" func="var" arg="hierBranch" op="equ" val="r">
                     <dgm:alg type="hierRoot">
                       <dgm:param type="hierAlign" val="tL"/>
                     </dgm:alg>
@@ -11045,7 +11681,7 @@
                       <dgm:constr type="alignOff" val="0.65"/>
                     </dgm:constrLst>
                   </dgm:if>
-                  <dgm:if name="Name115" func="var" arg="hierBranch" op="equ" val="hang">
+                  <dgm:if name="Name109" func="var" arg="hierBranch" op="equ" val="hang">
                     <dgm:alg type="hierRoot"/>
                     <dgm:shape xmlns:r="http://schemas.openxmlformats.org/officeDocument/2006/relationships" r:blip="">
                       <dgm:adjLst/>
@@ -11055,7 +11691,7 @@
                       <dgm:constr type="alignOff" val="0.65"/>
                     </dgm:constrLst>
                   </dgm:if>
-                  <dgm:if name="Name116" func="var" arg="hierBranch" op="equ" val="std">
+                  <dgm:if name="Name110" func="var" arg="hierBranch" op="equ" val="std">
                     <dgm:alg type="hierRoot"/>
                     <dgm:shape xmlns:r="http://schemas.openxmlformats.org/officeDocument/2006/relationships" r:blip="">
                       <dgm:adjLst/>
@@ -11066,9 +11702,9 @@
                       <dgm:constr type="bendDist" for="des" ptType="parTrans" refType="sp" fact="0.5"/>
                     </dgm:constrLst>
                   </dgm:if>
-                  <dgm:if name="Name117" func="var" arg="hierBranch" op="equ" val="init">
-                    <dgm:choose name="Name118">
-                      <dgm:if name="Name119" axis="des" func="maxDepth" op="lte" val="1">
+                  <dgm:if name="Name111" func="var" arg="hierBranch" op="equ" val="init">
+                    <dgm:choose name="Name112">
+                      <dgm:if name="Name113" axis="des" func="maxDepth" op="lte" val="1">
                         <dgm:alg type="hierRoot">
                           <dgm:param type="hierAlign" val="tL"/>
                         </dgm:alg>
@@ -11080,7 +11716,7 @@
                           <dgm:constr type="alignOff" val="0.65"/>
                         </dgm:constrLst>
                       </dgm:if>
-                      <dgm:else name="Name120">
+                      <dgm:else name="Name114">
                         <dgm:alg type="hierRoot"/>
                         <dgm:shape xmlns:r="http://schemas.openxmlformats.org/officeDocument/2006/relationships" r:blip="">
                           <dgm:adjLst/>
@@ -11093,72 +11729,102 @@
                       </dgm:else>
                     </dgm:choose>
                   </dgm:if>
-                  <dgm:else name="Name121"/>
+                  <dgm:else name="Name115"/>
                 </dgm:choose>
-                <dgm:ruleLst/>
                 <dgm:layoutNode name="rootComposite3">
                   <dgm:alg type="composite"/>
                   <dgm:shape xmlns:r="http://schemas.openxmlformats.org/officeDocument/2006/relationships" r:blip="">
                     <dgm:adjLst/>
                   </dgm:shape>
                   <dgm:presOf axis="self" ptType="node" cnt="1"/>
-                  <dgm:choose name="Name122">
-                    <dgm:if name="Name123" func="var" arg="hierBranch" op="equ" val="init">
+                  <dgm:choose name="Name116">
+                    <dgm:if name="Name117" func="var" arg="hierBranch" op="equ" val="init">
                       <dgm:constrLst>
                         <dgm:constr type="l" for="ch" forName="rootText3"/>
-                        <dgm:constr type="t" for="ch" forName="rootText3"/>
+                        <dgm:constr type="t" for="ch" forName="rootText3" refType="h" fact="0.18"/>
                         <dgm:constr type="w" for="ch" forName="rootText3" refType="w"/>
-                        <dgm:constr type="h" for="ch" forName="rootText3" refType="h"/>
-                        <dgm:constr type="l" for="ch" forName="rootConnector3"/>
-                        <dgm:constr type="t" for="ch" forName="rootConnector3"/>
-                        <dgm:constr type="w" for="ch" forName="rootConnector3" refType="w" refFor="ch" refForName="rootText3" fact="0.2"/>
-                        <dgm:constr type="h" for="ch" forName="rootConnector3" refType="h" refFor="ch" refForName="rootText3"/>
+                        <dgm:constr type="h" for="ch" forName="rootText3" refType="h" fact="0.64"/>
+                        <dgm:constr type="l" for="ch" forName="topArc3" refType="w" fact="0.25"/>
+                        <dgm:constr type="t" for="ch" forName="topArc3"/>
+                        <dgm:constr type="w" for="ch" forName="topArc3" refType="h" refFor="ch" refForName="topArc3"/>
+                        <dgm:constr type="h" for="ch" forName="topArc3" refType="h"/>
+                        <dgm:constr type="l" for="ch" forName="bottomArc3" refType="w" fact="0.25"/>
+                        <dgm:constr type="t" for="ch" forName="bottomArc3"/>
+                        <dgm:constr type="w" for="ch" forName="bottomArc3" refType="h" refFor="ch" refForName="bottomArc3"/>
+                        <dgm:constr type="h" for="ch" forName="bottomArc3" refType="h"/>
+                        <dgm:constr type="ctrX" for="ch" forName="topConnNode3" refType="w" fact="0.5"/>
+                        <dgm:constr type="t" for="ch" forName="topConnNode3"/>
+                        <dgm:constr type="w" for="ch" forName="topConnNode3" refType="h" fact="0.76"/>
+                        <dgm:constr type="b" for="ch" forName="topConnNode3" refType="t" refFor="ch" refForName="rootText3"/>
                       </dgm:constrLst>
                     </dgm:if>
-                    <dgm:if name="Name124" func="var" arg="hierBranch" op="equ" val="l">
+                    <dgm:if name="Name118" func="var" arg="hierBranch" op="equ" val="l">
                       <dgm:constrLst>
                         <dgm:constr type="l" for="ch" forName="rootText3"/>
-                        <dgm:constr type="t" for="ch" forName="rootText3"/>
+                        <dgm:constr type="t" for="ch" forName="rootText3" refType="h" fact="0.18"/>
                         <dgm:constr type="w" for="ch" forName="rootText3" refType="w"/>
-                        <dgm:constr type="h" for="ch" forName="rootText3" refType="h"/>
-                        <dgm:constr type="r" for="ch" forName="rootConnector3" refType="w"/>
-                        <dgm:constr type="t" for="ch" forName="rootConnector3"/>
-                        <dgm:constr type="w" for="ch" forName="rootConnector3" refType="w" refFor="ch" refForName="rootText3" fact="0.2"/>
-                        <dgm:constr type="h" for="ch" forName="rootConnector3" refType="h" refFor="ch" refForName="rootText3"/>
+                        <dgm:constr type="h" for="ch" forName="rootText3" refType="h" fact="0.64"/>
+                        <dgm:constr type="l" for="ch" forName="topArc3" refType="w" fact="0.25"/>
+                        <dgm:constr type="t" for="ch" forName="topArc3"/>
+                        <dgm:constr type="w" for="ch" forName="topArc3" refType="h" refFor="ch" refForName="topArc3"/>
+                        <dgm:constr type="h" for="ch" forName="topArc3" refType="h"/>
+                        <dgm:constr type="l" for="ch" forName="bottomArc3" refType="w" fact="0.25"/>
+                        <dgm:constr type="t" for="ch" forName="bottomArc3"/>
+                        <dgm:constr type="w" for="ch" forName="bottomArc3" refType="h" refFor="ch" refForName="bottomArc3"/>
+                        <dgm:constr type="h" for="ch" forName="bottomArc3" refType="h"/>
+                        <dgm:constr type="ctrX" for="ch" forName="topConnNode3" refType="w" fact="0.5"/>
+                        <dgm:constr type="t" for="ch" forName="topConnNode3"/>
+                        <dgm:constr type="w" for="ch" forName="topConnNode3" refType="h" fact="0.76"/>
+                        <dgm:constr type="b" for="ch" forName="topConnNode3" refType="t" refFor="ch" refForName="rootText3"/>
                       </dgm:constrLst>
                     </dgm:if>
-                    <dgm:if name="Name125" func="var" arg="hierBranch" op="equ" val="r">
+                    <dgm:if name="Name119" func="var" arg="hierBranch" op="equ" val="r">
                       <dgm:constrLst>
                         <dgm:constr type="l" for="ch" forName="rootText3"/>
-                        <dgm:constr type="t" for="ch" forName="rootText3"/>
+                        <dgm:constr type="t" for="ch" forName="rootText3" refType="h" fact="0.18"/>
                         <dgm:constr type="w" for="ch" forName="rootText3" refType="w"/>
-                        <dgm:constr type="h" for="ch" forName="rootText3" refType="h"/>
-                        <dgm:constr type="l" for="ch" forName="rootConnector3"/>
-                        <dgm:constr type="t" for="ch" forName="rootConnector3"/>
-                        <dgm:constr type="w" for="ch" forName="rootConnector3" refType="w" refFor="ch" refForName="rootText3" fact="0.2"/>
-                        <dgm:constr type="h" for="ch" forName="rootConnector3" refType="h" refFor="ch" refForName="rootText3"/>
+                        <dgm:constr type="h" for="ch" forName="rootText3" refType="h" fact="0.64"/>
+                        <dgm:constr type="l" for="ch" forName="topArc3" refType="w" fact="0.25"/>
+                        <dgm:constr type="t" for="ch" forName="topArc3"/>
+                        <dgm:constr type="w" for="ch" forName="topArc3" refType="h" refFor="ch" refForName="topArc3"/>
+                        <dgm:constr type="h" for="ch" forName="topArc3" refType="h"/>
+                        <dgm:constr type="l" for="ch" forName="bottomArc3" refType="w" fact="0.25"/>
+                        <dgm:constr type="t" for="ch" forName="bottomArc3"/>
+                        <dgm:constr type="w" for="ch" forName="bottomArc3" refType="h" refFor="ch" refForName="bottomArc3"/>
+                        <dgm:constr type="h" for="ch" forName="bottomArc3" refType="h"/>
+                        <dgm:constr type="ctrX" for="ch" forName="topConnNode3" refType="w" fact="0.5"/>
+                        <dgm:constr type="t" for="ch" forName="topConnNode3"/>
+                        <dgm:constr type="w" for="ch" forName="topConnNode3" refType="h" fact="0.76"/>
+                        <dgm:constr type="b" for="ch" forName="topConnNode3" refType="t" refFor="ch" refForName="rootText3"/>
                       </dgm:constrLst>
                     </dgm:if>
-                    <dgm:else name="Name126">
+                    <dgm:else name="Name120">
                       <dgm:constrLst>
                         <dgm:constr type="l" for="ch" forName="rootText3"/>
-                        <dgm:constr type="t" for="ch" forName="rootText3"/>
+                        <dgm:constr type="t" for="ch" forName="rootText3" refType="h" fact="0.18"/>
                         <dgm:constr type="w" for="ch" forName="rootText3" refType="w"/>
-                        <dgm:constr type="h" for="ch" forName="rootText3" refType="h"/>
-                        <dgm:constr type="r" for="ch" forName="rootConnector3" refType="w"/>
-                        <dgm:constr type="t" for="ch" forName="rootConnector3"/>
-                        <dgm:constr type="w" for="ch" forName="rootConnector3" refType="w" refFor="ch" refForName="rootText3" fact="0.2"/>
-                        <dgm:constr type="h" for="ch" forName="rootConnector3" refType="h" refFor="ch" refForName="rootText3"/>
+                        <dgm:constr type="h" for="ch" forName="rootText3" refType="h" fact="0.64"/>
+                        <dgm:constr type="l" for="ch" forName="topArc3" refType="w" fact="0.25"/>
+                        <dgm:constr type="t" for="ch" forName="topArc3"/>
+                        <dgm:constr type="w" for="ch" forName="topArc3" refType="h" refFor="ch" refForName="topArc3"/>
+                        <dgm:constr type="h" for="ch" forName="topArc3" refType="h"/>
+                        <dgm:constr type="l" for="ch" forName="bottomArc3" refType="w" fact="0.25"/>
+                        <dgm:constr type="t" for="ch" forName="bottomArc3"/>
+                        <dgm:constr type="w" for="ch" forName="bottomArc3" refType="h" refFor="ch" refForName="bottomArc3"/>
+                        <dgm:constr type="h" for="ch" forName="bottomArc3" refType="h"/>
+                        <dgm:constr type="ctrX" for="ch" forName="topConnNode3" refType="w" fact="0.5"/>
+                        <dgm:constr type="t" for="ch" forName="topConnNode3"/>
+                        <dgm:constr type="w" for="ch" forName="topConnNode3" refType="h" fact="0.76"/>
+                        <dgm:constr type="b" for="ch" forName="topConnNode3" refType="t" refFor="ch" refForName="rootText3"/>
                       </dgm:constrLst>
                     </dgm:else>
                   </dgm:choose>
-                  <dgm:ruleLst/>
-                  <dgm:layoutNode name="rootText3">
+                  <dgm:layoutNode name="rootText3" styleLbl="alignAcc1">
                     <dgm:varLst>
                       <dgm:chPref val="3"/>
                     </dgm:varLst>
                     <dgm:alg type="tx"/>
-                    <dgm:shape xmlns:r="http://schemas.openxmlformats.org/officeDocument/2006/relationships" type="rect" r:blip="">
+                    <dgm:shape xmlns:r="http://schemas.openxmlformats.org/officeDocument/2006/relationships" type="rect" r:blip="" hideGeom="1">
                       <dgm:adjLst/>
                     </dgm:shape>
                     <dgm:presOf axis="self" ptType="node" cnt="1"/>
@@ -11173,33 +11839,51 @@
                       <dgm:rule type="primFontSz" val="5" fact="NaN" max="NaN"/>
                     </dgm:ruleLst>
                   </dgm:layoutNode>
-                  <dgm:layoutNode name="rootConnector3" moveWith="rootText1">
+                  <dgm:layoutNode name="topArc3" styleLbl="parChTrans1D1" moveWith="rootText3">
+                    <dgm:alg type="sp"/>
+                    <dgm:shape xmlns:r="http://schemas.openxmlformats.org/officeDocument/2006/relationships" type="arc" r:blip="" zOrderOff="-2">
+                      <dgm:adjLst>
+                        <dgm:adj idx="1" val="-140"/>
+                        <dgm:adj idx="2" val="-40"/>
+                      </dgm:adjLst>
+                    </dgm:shape>
+                    <dgm:presOf/>
+                  </dgm:layoutNode>
+                  <dgm:layoutNode name="bottomArc3" styleLbl="parChTrans1D1" moveWith="rootText3">
+                    <dgm:alg type="sp"/>
+                    <dgm:shape xmlns:r="http://schemas.openxmlformats.org/officeDocument/2006/relationships" type="arc" r:blip="" zOrderOff="-2">
+                      <dgm:adjLst>
+                        <dgm:adj idx="1" val="40"/>
+                        <dgm:adj idx="2" val="140"/>
+                      </dgm:adjLst>
+                    </dgm:shape>
+                    <dgm:presOf/>
+                  </dgm:layoutNode>
+                  <dgm:layoutNode name="topConnNode3" moveWith="rootText3">
                     <dgm:alg type="sp"/>
                     <dgm:shape xmlns:r="http://schemas.openxmlformats.org/officeDocument/2006/relationships" type="rect" r:blip="" hideGeom="1">
                       <dgm:adjLst/>
                     </dgm:shape>
                     <dgm:presOf axis="self" ptType="node" cnt="1"/>
-                    <dgm:constrLst/>
-                    <dgm:ruleLst/>
                   </dgm:layoutNode>
                 </dgm:layoutNode>
                 <dgm:layoutNode name="hierChild6">
-                  <dgm:choose name="Name127">
-                    <dgm:if name="Name128" func="var" arg="hierBranch" op="equ" val="l">
+                  <dgm:choose name="Name121">
+                    <dgm:if name="Name122" func="var" arg="hierBranch" op="equ" val="l">
                       <dgm:alg type="hierChild">
                         <dgm:param type="chAlign" val="r"/>
                         <dgm:param type="linDir" val="fromT"/>
                       </dgm:alg>
                     </dgm:if>
-                    <dgm:if name="Name129" func="var" arg="hierBranch" op="equ" val="r">
+                    <dgm:if name="Name123" func="var" arg="hierBranch" op="equ" val="r">
                       <dgm:alg type="hierChild">
                         <dgm:param type="chAlign" val="l"/>
                         <dgm:param type="linDir" val="fromT"/>
                       </dgm:alg>
                     </dgm:if>
-                    <dgm:if name="Name130" func="var" arg="hierBranch" op="equ" val="hang">
-                      <dgm:choose name="Name131">
-                        <dgm:if name="Name132" func="var" arg="dir" op="equ" val="norm">
+                    <dgm:if name="Name124" func="var" arg="hierBranch" op="equ" val="hang">
+                      <dgm:choose name="Name125">
+                        <dgm:if name="Name126" func="var" arg="dir" op="equ" val="norm">
                           <dgm:alg type="hierChild">
                             <dgm:param type="chAlign" val="l"/>
                             <dgm:param type="linDir" val="fromL"/>
@@ -11207,7 +11891,7 @@
                             <dgm:param type="secLinDir" val="fromT"/>
                           </dgm:alg>
                         </dgm:if>
-                        <dgm:else name="Name133">
+                        <dgm:else name="Name127">
                           <dgm:alg type="hierChild">
                             <dgm:param type="chAlign" val="l"/>
                             <dgm:param type="linDir" val="fromR"/>
@@ -11217,44 +11901,42 @@
                         </dgm:else>
                       </dgm:choose>
                     </dgm:if>
-                    <dgm:if name="Name134" func="var" arg="hierBranch" op="equ" val="std">
-                      <dgm:choose name="Name135">
-                        <dgm:if name="Name136" func="var" arg="dir" op="equ" val="norm">
+                    <dgm:if name="Name128" func="var" arg="hierBranch" op="equ" val="std">
+                      <dgm:choose name="Name129">
+                        <dgm:if name="Name130" func="var" arg="dir" op="equ" val="norm">
                           <dgm:alg type="hierChild"/>
                         </dgm:if>
-                        <dgm:else name="Name137">
+                        <dgm:else name="Name131">
                           <dgm:alg type="hierChild">
                             <dgm:param type="linDir" val="fromR"/>
                           </dgm:alg>
                         </dgm:else>
                       </dgm:choose>
                     </dgm:if>
-                    <dgm:if name="Name138" func="var" arg="hierBranch" op="equ" val="init">
-                      <dgm:choose name="Name139">
-                        <dgm:if name="Name140" axis="des" func="maxDepth" op="lte" val="1">
+                    <dgm:if name="Name132" func="var" arg="hierBranch" op="equ" val="init">
+                      <dgm:choose name="Name133">
+                        <dgm:if name="Name134" axis="des" func="maxDepth" op="lte" val="1">
                           <dgm:alg type="hierChild">
                             <dgm:param type="chAlign" val="l"/>
                             <dgm:param type="linDir" val="fromT"/>
                           </dgm:alg>
                         </dgm:if>
-                        <dgm:else name="Name141">
+                        <dgm:else name="Name135">
                           <dgm:alg type="hierChild"/>
                         </dgm:else>
                       </dgm:choose>
                     </dgm:if>
-                    <dgm:else name="Name142"/>
+                    <dgm:else name="Name136"/>
                   </dgm:choose>
                   <dgm:shape xmlns:r="http://schemas.openxmlformats.org/officeDocument/2006/relationships" r:blip="">
                     <dgm:adjLst/>
                   </dgm:shape>
                   <dgm:presOf/>
-                  <dgm:constrLst/>
-                  <dgm:ruleLst/>
-                  <dgm:forEach name="Name143" ref="rep2a"/>
+                  <dgm:forEach name="Name137" ref="rep2a"/>
                 </dgm:layoutNode>
                 <dgm:layoutNode name="hierChild7">
-                  <dgm:choose name="Name144">
-                    <dgm:if name="Name145" func="var" arg="dir" op="equ" val="norm">
+                  <dgm:choose name="Name138">
+                    <dgm:if name="Name139" func="var" arg="dir" op="equ" val="norm">
                       <dgm:alg type="hierChild">
                         <dgm:param type="chAlign" val="l"/>
                         <dgm:param type="linDir" val="fromL"/>
@@ -11262,7 +11944,7 @@
                         <dgm:param type="secLinDir" val="fromT"/>
                       </dgm:alg>
                     </dgm:if>
-                    <dgm:else name="Name146">
+                    <dgm:else name="Name140">
                       <dgm:alg type="hierChild">
                         <dgm:param type="chAlign" val="l"/>
                         <dgm:param type="linDir" val="fromR"/>
@@ -11275,9 +11957,7 @@
                     <dgm:adjLst/>
                   </dgm:shape>
                   <dgm:presOf/>
-                  <dgm:constrLst/>
-                  <dgm:ruleLst/>
-                  <dgm:forEach name="Name147" ref="rep2b"/>
+                  <dgm:forEach name="Name141" ref="rep2b"/>
                 </dgm:layoutNode>
               </dgm:layoutNode>
             </dgm:forEach>
@@ -15508,7 +16188,7 @@
             <a:fld id="{4A1895B8-E1A2-4704-82DC-A3E4A4BA5E58}" type="datetimeFigureOut">
               <a:rPr lang="fr-FR" smtClean="0"/>
               <a:pPr/>
-              <a:t>28/08/2018</a:t>
+              <a:t>24/09/2018</a:t>
             </a:fld>
             <a:endParaRPr lang="fr-FR" dirty="0"/>
           </a:p>
@@ -17398,7 +18078,7 @@
             <a:fld id="{412511F5-A7CD-4E3D-8750-396330382682}" type="datetime1">
               <a:rPr lang="fr-FR" smtClean="0"/>
               <a:pPr/>
-              <a:t>28/08/2018</a:t>
+              <a:t>24/09/2018</a:t>
             </a:fld>
             <a:endParaRPr lang="fr-FR" dirty="0"/>
           </a:p>
@@ -17608,7 +18288,7 @@
             <a:fld id="{46DB3615-7E93-4F8A-9216-D7810A89BE82}" type="datetime1">
               <a:rPr lang="fr-FR" smtClean="0"/>
               <a:pPr/>
-              <a:t>28/08/2018</a:t>
+              <a:t>24/09/2018</a:t>
             </a:fld>
             <a:endParaRPr lang="fr-FR" dirty="0"/>
           </a:p>
@@ -17866,7 +18546,7 @@
             <a:fld id="{D586A745-F771-4D48-AB1C-55613A28C5E9}" type="datetime1">
               <a:rPr lang="fr-FR" smtClean="0"/>
               <a:pPr/>
-              <a:t>28/08/2018</a:t>
+              <a:t>24/09/2018</a:t>
             </a:fld>
             <a:endParaRPr lang="fr-FR" dirty="0"/>
           </a:p>
@@ -18038,7 +18718,7 @@
             <a:fld id="{AAB2B963-CD1E-4F97-B37B-4DC1BAC01929}" type="datetime1">
               <a:rPr lang="fr-FR" smtClean="0"/>
               <a:pPr/>
-              <a:t>28/08/2018</a:t>
+              <a:t>24/09/2018</a:t>
             </a:fld>
             <a:endParaRPr lang="fr-FR" dirty="0"/>
           </a:p>
@@ -18383,7 +19063,7 @@
             <a:fld id="{3B84731D-5ADF-4FAB-AF52-C881064AFFC6}" type="datetime1">
               <a:rPr lang="fr-FR" smtClean="0"/>
               <a:pPr/>
-              <a:t>28/08/2018</a:t>
+              <a:t>24/09/2018</a:t>
             </a:fld>
             <a:endParaRPr lang="fr-FR" dirty="0"/>
           </a:p>
@@ -18660,7 +19340,7 @@
             <a:fld id="{F60AF5E7-0F52-4F93-A505-E58907A1F331}" type="datetime1">
               <a:rPr lang="fr-FR" smtClean="0"/>
               <a:pPr/>
-              <a:t>28/08/2018</a:t>
+              <a:t>24/09/2018</a:t>
             </a:fld>
             <a:endParaRPr lang="fr-FR" dirty="0"/>
           </a:p>
@@ -19041,7 +19721,7 @@
             <a:fld id="{8A05E8AA-F399-4001-9E3B-B391431F50E0}" type="datetime1">
               <a:rPr lang="fr-FR" smtClean="0"/>
               <a:pPr/>
-              <a:t>28/08/2018</a:t>
+              <a:t>24/09/2018</a:t>
             </a:fld>
             <a:endParaRPr lang="fr-FR" dirty="0"/>
           </a:p>
@@ -19161,7 +19841,7 @@
             <a:fld id="{ADF70360-C055-455A-82CA-3CF49A9F8022}" type="datetime1">
               <a:rPr lang="fr-FR" smtClean="0"/>
               <a:pPr/>
-              <a:t>28/08/2018</a:t>
+              <a:t>24/09/2018</a:t>
             </a:fld>
             <a:endParaRPr lang="fr-FR" dirty="0"/>
           </a:p>
@@ -19334,7 +20014,7 @@
             <a:fld id="{B11C45D0-DB17-4F5A-825A-05FA314F2A47}" type="datetime1">
               <a:rPr lang="fr-FR" smtClean="0"/>
               <a:pPr/>
-              <a:t>28/08/2018</a:t>
+              <a:t>24/09/2018</a:t>
             </a:fld>
             <a:endParaRPr lang="fr-FR" dirty="0"/>
           </a:p>
@@ -19690,7 +20370,7 @@
             <a:fld id="{B85864AF-B326-4C36-B651-CB72DFC7B13D}" type="datetime1">
               <a:rPr lang="fr-FR" smtClean="0"/>
               <a:pPr/>
-              <a:t>28/08/2018</a:t>
+              <a:t>24/09/2018</a:t>
             </a:fld>
             <a:endParaRPr lang="fr-FR" dirty="0"/>
           </a:p>
@@ -20069,7 +20749,7 @@
             <a:fld id="{D202D3B8-0FCA-45DE-8A67-DC4654DF7617}" type="datetime1">
               <a:rPr lang="fr-FR" smtClean="0"/>
               <a:pPr/>
-              <a:t>28/08/2018</a:t>
+              <a:t>24/09/2018</a:t>
             </a:fld>
             <a:endParaRPr lang="fr-FR" dirty="0"/>
           </a:p>
@@ -20358,7 +21038,7 @@
             <a:fld id="{CFA78B8A-2693-47F9-809F-C51FF790C881}" type="datetime1">
               <a:rPr lang="fr-FR" smtClean="0"/>
               <a:pPr/>
-              <a:t>28/08/2018</a:t>
+              <a:t>24/09/2018</a:t>
             </a:fld>
             <a:endParaRPr lang="fr-FR" dirty="0"/>
           </a:p>
@@ -21022,13 +21702,8 @@
           <a:p>
             <a:r>
               <a:rPr lang="fr-FR" sz="2500" dirty="0" smtClean="0"/>
-              <a:t> </a:t>
+              <a:t> El Hosni Yassine</a:t>
             </a:r>
-            <a:r>
-              <a:rPr lang="fr-FR" sz="2500" dirty="0" smtClean="0"/>
-              <a:t>El Hosni Yassine</a:t>
-            </a:r>
-            <a:endParaRPr lang="fr-FR" sz="2500" dirty="0" smtClean="0"/>
           </a:p>
           <a:p>
             <a:pPr marL="0" marR="0" lvl="0" indent="0" defTabSz="914400" rtl="0" eaLnBrk="1" fontAlgn="auto" latinLnBrk="0" hangingPunct="1">
@@ -21150,21 +21825,8 @@
                   <a:schemeClr val="bg1"/>
                 </a:solidFill>
               </a:rPr>
-              <a:t>Plateforme de gestion des </a:t>
+              <a:t>Plateforme de gestion des Projets.</a:t>
             </a:r>
-            <a:r>
-              <a:rPr lang="fr-FR" sz="6600" spc="-50" dirty="0" smtClean="0">
-                <a:solidFill>
-                  <a:schemeClr val="bg1"/>
-                </a:solidFill>
-              </a:rPr>
-              <a:t>Projets.</a:t>
-            </a:r>
-            <a:endParaRPr lang="fr-FR" sz="6600" spc="-50" dirty="0" smtClean="0">
-              <a:solidFill>
-                <a:schemeClr val="bg1"/>
-              </a:solidFill>
-            </a:endParaRPr>
           </a:p>
         </p:txBody>
       </p:sp>
@@ -21390,21 +22052,8 @@
                   <a:sysClr val="windowText" lastClr="000000"/>
                 </a:solidFill>
               </a:rPr>
-              <a:t>Projet de </a:t>
+              <a:t>Projet de Stage</a:t>
             </a:r>
-            <a:r>
-              <a:rPr lang="fr-FR" sz="4800" spc="-50" dirty="0" smtClean="0">
-                <a:solidFill>
-                  <a:sysClr val="windowText" lastClr="000000"/>
-                </a:solidFill>
-              </a:rPr>
-              <a:t>Stage</a:t>
-            </a:r>
-            <a:endParaRPr lang="fr-FR" sz="4800" spc="-50" dirty="0" smtClean="0">
-              <a:solidFill>
-                <a:sysClr val="windowText" lastClr="000000"/>
-              </a:solidFill>
-            </a:endParaRPr>
           </a:p>
         </p:txBody>
       </p:sp>
@@ -21885,20 +22534,20 @@
           <p:nvPr>
             <p:extLst>
               <p:ext uri="{D42A27DB-BD31-4B8C-83A1-F6EECF244321}">
-                <p14:modId xmlns:p14="http://schemas.microsoft.com/office/powerpoint/2010/main" val="3066002038"/>
+                <p14:modId xmlns:p14="http://schemas.microsoft.com/office/powerpoint/2010/main" val="3721080256"/>
               </p:ext>
             </p:extLst>
           </p:nvPr>
         </p:nvGraphicFramePr>
         <p:xfrm>
-          <a:off x="378022" y="2520007"/>
+          <a:off x="304189" y="2219865"/>
           <a:ext cx="10444048" cy="3168353"/>
         </p:xfrm>
         <a:graphic>
           <a:graphicData uri="http://schemas.openxmlformats.org/drawingml/2006/table">
             <a:tbl>
               <a:tblPr firstRow="1" bandRow="1">
-                <a:tableStyleId>{5C22544A-7EE6-4342-B048-85BDC9FD1C3A}</a:tableStyleId>
+                <a:tableStyleId>{93296810-A885-4BE3-A3E7-6D5BEEA58F35}</a:tableStyleId>
               </a:tblPr>
               <a:tblGrid>
                 <a:gridCol w="1704190"/>
@@ -22007,12 +22656,8 @@
                     <a:p>
                       <a:pPr algn="ctr"/>
                       <a:r>
-                        <a:rPr lang="fr-FR" sz="2400" b="1" dirty="0" smtClean="0"/>
-                        <a:t>Gestion des </a:t>
-                      </a:r>
-                      <a:r>
-                        <a:rPr lang="fr-FR" sz="2400" b="1" dirty="0" smtClean="0"/>
-                        <a:t>Utilisateurs</a:t>
+                        <a:rPr lang="fr-FR" sz="2400" dirty="0" smtClean="0"/>
+                        <a:t>Gestion des Utilisateurs</a:t>
                       </a:r>
                       <a:endParaRPr lang="fr-FR" sz="2400" b="1" dirty="0"/>
                     </a:p>
@@ -22041,7 +22686,7 @@
                     <a:p>
                       <a:pPr algn="ctr"/>
                       <a:r>
-                        <a:rPr lang="fr-FR" sz="2400" b="1" dirty="0" smtClean="0"/>
+                        <a:rPr lang="fr-FR" sz="2400" dirty="0" smtClean="0"/>
                         <a:t> x</a:t>
                       </a:r>
                       <a:endParaRPr lang="fr-FR" sz="2400" b="1" dirty="0"/>
@@ -22056,7 +22701,7 @@
                     <a:p>
                       <a:pPr algn="ctr"/>
                       <a:r>
-                        <a:rPr lang="fr-FR" sz="2400" b="1" dirty="0" smtClean="0"/>
+                        <a:rPr lang="fr-FR" sz="2400" dirty="0" smtClean="0"/>
                         <a:t>x</a:t>
                       </a:r>
                       <a:endParaRPr lang="fr-FR" sz="2400" b="1" dirty="0"/>
@@ -22071,7 +22716,7 @@
                     <a:p>
                       <a:pPr algn="ctr"/>
                       <a:r>
-                        <a:rPr lang="fr-FR" sz="2400" b="1" dirty="0" smtClean="0"/>
+                        <a:rPr lang="fr-FR" sz="2400" dirty="0" smtClean="0"/>
                         <a:t>x</a:t>
                       </a:r>
                       <a:endParaRPr lang="fr-FR" sz="2400" b="1" dirty="0"/>
@@ -22086,7 +22731,7 @@
                     <a:p>
                       <a:pPr algn="ctr"/>
                       <a:r>
-                        <a:rPr lang="fr-FR" sz="2400" b="1" dirty="0" smtClean="0"/>
+                        <a:rPr lang="fr-FR" sz="2400" dirty="0" smtClean="0"/>
                         <a:t>x</a:t>
                       </a:r>
                       <a:endParaRPr lang="fr-FR" sz="2400" b="1" dirty="0"/>
@@ -22128,7 +22773,7 @@
                     <a:p>
                       <a:pPr algn="ctr"/>
                       <a:r>
-                        <a:rPr lang="fr-FR" sz="2400" b="1" dirty="0" smtClean="0"/>
+                        <a:rPr lang="fr-FR" sz="2400" dirty="0" smtClean="0"/>
                         <a:t>x</a:t>
                       </a:r>
                       <a:endParaRPr lang="fr-FR" sz="2400" b="1" dirty="0"/>
@@ -22143,7 +22788,7 @@
                     <a:p>
                       <a:pPr algn="ctr"/>
                       <a:r>
-                        <a:rPr lang="fr-FR" sz="2400" b="1" dirty="0" smtClean="0"/>
+                        <a:rPr lang="fr-FR" sz="2400" dirty="0" smtClean="0"/>
                         <a:t>x</a:t>
                       </a:r>
                       <a:endParaRPr lang="fr-FR" sz="2400" b="1" dirty="0"/>
@@ -22158,7 +22803,7 @@
                     <a:p>
                       <a:pPr algn="ctr"/>
                       <a:r>
-                        <a:rPr lang="fr-FR" sz="2400" b="1" dirty="0" smtClean="0"/>
+                        <a:rPr lang="fr-FR" sz="2400" dirty="0" smtClean="0"/>
                         <a:t>x</a:t>
                       </a:r>
                       <a:endParaRPr lang="fr-FR" sz="2400" b="1" dirty="0"/>
@@ -22173,7 +22818,7 @@
                     <a:p>
                       <a:pPr algn="ctr"/>
                       <a:r>
-                        <a:rPr lang="fr-FR" sz="2400" b="1" dirty="0" smtClean="0"/>
+                        <a:rPr lang="fr-FR" sz="2400" dirty="0" smtClean="0"/>
                         <a:t>x</a:t>
                       </a:r>
                       <a:endParaRPr lang="fr-FR" sz="2400" b="1" dirty="0"/>
@@ -22748,20 +23393,20 @@
           <p:nvPr>
             <p:extLst>
               <p:ext uri="{D42A27DB-BD31-4B8C-83A1-F6EECF244321}">
-                <p14:modId xmlns:p14="http://schemas.microsoft.com/office/powerpoint/2010/main" val="1931780776"/>
+                <p14:modId xmlns:p14="http://schemas.microsoft.com/office/powerpoint/2010/main" val="2964673949"/>
               </p:ext>
             </p:extLst>
           </p:nvPr>
         </p:nvGraphicFramePr>
         <p:xfrm>
-          <a:off x="740038" y="2140526"/>
+          <a:off x="799054" y="2112828"/>
           <a:ext cx="9432341" cy="3619843"/>
         </p:xfrm>
         <a:graphic>
           <a:graphicData uri="http://schemas.openxmlformats.org/drawingml/2006/table">
             <a:tbl>
               <a:tblPr firstRow="1" bandRow="1">
-                <a:tableStyleId>{5C22544A-7EE6-4342-B048-85BDC9FD1C3A}</a:tableStyleId>
+                <a:tableStyleId>{93296810-A885-4BE3-A3E7-6D5BEEA58F35}</a:tableStyleId>
               </a:tblPr>
               <a:tblGrid>
                 <a:gridCol w="1799493"/>
@@ -22835,11 +23480,7 @@
                       </a:r>
                       <a:r>
                         <a:rPr lang="fr-FR" sz="1900" baseline="0" dirty="0" smtClean="0"/>
-                        <a:t> </a:t>
-                      </a:r>
-                      <a:r>
-                        <a:rPr lang="fr-FR" sz="1900" baseline="0" dirty="0" smtClean="0"/>
-                        <a:t>&amp; consultation</a:t>
+                        <a:t> &amp; consultation</a:t>
                       </a:r>
                       <a:endParaRPr lang="fr-FR" sz="1900" dirty="0"/>
                     </a:p>
@@ -22874,11 +23515,11 @@
                     <a:p>
                       <a:pPr algn="ctr"/>
                       <a:r>
-                        <a:rPr lang="fr-FR" sz="2400" b="1" dirty="0" smtClean="0"/>
+                        <a:rPr lang="fr-FR" sz="2400" dirty="0" smtClean="0"/>
                         <a:t>Gestion</a:t>
                       </a:r>
                       <a:r>
-                        <a:rPr lang="fr-FR" sz="2400" b="1" baseline="0" dirty="0" smtClean="0"/>
+                        <a:rPr lang="fr-FR" sz="2400" baseline="0" dirty="0" smtClean="0"/>
                         <a:t> des Client</a:t>
                       </a:r>
                       <a:endParaRPr lang="fr-FR" sz="2400" b="1" dirty="0"/>
@@ -22893,11 +23534,7 @@
                     <a:p>
                       <a:pPr algn="ctr"/>
                       <a:r>
-                        <a:rPr lang="fr-FR" b="1" dirty="0" smtClean="0">
-                          <a:solidFill>
-                            <a:schemeClr val="tx1"/>
-                          </a:solidFill>
-                        </a:rPr>
+                        <a:rPr lang="fr-FR" dirty="0" smtClean="0"/>
                         <a:t>Administrateur</a:t>
                       </a:r>
                       <a:endParaRPr lang="fr-FR" b="1" dirty="0">
@@ -22973,7 +23610,7 @@
                     <a:p>
                       <a:pPr algn="ctr"/>
                       <a:r>
-                        <a:rPr lang="fr-FR" b="1" dirty="0" smtClean="0"/>
+                        <a:rPr lang="fr-FR" dirty="0" smtClean="0"/>
                         <a:t>Gérant</a:t>
                       </a:r>
                       <a:endParaRPr lang="fr-FR" b="1" dirty="0"/>
@@ -23045,7 +23682,7 @@
                     <a:p>
                       <a:pPr algn="ctr"/>
                       <a:r>
-                        <a:rPr lang="fr-FR" b="1" dirty="0" smtClean="0"/>
+                        <a:rPr lang="fr-FR" dirty="0" smtClean="0"/>
                         <a:t>Chef de Projet</a:t>
                       </a:r>
                       <a:endParaRPr lang="fr-FR" b="1" dirty="0"/>
@@ -23105,7 +23742,7 @@
                     <a:p>
                       <a:pPr algn="ctr"/>
                       <a:r>
-                        <a:rPr lang="fr-FR" b="1" dirty="0" smtClean="0"/>
+                        <a:rPr lang="fr-FR" dirty="0" smtClean="0"/>
                         <a:t>Employé</a:t>
                       </a:r>
                       <a:endParaRPr lang="fr-FR" b="1" dirty="0"/>
@@ -23574,7 +24211,7 @@
           <p:nvPr>
             <p:extLst>
               <p:ext uri="{D42A27DB-BD31-4B8C-83A1-F6EECF244321}">
-                <p14:modId xmlns:p14="http://schemas.microsoft.com/office/powerpoint/2010/main" val="4163334167"/>
+                <p14:modId xmlns:p14="http://schemas.microsoft.com/office/powerpoint/2010/main" val="4060012463"/>
               </p:ext>
             </p:extLst>
           </p:nvPr>
@@ -23587,7 +24224,7 @@
           <a:graphicData uri="http://schemas.openxmlformats.org/drawingml/2006/table">
             <a:tbl>
               <a:tblPr firstRow="1" bandRow="1">
-                <a:tableStyleId>{5C22544A-7EE6-4342-B048-85BDC9FD1C3A}</a:tableStyleId>
+                <a:tableStyleId>{93296810-A885-4BE3-A3E7-6D5BEEA58F35}</a:tableStyleId>
               </a:tblPr>
               <a:tblGrid>
                 <a:gridCol w="1799493"/>
@@ -23662,11 +24299,7 @@
                       </a:r>
                       <a:r>
                         <a:rPr lang="fr-FR" sz="1900" baseline="0" dirty="0" smtClean="0"/>
-                        <a:t> </a:t>
-                      </a:r>
-                      <a:r>
-                        <a:rPr lang="fr-FR" sz="1900" baseline="0" dirty="0" smtClean="0"/>
-                        <a:t>&amp; consultation</a:t>
+                        <a:t> &amp; consultation</a:t>
                       </a:r>
                       <a:endParaRPr lang="fr-FR" sz="1900" dirty="0"/>
                     </a:p>
@@ -23720,11 +24353,11 @@
                     <a:p>
                       <a:pPr algn="ctr"/>
                       <a:r>
-                        <a:rPr lang="fr-FR" sz="2400" b="1" dirty="0" smtClean="0"/>
+                        <a:rPr lang="fr-FR" sz="2400" dirty="0" smtClean="0"/>
                         <a:t>Gestion</a:t>
                       </a:r>
                       <a:r>
-                        <a:rPr lang="fr-FR" sz="2400" b="1" baseline="0" dirty="0" smtClean="0"/>
+                        <a:rPr lang="fr-FR" sz="2400" baseline="0" dirty="0" smtClean="0"/>
                         <a:t> des Projets</a:t>
                       </a:r>
                       <a:endParaRPr lang="fr-FR" sz="2400" b="1" dirty="0"/>
@@ -23739,11 +24372,7 @@
                     <a:p>
                       <a:pPr algn="ctr"/>
                       <a:r>
-                        <a:rPr lang="fr-FR" b="1" dirty="0" smtClean="0">
-                          <a:solidFill>
-                            <a:schemeClr val="tx1"/>
-                          </a:solidFill>
-                        </a:rPr>
+                        <a:rPr lang="fr-FR" dirty="0" smtClean="0"/>
                         <a:t>Administrateur</a:t>
                       </a:r>
                       <a:endParaRPr lang="fr-FR" b="1" dirty="0">
@@ -23834,7 +24463,7 @@
                     <a:p>
                       <a:pPr algn="ctr"/>
                       <a:r>
-                        <a:rPr lang="fr-FR" b="1" dirty="0" smtClean="0"/>
+                        <a:rPr lang="fr-FR" dirty="0" smtClean="0"/>
                         <a:t>Gérant</a:t>
                       </a:r>
                       <a:endParaRPr lang="fr-FR" b="1" dirty="0"/>
@@ -23921,7 +24550,7 @@
                     <a:p>
                       <a:pPr algn="ctr"/>
                       <a:r>
-                        <a:rPr lang="fr-FR" b="1" dirty="0" smtClean="0"/>
+                        <a:rPr lang="fr-FR" dirty="0" smtClean="0"/>
                         <a:t>Chef de Projet</a:t>
                       </a:r>
                       <a:endParaRPr lang="fr-FR" b="1" dirty="0"/>
@@ -24004,7 +24633,7 @@
                     <a:p>
                       <a:pPr algn="ctr"/>
                       <a:r>
-                        <a:rPr lang="fr-FR" b="1" dirty="0" smtClean="0"/>
+                        <a:rPr lang="fr-FR" dirty="0" smtClean="0"/>
                         <a:t>Employé</a:t>
                       </a:r>
                       <a:endParaRPr lang="fr-FR" b="1" dirty="0"/>
@@ -24483,20 +25112,20 @@
           <p:nvPr>
             <p:extLst>
               <p:ext uri="{D42A27DB-BD31-4B8C-83A1-F6EECF244321}">
-                <p14:modId xmlns:p14="http://schemas.microsoft.com/office/powerpoint/2010/main" val="1127650581"/>
+                <p14:modId xmlns:p14="http://schemas.microsoft.com/office/powerpoint/2010/main" val="14770418"/>
               </p:ext>
             </p:extLst>
           </p:nvPr>
         </p:nvGraphicFramePr>
         <p:xfrm>
-          <a:off x="266327" y="1965065"/>
-          <a:ext cx="10595788" cy="3799920"/>
+          <a:off x="266327" y="2045935"/>
+          <a:ext cx="10595788" cy="3719050"/>
         </p:xfrm>
         <a:graphic>
           <a:graphicData uri="http://schemas.openxmlformats.org/drawingml/2006/table">
             <a:tbl>
               <a:tblPr firstRow="1" bandRow="1">
-                <a:tableStyleId>{5C22544A-7EE6-4342-B048-85BDC9FD1C3A}</a:tableStyleId>
+                <a:tableStyleId>{93296810-A885-4BE3-A3E7-6D5BEEA58F35}</a:tableStyleId>
               </a:tblPr>
               <a:tblGrid>
                 <a:gridCol w="1656184"/>
@@ -24507,7 +25136,7 @@
                 <a:gridCol w="1709106"/>
                 <a:gridCol w="1709106"/>
               </a:tblGrid>
-              <a:tr h="1289788">
+              <a:tr h="1262338">
                 <a:tc>
                   <a:txBody>
                     <a:bodyPr/>
@@ -24572,11 +25201,7 @@
                       </a:r>
                       <a:r>
                         <a:rPr lang="fr-FR" sz="1900" baseline="0" dirty="0" smtClean="0"/>
-                        <a:t> </a:t>
-                      </a:r>
-                      <a:r>
-                        <a:rPr lang="fr-FR" sz="1900" baseline="0" dirty="0" smtClean="0"/>
-                        <a:t>&amp; consultation</a:t>
+                        <a:t> &amp; consultation</a:t>
                       </a:r>
                       <a:endParaRPr lang="fr-FR" sz="1900" dirty="0"/>
                     </a:p>
@@ -24648,7 +25273,7 @@
                   <a:tcPr/>
                 </a:tc>
               </a:tr>
-              <a:tr h="650091">
+              <a:tr h="636256">
                 <a:tc rowSpan="4">
                   <a:txBody>
                     <a:bodyPr/>
@@ -24656,11 +25281,11 @@
                     <a:p>
                       <a:pPr algn="ctr"/>
                       <a:r>
-                        <a:rPr lang="fr-FR" sz="2400" b="1" dirty="0" smtClean="0"/>
+                        <a:rPr lang="fr-FR" sz="2400" dirty="0" smtClean="0"/>
                         <a:t>Gestion</a:t>
                       </a:r>
                       <a:r>
-                        <a:rPr lang="fr-FR" sz="2400" b="1" baseline="0" dirty="0" smtClean="0"/>
+                        <a:rPr lang="fr-FR" sz="2400" baseline="0" dirty="0" smtClean="0"/>
                         <a:t> des Taches </a:t>
                       </a:r>
                       <a:endParaRPr lang="fr-FR" sz="2400" b="1" dirty="0"/>
@@ -24675,11 +25300,7 @@
                     <a:p>
                       <a:pPr algn="ctr"/>
                       <a:r>
-                        <a:rPr lang="fr-FR" b="1" dirty="0" smtClean="0">
-                          <a:solidFill>
-                            <a:schemeClr val="tx1"/>
-                          </a:solidFill>
-                        </a:rPr>
+                        <a:rPr lang="fr-FR" dirty="0" smtClean="0"/>
                         <a:t>Administrateur</a:t>
                       </a:r>
                       <a:endParaRPr lang="fr-FR" b="1" dirty="0">
@@ -24763,7 +25384,7 @@
                   <a:tcPr/>
                 </a:tc>
               </a:tr>
-              <a:tr h="604975">
+              <a:tr h="592100">
                 <a:tc vMerge="1">
                   <a:txBody>
                     <a:bodyPr/>
@@ -24781,7 +25402,7 @@
                     <a:p>
                       <a:pPr algn="ctr"/>
                       <a:r>
-                        <a:rPr lang="fr-FR" b="1" dirty="0" smtClean="0"/>
+                        <a:rPr lang="fr-FR" dirty="0" smtClean="0"/>
                         <a:t>Gérant</a:t>
                       </a:r>
                       <a:endParaRPr lang="fr-FR" b="1" dirty="0"/>
@@ -24861,7 +25482,7 @@
                   <a:tcPr/>
                 </a:tc>
               </a:tr>
-              <a:tr h="650091">
+              <a:tr h="636256">
                 <a:tc vMerge="1">
                   <a:txBody>
                     <a:bodyPr/>
@@ -24879,7 +25500,7 @@
                     <a:p>
                       <a:pPr algn="ctr"/>
                       <a:r>
-                        <a:rPr lang="fr-FR" b="1" dirty="0" smtClean="0"/>
+                        <a:rPr lang="fr-FR" dirty="0" smtClean="0"/>
                         <a:t>Chef de Projet</a:t>
                       </a:r>
                       <a:endParaRPr lang="fr-FR" b="1" dirty="0"/>
@@ -24959,7 +25580,7 @@
                   <a:tcPr/>
                 </a:tc>
               </a:tr>
-              <a:tr h="604975">
+              <a:tr h="592100">
                 <a:tc vMerge="1">
                   <a:txBody>
                     <a:bodyPr/>
@@ -24977,7 +25598,7 @@
                     <a:p>
                       <a:pPr algn="ctr"/>
                       <a:r>
-                        <a:rPr lang="fr-FR" b="1" dirty="0" smtClean="0"/>
+                        <a:rPr lang="fr-FR" dirty="0" smtClean="0"/>
                         <a:t>Employé</a:t>
                       </a:r>
                       <a:endParaRPr lang="fr-FR" b="1" dirty="0"/>
@@ -25485,20 +26106,7 @@
                 <a:ea typeface="+mj-ea"/>
                 <a:cs typeface="+mj-cs"/>
               </a:rPr>
-              <a:t> </a:t>
-            </a:r>
-            <a:r>
-              <a:rPr lang="fr-FR" sz="2000" b="1" spc="-50" dirty="0" smtClean="0">
-                <a:solidFill>
-                  <a:schemeClr val="accent2">
-                    <a:lumMod val="50000"/>
-                  </a:schemeClr>
-                </a:solidFill>
-                <a:latin typeface="+mj-lt"/>
-                <a:ea typeface="+mj-ea"/>
-                <a:cs typeface="+mj-cs"/>
-              </a:rPr>
-              <a:t>UML</a:t>
+              <a:t> UML</a:t>
             </a:r>
             <a:r>
               <a:rPr lang="fr-FR" sz="4400" b="1" spc="-50" dirty="0" smtClean="0">
@@ -25770,7 +26378,6 @@
               <a:rPr lang="fr-FR" b="1" dirty="0"/>
               <a:t>données</a:t>
             </a:r>
-            <a:endParaRPr lang="fr-FR" b="1" dirty="0"/>
           </a:p>
         </p:txBody>
       </p:sp>
@@ -25795,8 +26402,8 @@
         </p:blipFill>
         <p:spPr>
           <a:xfrm>
-            <a:off x="1640381" y="242273"/>
-            <a:ext cx="7992402" cy="5256584"/>
+            <a:off x="1490571" y="143743"/>
+            <a:ext cx="8142212" cy="5355114"/>
           </a:xfrm>
           <a:prstGeom prst="rect">
             <a:avLst/>
@@ -26211,20 +26818,7 @@
                 <a:ea typeface="+mj-ea"/>
                 <a:cs typeface="+mj-cs"/>
               </a:rPr>
-              <a:t> </a:t>
-            </a:r>
-            <a:r>
-              <a:rPr lang="fr-FR" sz="2000" b="1" spc="-50" dirty="0" smtClean="0">
-                <a:solidFill>
-                  <a:schemeClr val="accent2">
-                    <a:lumMod val="50000"/>
-                  </a:schemeClr>
-                </a:solidFill>
-                <a:latin typeface="+mj-lt"/>
-                <a:ea typeface="+mj-ea"/>
-                <a:cs typeface="+mj-cs"/>
-              </a:rPr>
-              <a:t>UML</a:t>
+              <a:t> UML</a:t>
             </a:r>
             <a:r>
               <a:rPr lang="fr-FR" sz="4400" b="1" spc="-50" dirty="0" smtClean="0">
@@ -26580,7 +27174,7 @@
           <p:nvPr>
             <p:extLst>
               <p:ext uri="{D42A27DB-BD31-4B8C-83A1-F6EECF244321}">
-                <p14:modId xmlns:p14="http://schemas.microsoft.com/office/powerpoint/2010/main" val="3427221229"/>
+                <p14:modId xmlns:p14="http://schemas.microsoft.com/office/powerpoint/2010/main" val="4277748015"/>
               </p:ext>
             </p:extLst>
           </p:nvPr>
@@ -28420,19 +29014,56 @@
         <p:txBody>
           <a:bodyPr>
             <a:normAutofit/>
+            <a:scene3d>
+              <a:camera prst="orthographicFront"/>
+              <a:lightRig rig="harsh" dir="t"/>
+            </a:scene3d>
+            <a:sp3d extrusionH="57150" prstMaterial="matte">
+              <a:bevelT w="63500" h="12700" prst="angle"/>
+              <a:contourClr>
+                <a:schemeClr val="bg1">
+                  <a:lumMod val="65000"/>
+                </a:schemeClr>
+              </a:contourClr>
+            </a:sp3d>
           </a:bodyPr>
           <a:lstStyle/>
           <a:p>
             <a:pPr algn="ctr"/>
-            <a:endParaRPr lang="fr-FR" sz="4800" b="1" dirty="0" smtClean="0"/>
+            <a:endParaRPr lang="fr-FR" sz="4800" b="1" dirty="0" smtClean="0">
+              <a:ln/>
+              <a:solidFill>
+                <a:schemeClr val="accent3"/>
+              </a:solidFill>
+            </a:endParaRPr>
           </a:p>
           <a:p>
             <a:pPr algn="ctr"/>
             <a:r>
-              <a:rPr lang="fr-FR" sz="4800" b="1" dirty="0" smtClean="0"/>
+              <a:rPr lang="fr-FR" sz="4800" b="1" dirty="0" smtClean="0">
+                <a:ln w="12700" cmpd="sng">
+                  <a:solidFill>
+                    <a:schemeClr val="accent4"/>
+                  </a:solidFill>
+                  <a:prstDash val="solid"/>
+                </a:ln>
+                <a:solidFill>
+                  <a:srgbClr val="0070C0"/>
+                </a:solidFill>
+              </a:rPr>
               <a:t>Merci de votre attention .</a:t>
             </a:r>
-            <a:endParaRPr lang="fr-FR" sz="4800" b="1" dirty="0"/>
+            <a:endParaRPr lang="fr-FR" sz="4800" b="1" dirty="0">
+              <a:ln w="12700" cmpd="sng">
+                <a:solidFill>
+                  <a:schemeClr val="accent4"/>
+                </a:solidFill>
+                <a:prstDash val="solid"/>
+              </a:ln>
+              <a:solidFill>
+                <a:srgbClr val="0070C0"/>
+              </a:solidFill>
+            </a:endParaRPr>
           </a:p>
         </p:txBody>
       </p:sp>
@@ -29795,11 +30426,6 @@
               </a:rPr>
               <a:t>Travail à faire</a:t>
             </a:r>
-            <a:endParaRPr lang="fr-FR" sz="2000" b="1" spc="-50" dirty="0" smtClean="0">
-              <a:latin typeface="+mj-lt"/>
-              <a:ea typeface="+mj-ea"/>
-              <a:cs typeface="+mj-cs"/>
-            </a:endParaRPr>
           </a:p>
           <a:p>
             <a:pPr marL="0" marR="0" lvl="0" indent="0" algn="ctr" defTabSz="914400" rtl="0" eaLnBrk="1" fontAlgn="auto" latinLnBrk="0" hangingPunct="1">
@@ -29920,10 +30546,6 @@
               </a:rPr>
               <a:t>Critique du processus actuel </a:t>
             </a:r>
-            <a:endParaRPr lang="fr-FR" sz="2400" b="1" dirty="0" smtClean="0">
-              <a:latin typeface="Times New Roman" pitchFamily="18" charset="0"/>
-              <a:cs typeface="Times New Roman" pitchFamily="18" charset="0"/>
-            </a:endParaRPr>
           </a:p>
         </p:txBody>
       </p:sp>
@@ -31089,7 +31711,7 @@
           <p:nvPr>
             <p:extLst>
               <p:ext uri="{D42A27DB-BD31-4B8C-83A1-F6EECF244321}">
-                <p14:modId xmlns:p14="http://schemas.microsoft.com/office/powerpoint/2010/main" val="1419842308"/>
+                <p14:modId xmlns:p14="http://schemas.microsoft.com/office/powerpoint/2010/main" val="1350388997"/>
               </p:ext>
             </p:extLst>
           </p:nvPr>
@@ -32208,18 +32830,7 @@
                 <a:ea typeface="+mn-ea"/>
                 <a:cs typeface="Times New Roman" pitchFamily="18" charset="0"/>
               </a:rPr>
-              <a:t>Exigences auxquelles le système doit </a:t>
-            </a:r>
-            <a:r>
-              <a:rPr lang="fr-FR" sz="2400" b="1" dirty="0" smtClean="0">
-                <a:solidFill>
-                  <a:schemeClr val="accent1"/>
-                </a:solidFill>
-                <a:latin typeface="Times New Roman" pitchFamily="18" charset="0"/>
-                <a:ea typeface="+mn-ea"/>
-                <a:cs typeface="Times New Roman" pitchFamily="18" charset="0"/>
-              </a:rPr>
-              <a:t>répondre :</a:t>
+              <a:t>Exigences auxquelles le système doit répondre :</a:t>
             </a:r>
             <a:endParaRPr lang="fr-FR" sz="2400" b="1" dirty="0">
               <a:solidFill>
@@ -33042,7 +33653,7 @@
             <p:ph idx="1"/>
             <p:extLst>
               <p:ext uri="{D42A27DB-BD31-4B8C-83A1-F6EECF244321}">
-                <p14:modId xmlns:p14="http://schemas.microsoft.com/office/powerpoint/2010/main" val="4054367874"/>
+                <p14:modId xmlns:p14="http://schemas.microsoft.com/office/powerpoint/2010/main" val="2677920425"/>
               </p:ext>
             </p:extLst>
           </p:nvPr>
